--- a/ecg_vbeat.pptx
+++ b/ecg_vbeat.pptx
@@ -7,6 +7,10 @@
   <p:sldIdLst>
     <p:sldId id="256" r:id="rId2"/>
     <p:sldId id="257" r:id="rId3"/>
+    <p:sldId id="258" r:id="rId4"/>
+    <p:sldId id="259" r:id="rId5"/>
+    <p:sldId id="260" r:id="rId6"/>
+    <p:sldId id="261" r:id="rId7"/>
   </p:sldIdLst>
   <p:sldSz cx="12192000" cy="6858000"/>
   <p:notesSz cx="6858000" cy="9144000"/>
@@ -105,6 +109,11 @@
       </a:defRPr>
     </a:lvl9pPr>
   </p:defaultTextStyle>
+  <p:extLst>
+    <p:ext uri="{EFAFB233-063F-42B5-8137-9DF3F51BA10A}">
+      <p15:sldGuideLst xmlns:p15="http://schemas.microsoft.com/office/powerpoint/2012/main"/>
+    </p:ext>
+  </p:extLst>
 </p:presentation>
 </file>
 
@@ -257,7 +266,7 @@
           <a:p>
             <a:fld id="{46A42295-5F1D-4AEE-AB5B-478418305D41}" type="datetimeFigureOut">
               <a:rPr lang="en-SG" smtClean="0"/>
-              <a:t>9/10/2019</a:t>
+              <a:t>11/10/2019</a:t>
             </a:fld>
             <a:endParaRPr lang="en-SG"/>
           </a:p>
@@ -457,7 +466,7 @@
           <a:p>
             <a:fld id="{46A42295-5F1D-4AEE-AB5B-478418305D41}" type="datetimeFigureOut">
               <a:rPr lang="en-SG" smtClean="0"/>
-              <a:t>9/10/2019</a:t>
+              <a:t>11/10/2019</a:t>
             </a:fld>
             <a:endParaRPr lang="en-SG"/>
           </a:p>
@@ -667,7 +676,7 @@
           <a:p>
             <a:fld id="{46A42295-5F1D-4AEE-AB5B-478418305D41}" type="datetimeFigureOut">
               <a:rPr lang="en-SG" smtClean="0"/>
-              <a:t>9/10/2019</a:t>
+              <a:t>11/10/2019</a:t>
             </a:fld>
             <a:endParaRPr lang="en-SG"/>
           </a:p>
@@ -867,7 +876,7 @@
           <a:p>
             <a:fld id="{46A42295-5F1D-4AEE-AB5B-478418305D41}" type="datetimeFigureOut">
               <a:rPr lang="en-SG" smtClean="0"/>
-              <a:t>9/10/2019</a:t>
+              <a:t>11/10/2019</a:t>
             </a:fld>
             <a:endParaRPr lang="en-SG"/>
           </a:p>
@@ -1143,7 +1152,7 @@
           <a:p>
             <a:fld id="{46A42295-5F1D-4AEE-AB5B-478418305D41}" type="datetimeFigureOut">
               <a:rPr lang="en-SG" smtClean="0"/>
-              <a:t>9/10/2019</a:t>
+              <a:t>11/10/2019</a:t>
             </a:fld>
             <a:endParaRPr lang="en-SG"/>
           </a:p>
@@ -1411,7 +1420,7 @@
           <a:p>
             <a:fld id="{46A42295-5F1D-4AEE-AB5B-478418305D41}" type="datetimeFigureOut">
               <a:rPr lang="en-SG" smtClean="0"/>
-              <a:t>9/10/2019</a:t>
+              <a:t>11/10/2019</a:t>
             </a:fld>
             <a:endParaRPr lang="en-SG"/>
           </a:p>
@@ -1826,7 +1835,7 @@
           <a:p>
             <a:fld id="{46A42295-5F1D-4AEE-AB5B-478418305D41}" type="datetimeFigureOut">
               <a:rPr lang="en-SG" smtClean="0"/>
-              <a:t>9/10/2019</a:t>
+              <a:t>11/10/2019</a:t>
             </a:fld>
             <a:endParaRPr lang="en-SG"/>
           </a:p>
@@ -1968,7 +1977,7 @@
           <a:p>
             <a:fld id="{46A42295-5F1D-4AEE-AB5B-478418305D41}" type="datetimeFigureOut">
               <a:rPr lang="en-SG" smtClean="0"/>
-              <a:t>9/10/2019</a:t>
+              <a:t>11/10/2019</a:t>
             </a:fld>
             <a:endParaRPr lang="en-SG"/>
           </a:p>
@@ -2081,7 +2090,7 @@
           <a:p>
             <a:fld id="{46A42295-5F1D-4AEE-AB5B-478418305D41}" type="datetimeFigureOut">
               <a:rPr lang="en-SG" smtClean="0"/>
-              <a:t>9/10/2019</a:t>
+              <a:t>11/10/2019</a:t>
             </a:fld>
             <a:endParaRPr lang="en-SG"/>
           </a:p>
@@ -2394,7 +2403,7 @@
           <a:p>
             <a:fld id="{46A42295-5F1D-4AEE-AB5B-478418305D41}" type="datetimeFigureOut">
               <a:rPr lang="en-SG" smtClean="0"/>
-              <a:t>9/10/2019</a:t>
+              <a:t>11/10/2019</a:t>
             </a:fld>
             <a:endParaRPr lang="en-SG"/>
           </a:p>
@@ -2683,7 +2692,7 @@
           <a:p>
             <a:fld id="{46A42295-5F1D-4AEE-AB5B-478418305D41}" type="datetimeFigureOut">
               <a:rPr lang="en-SG" smtClean="0"/>
-              <a:t>9/10/2019</a:t>
+              <a:t>11/10/2019</a:t>
             </a:fld>
             <a:endParaRPr lang="en-SG"/>
           </a:p>
@@ -2926,7 +2935,7 @@
           <a:p>
             <a:fld id="{46A42295-5F1D-4AEE-AB5B-478418305D41}" type="datetimeFigureOut">
               <a:rPr lang="en-SG" smtClean="0"/>
-              <a:t>9/10/2019</a:t>
+              <a:t>11/10/2019</a:t>
             </a:fld>
             <a:endParaRPr lang="en-SG"/>
           </a:p>
@@ -3345,6 +3354,35 @@
       </p:grpSpPr>
       <p:pic>
         <p:nvPicPr>
+          <p:cNvPr id="12" name="Picture 11">
+            <a:extLst>
+              <a:ext uri="{FF2B5EF4-FFF2-40B4-BE49-F238E27FC236}">
+                <a16:creationId xmlns:a16="http://schemas.microsoft.com/office/drawing/2014/main" id="{6409EB56-B164-4566-ABB9-6AA202BDD332}"/>
+              </a:ext>
+            </a:extLst>
+          </p:cNvPr>
+          <p:cNvPicPr>
+            <a:picLocks noChangeAspect="1"/>
+          </p:cNvPicPr>
+          <p:nvPr/>
+        </p:nvPicPr>
+        <p:blipFill rotWithShape="1">
+          <a:blip r:embed="rId2"/>
+          <a:srcRect l="57702" r="12821"/>
+          <a:stretch/>
+        </p:blipFill>
+        <p:spPr>
+          <a:xfrm>
+            <a:off x="7654882" y="1401595"/>
+            <a:ext cx="3286561" cy="4558145"/>
+          </a:xfrm>
+          <a:prstGeom prst="rect">
+            <a:avLst/>
+          </a:prstGeom>
+        </p:spPr>
+      </p:pic>
+      <p:pic>
+        <p:nvPicPr>
           <p:cNvPr id="4" name="Picture 3">
             <a:extLst>
               <a:ext uri="{FF2B5EF4-FFF2-40B4-BE49-F238E27FC236}">
@@ -3358,14 +3396,14 @@
           <p:nvPr/>
         </p:nvPicPr>
         <p:blipFill>
-          <a:blip r:embed="rId2"/>
+          <a:blip r:embed="rId3"/>
           <a:stretch>
             <a:fillRect/>
           </a:stretch>
         </p:blipFill>
         <p:spPr>
           <a:xfrm>
-            <a:off x="1637469" y="1149927"/>
+            <a:off x="991516" y="1401597"/>
             <a:ext cx="4600688" cy="4558145"/>
           </a:xfrm>
           <a:prstGeom prst="rect">
@@ -3373,6 +3411,722 @@
           </a:prstGeom>
         </p:spPr>
       </p:pic>
+      <p:sp>
+        <p:nvSpPr>
+          <p:cNvPr id="2" name="Rectangle 1">
+            <a:extLst>
+              <a:ext uri="{FF2B5EF4-FFF2-40B4-BE49-F238E27FC236}">
+                <a16:creationId xmlns:a16="http://schemas.microsoft.com/office/drawing/2014/main" id="{7E2AF85F-4403-4B1C-BA1A-7B62D61F7E33}"/>
+              </a:ext>
+            </a:extLst>
+          </p:cNvPr>
+          <p:cNvSpPr/>
+          <p:nvPr/>
+        </p:nvSpPr>
+        <p:spPr>
+          <a:xfrm>
+            <a:off x="991516" y="1401596"/>
+            <a:ext cx="10174231" cy="4558145"/>
+          </a:xfrm>
+          <a:prstGeom prst="rect">
+            <a:avLst/>
+          </a:prstGeom>
+          <a:noFill/>
+          <a:ln>
+            <a:solidFill>
+              <a:schemeClr val="tx1"/>
+            </a:solidFill>
+          </a:ln>
+        </p:spPr>
+        <p:style>
+          <a:lnRef idx="2">
+            <a:schemeClr val="accent1">
+              <a:shade val="50000"/>
+            </a:schemeClr>
+          </a:lnRef>
+          <a:fillRef idx="1">
+            <a:schemeClr val="accent1"/>
+          </a:fillRef>
+          <a:effectRef idx="0">
+            <a:schemeClr val="accent1"/>
+          </a:effectRef>
+          <a:fontRef idx="minor">
+            <a:schemeClr val="lt1"/>
+          </a:fontRef>
+        </p:style>
+        <p:txBody>
+          <a:bodyPr rtlCol="0" anchor="ctr"/>
+          <a:lstStyle/>
+          <a:p>
+            <a:pPr algn="ctr"/>
+            <a:endParaRPr lang="en-SG"/>
+          </a:p>
+        </p:txBody>
+      </p:sp>
+      <p:sp>
+        <p:nvSpPr>
+          <p:cNvPr id="5" name="Rectangle 4">
+            <a:extLst>
+              <a:ext uri="{FF2B5EF4-FFF2-40B4-BE49-F238E27FC236}">
+                <a16:creationId xmlns:a16="http://schemas.microsoft.com/office/drawing/2014/main" id="{848EC6A9-5965-48A5-8011-758A0846D30C}"/>
+              </a:ext>
+            </a:extLst>
+          </p:cNvPr>
+          <p:cNvSpPr/>
+          <p:nvPr/>
+        </p:nvSpPr>
+        <p:spPr>
+          <a:xfrm>
+            <a:off x="455792" y="3496002"/>
+            <a:ext cx="535724" cy="369332"/>
+          </a:xfrm>
+          <a:prstGeom prst="rect">
+            <a:avLst/>
+          </a:prstGeom>
+        </p:spPr>
+        <p:txBody>
+          <a:bodyPr wrap="none">
+            <a:spAutoFit/>
+          </a:bodyPr>
+          <a:lstStyle/>
+          <a:p>
+            <a:r>
+              <a:rPr lang="en-SG" dirty="0"/>
+              <a:t>750</a:t>
+            </a:r>
+          </a:p>
+        </p:txBody>
+      </p:sp>
+      <p:sp>
+        <p:nvSpPr>
+          <p:cNvPr id="6" name="Rectangle 5">
+            <a:extLst>
+              <a:ext uri="{FF2B5EF4-FFF2-40B4-BE49-F238E27FC236}">
+                <a16:creationId xmlns:a16="http://schemas.microsoft.com/office/drawing/2014/main" id="{04375EE1-1D0F-44A0-A450-634D88B436AF}"/>
+              </a:ext>
+            </a:extLst>
+          </p:cNvPr>
+          <p:cNvSpPr/>
+          <p:nvPr/>
+        </p:nvSpPr>
+        <p:spPr>
+          <a:xfrm>
+            <a:off x="6180152" y="5959740"/>
+            <a:ext cx="652743" cy="369332"/>
+          </a:xfrm>
+          <a:prstGeom prst="rect">
+            <a:avLst/>
+          </a:prstGeom>
+        </p:spPr>
+        <p:txBody>
+          <a:bodyPr wrap="none">
+            <a:spAutoFit/>
+          </a:bodyPr>
+          <a:lstStyle/>
+          <a:p>
+            <a:r>
+              <a:rPr lang="en-SG" dirty="0"/>
+              <a:t>7522</a:t>
+            </a:r>
+          </a:p>
+        </p:txBody>
+      </p:sp>
+      <p:cxnSp>
+        <p:nvCxnSpPr>
+          <p:cNvPr id="8" name="Straight Connector 7">
+            <a:extLst>
+              <a:ext uri="{FF2B5EF4-FFF2-40B4-BE49-F238E27FC236}">
+                <a16:creationId xmlns:a16="http://schemas.microsoft.com/office/drawing/2014/main" id="{67A9ADAA-9B0D-44CA-AFC2-3BB8DB2C67AE}"/>
+              </a:ext>
+            </a:extLst>
+          </p:cNvPr>
+          <p:cNvCxnSpPr>
+            <a:cxnSpLocks/>
+          </p:cNvCxnSpPr>
+          <p:nvPr/>
+        </p:nvCxnSpPr>
+        <p:spPr>
+          <a:xfrm>
+            <a:off x="6654085" y="1677798"/>
+            <a:ext cx="3186201" cy="8389"/>
+          </a:xfrm>
+          <a:prstGeom prst="line">
+            <a:avLst/>
+          </a:prstGeom>
+        </p:spPr>
+        <p:style>
+          <a:lnRef idx="1">
+            <a:schemeClr val="accent1"/>
+          </a:lnRef>
+          <a:fillRef idx="0">
+            <a:schemeClr val="accent1"/>
+          </a:fillRef>
+          <a:effectRef idx="0">
+            <a:schemeClr val="accent1"/>
+          </a:effectRef>
+          <a:fontRef idx="minor">
+            <a:schemeClr val="tx1"/>
+          </a:fontRef>
+        </p:style>
+      </p:cxnSp>
+      <p:cxnSp>
+        <p:nvCxnSpPr>
+          <p:cNvPr id="10" name="Straight Arrow Connector 9">
+            <a:extLst>
+              <a:ext uri="{FF2B5EF4-FFF2-40B4-BE49-F238E27FC236}">
+                <a16:creationId xmlns:a16="http://schemas.microsoft.com/office/drawing/2014/main" id="{FBB502FF-D7DE-4D27-9735-E9355F423632}"/>
+              </a:ext>
+            </a:extLst>
+          </p:cNvPr>
+          <p:cNvCxnSpPr/>
+          <p:nvPr/>
+        </p:nvCxnSpPr>
+        <p:spPr>
+          <a:xfrm>
+            <a:off x="6778305" y="1401596"/>
+            <a:ext cx="0" cy="284591"/>
+          </a:xfrm>
+          <a:prstGeom prst="straightConnector1">
+            <a:avLst/>
+          </a:prstGeom>
+          <a:ln>
+            <a:tailEnd type="triangle"/>
+          </a:ln>
+        </p:spPr>
+        <p:style>
+          <a:lnRef idx="1">
+            <a:schemeClr val="accent1"/>
+          </a:lnRef>
+          <a:fillRef idx="0">
+            <a:schemeClr val="accent1"/>
+          </a:fillRef>
+          <a:effectRef idx="0">
+            <a:schemeClr val="accent1"/>
+          </a:effectRef>
+          <a:fontRef idx="minor">
+            <a:schemeClr val="tx1"/>
+          </a:fontRef>
+        </p:style>
+      </p:cxnSp>
+      <p:sp>
+        <p:nvSpPr>
+          <p:cNvPr id="11" name="Rectangle 10">
+            <a:extLst>
+              <a:ext uri="{FF2B5EF4-FFF2-40B4-BE49-F238E27FC236}">
+                <a16:creationId xmlns:a16="http://schemas.microsoft.com/office/drawing/2014/main" id="{1AAD45FA-5BC3-4E7D-BDDE-98CA72C90C7D}"/>
+              </a:ext>
+            </a:extLst>
+          </p:cNvPr>
+          <p:cNvSpPr/>
+          <p:nvPr/>
+        </p:nvSpPr>
+        <p:spPr>
+          <a:xfrm>
+            <a:off x="6414191" y="1334483"/>
+            <a:ext cx="418704" cy="369332"/>
+          </a:xfrm>
+          <a:prstGeom prst="rect">
+            <a:avLst/>
+          </a:prstGeom>
+        </p:spPr>
+        <p:txBody>
+          <a:bodyPr wrap="none">
+            <a:spAutoFit/>
+          </a:bodyPr>
+          <a:lstStyle/>
+          <a:p>
+            <a:r>
+              <a:rPr lang="en-SG" dirty="0"/>
+              <a:t>45</a:t>
+            </a:r>
+          </a:p>
+        </p:txBody>
+      </p:sp>
+      <p:sp>
+        <p:nvSpPr>
+          <p:cNvPr id="14" name="Rectangle 13">
+            <a:extLst>
+              <a:ext uri="{FF2B5EF4-FFF2-40B4-BE49-F238E27FC236}">
+                <a16:creationId xmlns:a16="http://schemas.microsoft.com/office/drawing/2014/main" id="{D59C7BB8-07E4-49C8-BD38-3D7AF377F0BC}"/>
+              </a:ext>
+            </a:extLst>
+          </p:cNvPr>
+          <p:cNvSpPr/>
+          <p:nvPr/>
+        </p:nvSpPr>
+        <p:spPr>
+          <a:xfrm>
+            <a:off x="682777" y="998708"/>
+            <a:ext cx="1208985" cy="369332"/>
+          </a:xfrm>
+          <a:prstGeom prst="rect">
+            <a:avLst/>
+          </a:prstGeom>
+        </p:spPr>
+        <p:txBody>
+          <a:bodyPr wrap="none">
+            <a:spAutoFit/>
+          </a:bodyPr>
+          <a:lstStyle/>
+          <a:p>
+            <a:r>
+              <a:rPr lang="en-SG" dirty="0"/>
+              <a:t>(0,0) origin</a:t>
+            </a:r>
+          </a:p>
+        </p:txBody>
+      </p:sp>
+      <p:sp>
+        <p:nvSpPr>
+          <p:cNvPr id="16" name="Rectangle 15">
+            <a:extLst>
+              <a:ext uri="{FF2B5EF4-FFF2-40B4-BE49-F238E27FC236}">
+                <a16:creationId xmlns:a16="http://schemas.microsoft.com/office/drawing/2014/main" id="{D24CDF7C-DD4E-4E79-B7E1-B38EF73743F8}"/>
+              </a:ext>
+            </a:extLst>
+          </p:cNvPr>
+          <p:cNvSpPr/>
+          <p:nvPr/>
+        </p:nvSpPr>
+        <p:spPr>
+          <a:xfrm>
+            <a:off x="849489" y="1184100"/>
+            <a:ext cx="284052" cy="369332"/>
+          </a:xfrm>
+          <a:prstGeom prst="rect">
+            <a:avLst/>
+          </a:prstGeom>
+        </p:spPr>
+        <p:txBody>
+          <a:bodyPr wrap="none">
+            <a:spAutoFit/>
+          </a:bodyPr>
+          <a:lstStyle/>
+          <a:p>
+            <a:r>
+              <a:rPr lang="en-US" dirty="0"/>
+              <a:t>x</a:t>
+            </a:r>
+            <a:endParaRPr lang="en-SG" dirty="0"/>
+          </a:p>
+        </p:txBody>
+      </p:sp>
+      <p:sp>
+        <p:nvSpPr>
+          <p:cNvPr id="17" name="Rectangle 16">
+            <a:extLst>
+              <a:ext uri="{FF2B5EF4-FFF2-40B4-BE49-F238E27FC236}">
+                <a16:creationId xmlns:a16="http://schemas.microsoft.com/office/drawing/2014/main" id="{8C4795C7-3FBE-46E8-A485-A8D9A99D45EE}"/>
+              </a:ext>
+            </a:extLst>
+          </p:cNvPr>
+          <p:cNvSpPr/>
+          <p:nvPr/>
+        </p:nvSpPr>
+        <p:spPr>
+          <a:xfrm>
+            <a:off x="577937" y="297933"/>
+            <a:ext cx="2684004" cy="523220"/>
+          </a:xfrm>
+          <a:prstGeom prst="rect">
+            <a:avLst/>
+          </a:prstGeom>
+        </p:spPr>
+        <p:txBody>
+          <a:bodyPr wrap="none">
+            <a:spAutoFit/>
+          </a:bodyPr>
+          <a:lstStyle/>
+          <a:p>
+            <a:r>
+              <a:rPr lang="en-SG" sz="2800" dirty="0"/>
+              <a:t>Image dimension</a:t>
+            </a:r>
+          </a:p>
+        </p:txBody>
+      </p:sp>
+      <p:cxnSp>
+        <p:nvCxnSpPr>
+          <p:cNvPr id="19" name="Straight Arrow Connector 18">
+            <a:extLst>
+              <a:ext uri="{FF2B5EF4-FFF2-40B4-BE49-F238E27FC236}">
+                <a16:creationId xmlns:a16="http://schemas.microsoft.com/office/drawing/2014/main" id="{92B347B8-1526-483D-8809-691CBA32A10B}"/>
+              </a:ext>
+            </a:extLst>
+          </p:cNvPr>
+          <p:cNvCxnSpPr/>
+          <p:nvPr/>
+        </p:nvCxnSpPr>
+        <p:spPr>
+          <a:xfrm>
+            <a:off x="1568741" y="5696125"/>
+            <a:ext cx="0" cy="263615"/>
+          </a:xfrm>
+          <a:prstGeom prst="straightConnector1">
+            <a:avLst/>
+          </a:prstGeom>
+          <a:ln>
+            <a:headEnd type="triangle"/>
+            <a:tailEnd type="triangle"/>
+          </a:ln>
+        </p:spPr>
+        <p:style>
+          <a:lnRef idx="1">
+            <a:schemeClr val="accent1"/>
+          </a:lnRef>
+          <a:fillRef idx="0">
+            <a:schemeClr val="accent1"/>
+          </a:fillRef>
+          <a:effectRef idx="0">
+            <a:schemeClr val="accent1"/>
+          </a:effectRef>
+          <a:fontRef idx="minor">
+            <a:schemeClr val="tx1"/>
+          </a:fontRef>
+        </p:style>
+      </p:cxnSp>
+      <p:cxnSp>
+        <p:nvCxnSpPr>
+          <p:cNvPr id="20" name="Straight Arrow Connector 19">
+            <a:extLst>
+              <a:ext uri="{FF2B5EF4-FFF2-40B4-BE49-F238E27FC236}">
+                <a16:creationId xmlns:a16="http://schemas.microsoft.com/office/drawing/2014/main" id="{58DA76A2-295D-4291-8306-80F1FF1AECCC}"/>
+              </a:ext>
+            </a:extLst>
+          </p:cNvPr>
+          <p:cNvCxnSpPr>
+            <a:cxnSpLocks/>
+          </p:cNvCxnSpPr>
+          <p:nvPr/>
+        </p:nvCxnSpPr>
+        <p:spPr>
+          <a:xfrm>
+            <a:off x="991516" y="5236129"/>
+            <a:ext cx="224888" cy="0"/>
+          </a:xfrm>
+          <a:prstGeom prst="straightConnector1">
+            <a:avLst/>
+          </a:prstGeom>
+          <a:ln>
+            <a:headEnd type="triangle"/>
+            <a:tailEnd type="triangle"/>
+          </a:ln>
+        </p:spPr>
+        <p:style>
+          <a:lnRef idx="1">
+            <a:schemeClr val="accent1"/>
+          </a:lnRef>
+          <a:fillRef idx="0">
+            <a:schemeClr val="accent1"/>
+          </a:fillRef>
+          <a:effectRef idx="0">
+            <a:schemeClr val="accent1"/>
+          </a:effectRef>
+          <a:fontRef idx="minor">
+            <a:schemeClr val="tx1"/>
+          </a:fontRef>
+        </p:style>
+      </p:cxnSp>
+      <p:cxnSp>
+        <p:nvCxnSpPr>
+          <p:cNvPr id="22" name="Straight Arrow Connector 21">
+            <a:extLst>
+              <a:ext uri="{FF2B5EF4-FFF2-40B4-BE49-F238E27FC236}">
+                <a16:creationId xmlns:a16="http://schemas.microsoft.com/office/drawing/2014/main" id="{BF5EA399-E298-443B-85EA-D25E24485CFF}"/>
+              </a:ext>
+            </a:extLst>
+          </p:cNvPr>
+          <p:cNvCxnSpPr>
+            <a:cxnSpLocks/>
+          </p:cNvCxnSpPr>
+          <p:nvPr/>
+        </p:nvCxnSpPr>
+        <p:spPr>
+          <a:xfrm>
+            <a:off x="10940859" y="5213759"/>
+            <a:ext cx="224888" cy="0"/>
+          </a:xfrm>
+          <a:prstGeom prst="straightConnector1">
+            <a:avLst/>
+          </a:prstGeom>
+          <a:ln>
+            <a:headEnd type="triangle"/>
+            <a:tailEnd type="triangle"/>
+          </a:ln>
+        </p:spPr>
+        <p:style>
+          <a:lnRef idx="1">
+            <a:schemeClr val="accent1"/>
+          </a:lnRef>
+          <a:fillRef idx="0">
+            <a:schemeClr val="accent1"/>
+          </a:fillRef>
+          <a:effectRef idx="0">
+            <a:schemeClr val="accent1"/>
+          </a:effectRef>
+          <a:fontRef idx="minor">
+            <a:schemeClr val="tx1"/>
+          </a:fontRef>
+        </p:style>
+      </p:cxnSp>
+      <p:sp>
+        <p:nvSpPr>
+          <p:cNvPr id="23" name="Rectangle 22">
+            <a:extLst>
+              <a:ext uri="{FF2B5EF4-FFF2-40B4-BE49-F238E27FC236}">
+                <a16:creationId xmlns:a16="http://schemas.microsoft.com/office/drawing/2014/main" id="{EB212373-7E3E-42C4-8EBB-70EAE7BD7951}"/>
+              </a:ext>
+            </a:extLst>
+          </p:cNvPr>
+          <p:cNvSpPr/>
+          <p:nvPr/>
+        </p:nvSpPr>
+        <p:spPr>
+          <a:xfrm>
+            <a:off x="1565354" y="5643266"/>
+            <a:ext cx="418704" cy="369332"/>
+          </a:xfrm>
+          <a:prstGeom prst="rect">
+            <a:avLst/>
+          </a:prstGeom>
+        </p:spPr>
+        <p:txBody>
+          <a:bodyPr wrap="none">
+            <a:spAutoFit/>
+          </a:bodyPr>
+          <a:lstStyle/>
+          <a:p>
+            <a:r>
+              <a:rPr lang="en-SG" dirty="0"/>
+              <a:t>46</a:t>
+            </a:r>
+          </a:p>
+        </p:txBody>
+      </p:sp>
+      <p:sp>
+        <p:nvSpPr>
+          <p:cNvPr id="24" name="Rectangle 23">
+            <a:extLst>
+              <a:ext uri="{FF2B5EF4-FFF2-40B4-BE49-F238E27FC236}">
+                <a16:creationId xmlns:a16="http://schemas.microsoft.com/office/drawing/2014/main" id="{4243E869-1D77-4FF4-A40C-C52F9C14E93B}"/>
+              </a:ext>
+            </a:extLst>
+          </p:cNvPr>
+          <p:cNvSpPr/>
+          <p:nvPr/>
+        </p:nvSpPr>
+        <p:spPr>
+          <a:xfrm>
+            <a:off x="924189" y="4867138"/>
+            <a:ext cx="418704" cy="369332"/>
+          </a:xfrm>
+          <a:prstGeom prst="rect">
+            <a:avLst/>
+          </a:prstGeom>
+        </p:spPr>
+        <p:txBody>
+          <a:bodyPr wrap="none">
+            <a:spAutoFit/>
+          </a:bodyPr>
+          <a:lstStyle/>
+          <a:p>
+            <a:r>
+              <a:rPr lang="en-SG" dirty="0"/>
+              <a:t>36</a:t>
+            </a:r>
+          </a:p>
+        </p:txBody>
+      </p:sp>
+      <p:cxnSp>
+        <p:nvCxnSpPr>
+          <p:cNvPr id="25" name="Straight Arrow Connector 24">
+            <a:extLst>
+              <a:ext uri="{FF2B5EF4-FFF2-40B4-BE49-F238E27FC236}">
+                <a16:creationId xmlns:a16="http://schemas.microsoft.com/office/drawing/2014/main" id="{A693D1FF-924F-4A77-B7A7-F452E876F279}"/>
+              </a:ext>
+            </a:extLst>
+          </p:cNvPr>
+          <p:cNvCxnSpPr>
+            <a:cxnSpLocks/>
+          </p:cNvCxnSpPr>
+          <p:nvPr/>
+        </p:nvCxnSpPr>
+        <p:spPr>
+          <a:xfrm flipV="1">
+            <a:off x="4833674" y="5236129"/>
+            <a:ext cx="476557" cy="5595"/>
+          </a:xfrm>
+          <a:prstGeom prst="straightConnector1">
+            <a:avLst/>
+          </a:prstGeom>
+          <a:ln>
+            <a:headEnd type="triangle"/>
+            <a:tailEnd type="triangle"/>
+          </a:ln>
+        </p:spPr>
+        <p:style>
+          <a:lnRef idx="1">
+            <a:schemeClr val="accent1"/>
+          </a:lnRef>
+          <a:fillRef idx="0">
+            <a:schemeClr val="accent1"/>
+          </a:fillRef>
+          <a:effectRef idx="0">
+            <a:schemeClr val="accent1"/>
+          </a:effectRef>
+          <a:fontRef idx="minor">
+            <a:schemeClr val="tx1"/>
+          </a:fontRef>
+        </p:style>
+      </p:cxnSp>
+      <p:cxnSp>
+        <p:nvCxnSpPr>
+          <p:cNvPr id="26" name="Straight Arrow Connector 25">
+            <a:extLst>
+              <a:ext uri="{FF2B5EF4-FFF2-40B4-BE49-F238E27FC236}">
+                <a16:creationId xmlns:a16="http://schemas.microsoft.com/office/drawing/2014/main" id="{0B4BAF90-9071-4001-BCFE-33847AE2DC34}"/>
+              </a:ext>
+            </a:extLst>
+          </p:cNvPr>
+          <p:cNvCxnSpPr>
+            <a:cxnSpLocks/>
+          </p:cNvCxnSpPr>
+          <p:nvPr/>
+        </p:nvCxnSpPr>
+        <p:spPr>
+          <a:xfrm>
+            <a:off x="5310231" y="5287263"/>
+            <a:ext cx="0" cy="408862"/>
+          </a:xfrm>
+          <a:prstGeom prst="straightConnector1">
+            <a:avLst/>
+          </a:prstGeom>
+          <a:ln>
+            <a:headEnd type="triangle"/>
+            <a:tailEnd type="triangle"/>
+          </a:ln>
+        </p:spPr>
+        <p:style>
+          <a:lnRef idx="1">
+            <a:schemeClr val="accent1"/>
+          </a:lnRef>
+          <a:fillRef idx="0">
+            <a:schemeClr val="accent1"/>
+          </a:fillRef>
+          <a:effectRef idx="0">
+            <a:schemeClr val="accent1"/>
+          </a:effectRef>
+          <a:fontRef idx="minor">
+            <a:schemeClr val="tx1"/>
+          </a:fontRef>
+        </p:style>
+      </p:cxnSp>
+      <p:sp>
+        <p:nvSpPr>
+          <p:cNvPr id="30" name="Rectangle 29">
+            <a:extLst>
+              <a:ext uri="{FF2B5EF4-FFF2-40B4-BE49-F238E27FC236}">
+                <a16:creationId xmlns:a16="http://schemas.microsoft.com/office/drawing/2014/main" id="{B35867A5-7AB7-4916-8E35-E5369220E9FB}"/>
+              </a:ext>
+            </a:extLst>
+          </p:cNvPr>
+          <p:cNvSpPr/>
+          <p:nvPr/>
+        </p:nvSpPr>
+        <p:spPr>
+          <a:xfrm>
+            <a:off x="10849107" y="4837437"/>
+            <a:ext cx="418704" cy="369332"/>
+          </a:xfrm>
+          <a:prstGeom prst="rect">
+            <a:avLst/>
+          </a:prstGeom>
+        </p:spPr>
+        <p:txBody>
+          <a:bodyPr wrap="none">
+            <a:spAutoFit/>
+          </a:bodyPr>
+          <a:lstStyle/>
+          <a:p>
+            <a:r>
+              <a:rPr lang="en-SG" dirty="0"/>
+              <a:t>36</a:t>
+            </a:r>
+          </a:p>
+        </p:txBody>
+      </p:sp>
+      <p:sp>
+        <p:nvSpPr>
+          <p:cNvPr id="33" name="Rectangle 32">
+            <a:extLst>
+              <a:ext uri="{FF2B5EF4-FFF2-40B4-BE49-F238E27FC236}">
+                <a16:creationId xmlns:a16="http://schemas.microsoft.com/office/drawing/2014/main" id="{44F484D4-0723-4647-8073-EDDD59F29F45}"/>
+              </a:ext>
+            </a:extLst>
+          </p:cNvPr>
+          <p:cNvSpPr/>
+          <p:nvPr/>
+        </p:nvSpPr>
+        <p:spPr>
+          <a:xfrm>
+            <a:off x="5259190" y="5292857"/>
+            <a:ext cx="593432" cy="369332"/>
+          </a:xfrm>
+          <a:prstGeom prst="rect">
+            <a:avLst/>
+          </a:prstGeom>
+        </p:spPr>
+        <p:txBody>
+          <a:bodyPr wrap="none">
+            <a:spAutoFit/>
+          </a:bodyPr>
+          <a:lstStyle/>
+          <a:p>
+            <a:r>
+              <a:rPr lang="en-SG" dirty="0"/>
+              <a:t>66.2</a:t>
+            </a:r>
+          </a:p>
+        </p:txBody>
+      </p:sp>
+      <p:sp>
+        <p:nvSpPr>
+          <p:cNvPr id="34" name="Rectangle 33">
+            <a:extLst>
+              <a:ext uri="{FF2B5EF4-FFF2-40B4-BE49-F238E27FC236}">
+                <a16:creationId xmlns:a16="http://schemas.microsoft.com/office/drawing/2014/main" id="{308E2699-CEDD-43D2-98A9-E00CB673BBEC}"/>
+              </a:ext>
+            </a:extLst>
+          </p:cNvPr>
+          <p:cNvSpPr/>
+          <p:nvPr/>
+        </p:nvSpPr>
+        <p:spPr>
+          <a:xfrm>
+            <a:off x="4782080" y="4892365"/>
+            <a:ext cx="593432" cy="369332"/>
+          </a:xfrm>
+          <a:prstGeom prst="rect">
+            <a:avLst/>
+          </a:prstGeom>
+        </p:spPr>
+        <p:txBody>
+          <a:bodyPr wrap="none">
+            <a:spAutoFit/>
+          </a:bodyPr>
+          <a:lstStyle/>
+          <a:p>
+            <a:r>
+              <a:rPr lang="en-US" dirty="0"/>
+              <a:t>7</a:t>
+            </a:r>
+            <a:r>
+              <a:rPr lang="en-SG" dirty="0"/>
+              <a:t>4.5</a:t>
+            </a:r>
+          </a:p>
+        </p:txBody>
+      </p:sp>
     </p:spTree>
     <p:extLst>
       <p:ext uri="{BB962C8B-B14F-4D97-AF65-F5344CB8AC3E}">
@@ -3640,7 +4394,7 @@
         <p:spPr>
           <a:xfrm>
             <a:off x="577937" y="297933"/>
-            <a:ext cx="5153590" cy="523220"/>
+            <a:ext cx="5025415" cy="523220"/>
           </a:xfrm>
           <a:prstGeom prst="rect">
             <a:avLst/>
@@ -3654,7 +4408,7 @@
           <a:p>
             <a:r>
               <a:rPr lang="en-SG" sz="2800" dirty="0"/>
-              <a:t>Image pre-processing, extract plot</a:t>
+              <a:t>Image pre-processing, locate plot</a:t>
             </a:r>
           </a:p>
         </p:txBody>
@@ -3743,6 +4497,1495 @@
     <p:extLst>
       <p:ext uri="{BB962C8B-B14F-4D97-AF65-F5344CB8AC3E}">
         <p14:creationId xmlns:p14="http://schemas.microsoft.com/office/powerpoint/2010/main" val="1882454362"/>
+      </p:ext>
+    </p:extLst>
+  </p:cSld>
+  <p:clrMapOvr>
+    <a:masterClrMapping/>
+  </p:clrMapOvr>
+</p:sld>
+</file>
+
+<file path=ppt/slides/slide3.xml><?xml version="1.0" encoding="utf-8"?>
+<p:sld xmlns:a="http://schemas.openxmlformats.org/drawingml/2006/main" xmlns:r="http://schemas.openxmlformats.org/officeDocument/2006/relationships" xmlns:p="http://schemas.openxmlformats.org/presentationml/2006/main">
+  <p:cSld>
+    <p:spTree>
+      <p:nvGrpSpPr>
+        <p:cNvPr id="1" name=""/>
+        <p:cNvGrpSpPr/>
+        <p:nvPr/>
+      </p:nvGrpSpPr>
+      <p:grpSpPr>
+        <a:xfrm>
+          <a:off x="0" y="0"/>
+          <a:ext cx="0" cy="0"/>
+          <a:chOff x="0" y="0"/>
+          <a:chExt cx="0" cy="0"/>
+        </a:xfrm>
+      </p:grpSpPr>
+      <p:sp>
+        <p:nvSpPr>
+          <p:cNvPr id="7" name="Rectangle 6">
+            <a:extLst>
+              <a:ext uri="{FF2B5EF4-FFF2-40B4-BE49-F238E27FC236}">
+                <a16:creationId xmlns:a16="http://schemas.microsoft.com/office/drawing/2014/main" id="{102ED08E-4F71-413C-B89E-43D72F721F22}"/>
+              </a:ext>
+            </a:extLst>
+          </p:cNvPr>
+          <p:cNvSpPr/>
+          <p:nvPr/>
+        </p:nvSpPr>
+        <p:spPr>
+          <a:xfrm>
+            <a:off x="5091982" y="957615"/>
+            <a:ext cx="952679" cy="2121667"/>
+          </a:xfrm>
+          <a:prstGeom prst="rect">
+            <a:avLst/>
+          </a:prstGeom>
+          <a:noFill/>
+          <a:ln w="38100">
+            <a:solidFill>
+              <a:schemeClr val="accent4"/>
+            </a:solidFill>
+            <a:prstDash val="dash"/>
+          </a:ln>
+        </p:spPr>
+        <p:style>
+          <a:lnRef idx="2">
+            <a:schemeClr val="accent1">
+              <a:shade val="50000"/>
+            </a:schemeClr>
+          </a:lnRef>
+          <a:fillRef idx="1">
+            <a:schemeClr val="accent1"/>
+          </a:fillRef>
+          <a:effectRef idx="0">
+            <a:schemeClr val="accent1"/>
+          </a:effectRef>
+          <a:fontRef idx="minor">
+            <a:schemeClr val="lt1"/>
+          </a:fontRef>
+        </p:style>
+        <p:txBody>
+          <a:bodyPr rtlCol="0" anchor="ctr"/>
+          <a:lstStyle/>
+          <a:p>
+            <a:pPr algn="ctr"/>
+            <a:endParaRPr lang="en-SG"/>
+          </a:p>
+        </p:txBody>
+      </p:sp>
+      <p:pic>
+        <p:nvPicPr>
+          <p:cNvPr id="8" name="Picture 7">
+            <a:extLst>
+              <a:ext uri="{FF2B5EF4-FFF2-40B4-BE49-F238E27FC236}">
+                <a16:creationId xmlns:a16="http://schemas.microsoft.com/office/drawing/2014/main" id="{C8248916-C626-4B3E-A641-713BBADEE2D9}"/>
+              </a:ext>
+            </a:extLst>
+          </p:cNvPr>
+          <p:cNvPicPr>
+            <a:picLocks noChangeAspect="1"/>
+          </p:cNvPicPr>
+          <p:nvPr/>
+        </p:nvPicPr>
+        <p:blipFill>
+          <a:blip r:embed="rId2"/>
+          <a:stretch>
+            <a:fillRect/>
+          </a:stretch>
+        </p:blipFill>
+        <p:spPr>
+          <a:xfrm>
+            <a:off x="2373897" y="1000254"/>
+            <a:ext cx="1068783" cy="2124038"/>
+          </a:xfrm>
+          <a:prstGeom prst="rect">
+            <a:avLst/>
+          </a:prstGeom>
+          <a:ln w="28575">
+            <a:solidFill>
+              <a:schemeClr val="accent4"/>
+            </a:solidFill>
+            <a:prstDash val="lgDash"/>
+          </a:ln>
+          <a:effectLst>
+            <a:outerShdw blurRad="63500" sx="102000" sy="102000" algn="ctr" rotWithShape="0">
+              <a:prstClr val="black">
+                <a:alpha val="40000"/>
+              </a:prstClr>
+            </a:outerShdw>
+          </a:effectLst>
+        </p:spPr>
+      </p:pic>
+      <p:pic>
+        <p:nvPicPr>
+          <p:cNvPr id="9" name="Picture 8">
+            <a:extLst>
+              <a:ext uri="{FF2B5EF4-FFF2-40B4-BE49-F238E27FC236}">
+                <a16:creationId xmlns:a16="http://schemas.microsoft.com/office/drawing/2014/main" id="{EFFB69E9-4762-4867-8B57-97AE5EB10AF7}"/>
+              </a:ext>
+            </a:extLst>
+          </p:cNvPr>
+          <p:cNvPicPr>
+            <a:picLocks noChangeAspect="1"/>
+          </p:cNvPicPr>
+          <p:nvPr/>
+        </p:nvPicPr>
+        <p:blipFill>
+          <a:blip r:embed="rId3"/>
+          <a:stretch>
+            <a:fillRect/>
+          </a:stretch>
+        </p:blipFill>
+        <p:spPr>
+          <a:xfrm>
+            <a:off x="2370552" y="3810226"/>
+            <a:ext cx="1048490" cy="2137567"/>
+          </a:xfrm>
+          <a:prstGeom prst="rect">
+            <a:avLst/>
+          </a:prstGeom>
+          <a:ln w="28575">
+            <a:solidFill>
+              <a:schemeClr val="accent4"/>
+            </a:solidFill>
+            <a:prstDash val="lgDash"/>
+          </a:ln>
+          <a:effectLst>
+            <a:outerShdw blurRad="63500" sx="102000" sy="102000" algn="ctr" rotWithShape="0">
+              <a:prstClr val="black">
+                <a:alpha val="40000"/>
+              </a:prstClr>
+            </a:outerShdw>
+          </a:effectLst>
+        </p:spPr>
+      </p:pic>
+      <p:sp>
+        <p:nvSpPr>
+          <p:cNvPr id="10" name="Rectangle 9">
+            <a:extLst>
+              <a:ext uri="{FF2B5EF4-FFF2-40B4-BE49-F238E27FC236}">
+                <a16:creationId xmlns:a16="http://schemas.microsoft.com/office/drawing/2014/main" id="{89218F4D-96A9-4D76-8B95-981C46BB01BA}"/>
+              </a:ext>
+            </a:extLst>
+          </p:cNvPr>
+          <p:cNvSpPr/>
+          <p:nvPr/>
+        </p:nvSpPr>
+        <p:spPr>
+          <a:xfrm>
+            <a:off x="577937" y="297933"/>
+            <a:ext cx="5893858" cy="523220"/>
+          </a:xfrm>
+          <a:prstGeom prst="rect">
+            <a:avLst/>
+          </a:prstGeom>
+        </p:spPr>
+        <p:txBody>
+          <a:bodyPr wrap="none">
+            <a:spAutoFit/>
+          </a:bodyPr>
+          <a:lstStyle/>
+          <a:p>
+            <a:r>
+              <a:rPr lang="en-SG" sz="2800" dirty="0"/>
+              <a:t>Extract plots into vector representation</a:t>
+            </a:r>
+          </a:p>
+        </p:txBody>
+      </p:sp>
+      <p:cxnSp>
+        <p:nvCxnSpPr>
+          <p:cNvPr id="12" name="Straight Arrow Connector 11">
+            <a:extLst>
+              <a:ext uri="{FF2B5EF4-FFF2-40B4-BE49-F238E27FC236}">
+                <a16:creationId xmlns:a16="http://schemas.microsoft.com/office/drawing/2014/main" id="{8D2825AF-5C6C-45CD-A6C1-36ACF7CC67D0}"/>
+              </a:ext>
+            </a:extLst>
+          </p:cNvPr>
+          <p:cNvCxnSpPr>
+            <a:cxnSpLocks/>
+          </p:cNvCxnSpPr>
+          <p:nvPr/>
+        </p:nvCxnSpPr>
+        <p:spPr>
+          <a:xfrm>
+            <a:off x="3721767" y="2009827"/>
+            <a:ext cx="1110292" cy="0"/>
+          </a:xfrm>
+          <a:prstGeom prst="straightConnector1">
+            <a:avLst/>
+          </a:prstGeom>
+          <a:ln w="57150">
+            <a:tailEnd type="triangle"/>
+          </a:ln>
+        </p:spPr>
+        <p:style>
+          <a:lnRef idx="3">
+            <a:schemeClr val="accent2"/>
+          </a:lnRef>
+          <a:fillRef idx="0">
+            <a:schemeClr val="accent2"/>
+          </a:fillRef>
+          <a:effectRef idx="2">
+            <a:schemeClr val="accent2"/>
+          </a:effectRef>
+          <a:fontRef idx="minor">
+            <a:schemeClr val="tx1"/>
+          </a:fontRef>
+        </p:style>
+      </p:cxnSp>
+      <p:sp>
+        <p:nvSpPr>
+          <p:cNvPr id="14" name="Rectangle 13">
+            <a:extLst>
+              <a:ext uri="{FF2B5EF4-FFF2-40B4-BE49-F238E27FC236}">
+                <a16:creationId xmlns:a16="http://schemas.microsoft.com/office/drawing/2014/main" id="{F58EA8F8-016C-41DE-8464-1A10BF05ED31}"/>
+              </a:ext>
+            </a:extLst>
+          </p:cNvPr>
+          <p:cNvSpPr/>
+          <p:nvPr/>
+        </p:nvSpPr>
+        <p:spPr>
+          <a:xfrm>
+            <a:off x="5252424" y="1718807"/>
+            <a:ext cx="638316" cy="523220"/>
+          </a:xfrm>
+          <a:prstGeom prst="rect">
+            <a:avLst/>
+          </a:prstGeom>
+        </p:spPr>
+        <p:txBody>
+          <a:bodyPr wrap="none">
+            <a:spAutoFit/>
+          </a:bodyPr>
+          <a:lstStyle/>
+          <a:p>
+            <a:r>
+              <a:rPr lang="en-SG" sz="2800" dirty="0"/>
+              <a:t>[N]</a:t>
+            </a:r>
+          </a:p>
+        </p:txBody>
+      </p:sp>
+      <p:sp>
+        <p:nvSpPr>
+          <p:cNvPr id="15" name="Rectangle 14">
+            <a:extLst>
+              <a:ext uri="{FF2B5EF4-FFF2-40B4-BE49-F238E27FC236}">
+                <a16:creationId xmlns:a16="http://schemas.microsoft.com/office/drawing/2014/main" id="{5BCE3CDE-0B9D-45F4-A895-A59ECAD583AD}"/>
+              </a:ext>
+            </a:extLst>
+          </p:cNvPr>
+          <p:cNvSpPr/>
+          <p:nvPr/>
+        </p:nvSpPr>
+        <p:spPr>
+          <a:xfrm>
+            <a:off x="5091982" y="3810226"/>
+            <a:ext cx="952679" cy="2121667"/>
+          </a:xfrm>
+          <a:prstGeom prst="rect">
+            <a:avLst/>
+          </a:prstGeom>
+          <a:noFill/>
+          <a:ln w="38100">
+            <a:solidFill>
+              <a:schemeClr val="accent4"/>
+            </a:solidFill>
+            <a:prstDash val="dash"/>
+          </a:ln>
+        </p:spPr>
+        <p:style>
+          <a:lnRef idx="2">
+            <a:schemeClr val="accent1">
+              <a:shade val="50000"/>
+            </a:schemeClr>
+          </a:lnRef>
+          <a:fillRef idx="1">
+            <a:schemeClr val="accent1"/>
+          </a:fillRef>
+          <a:effectRef idx="0">
+            <a:schemeClr val="accent1"/>
+          </a:effectRef>
+          <a:fontRef idx="minor">
+            <a:schemeClr val="lt1"/>
+          </a:fontRef>
+        </p:style>
+        <p:txBody>
+          <a:bodyPr rtlCol="0" anchor="ctr"/>
+          <a:lstStyle/>
+          <a:p>
+            <a:pPr algn="ctr"/>
+            <a:endParaRPr lang="en-SG"/>
+          </a:p>
+        </p:txBody>
+      </p:sp>
+      <p:cxnSp>
+        <p:nvCxnSpPr>
+          <p:cNvPr id="16" name="Straight Arrow Connector 15">
+            <a:extLst>
+              <a:ext uri="{FF2B5EF4-FFF2-40B4-BE49-F238E27FC236}">
+                <a16:creationId xmlns:a16="http://schemas.microsoft.com/office/drawing/2014/main" id="{98B6BD1F-CF9F-4150-A37F-D0A3ED5CC485}"/>
+              </a:ext>
+            </a:extLst>
+          </p:cNvPr>
+          <p:cNvCxnSpPr>
+            <a:cxnSpLocks/>
+          </p:cNvCxnSpPr>
+          <p:nvPr/>
+        </p:nvCxnSpPr>
+        <p:spPr>
+          <a:xfrm>
+            <a:off x="3721767" y="4862438"/>
+            <a:ext cx="1110292" cy="0"/>
+          </a:xfrm>
+          <a:prstGeom prst="straightConnector1">
+            <a:avLst/>
+          </a:prstGeom>
+          <a:ln w="57150">
+            <a:tailEnd type="triangle"/>
+          </a:ln>
+        </p:spPr>
+        <p:style>
+          <a:lnRef idx="3">
+            <a:schemeClr val="accent2"/>
+          </a:lnRef>
+          <a:fillRef idx="0">
+            <a:schemeClr val="accent2"/>
+          </a:fillRef>
+          <a:effectRef idx="2">
+            <a:schemeClr val="accent2"/>
+          </a:effectRef>
+          <a:fontRef idx="minor">
+            <a:schemeClr val="tx1"/>
+          </a:fontRef>
+        </p:style>
+      </p:cxnSp>
+      <p:sp>
+        <p:nvSpPr>
+          <p:cNvPr id="17" name="Rectangle 16">
+            <a:extLst>
+              <a:ext uri="{FF2B5EF4-FFF2-40B4-BE49-F238E27FC236}">
+                <a16:creationId xmlns:a16="http://schemas.microsoft.com/office/drawing/2014/main" id="{1A8B4181-9938-4AE4-8C7C-337BBBB938CE}"/>
+              </a:ext>
+            </a:extLst>
+          </p:cNvPr>
+          <p:cNvSpPr/>
+          <p:nvPr/>
+        </p:nvSpPr>
+        <p:spPr>
+          <a:xfrm>
+            <a:off x="5252424" y="4571418"/>
+            <a:ext cx="609462" cy="523220"/>
+          </a:xfrm>
+          <a:prstGeom prst="rect">
+            <a:avLst/>
+          </a:prstGeom>
+        </p:spPr>
+        <p:txBody>
+          <a:bodyPr wrap="none">
+            <a:spAutoFit/>
+          </a:bodyPr>
+          <a:lstStyle/>
+          <a:p>
+            <a:r>
+              <a:rPr lang="en-SG" sz="2800" dirty="0"/>
+              <a:t>[V]</a:t>
+            </a:r>
+          </a:p>
+        </p:txBody>
+      </p:sp>
+      <p:sp>
+        <p:nvSpPr>
+          <p:cNvPr id="6" name="Rectangle 5">
+            <a:extLst>
+              <a:ext uri="{FF2B5EF4-FFF2-40B4-BE49-F238E27FC236}">
+                <a16:creationId xmlns:a16="http://schemas.microsoft.com/office/drawing/2014/main" id="{14A94979-65C9-411E-A17E-3D6F83B350D2}"/>
+              </a:ext>
+            </a:extLst>
+          </p:cNvPr>
+          <p:cNvSpPr/>
+          <p:nvPr/>
+        </p:nvSpPr>
+        <p:spPr>
+          <a:xfrm>
+            <a:off x="6471795" y="1782139"/>
+            <a:ext cx="1359155" cy="646331"/>
+          </a:xfrm>
+          <a:prstGeom prst="rect">
+            <a:avLst/>
+          </a:prstGeom>
+        </p:spPr>
+        <p:txBody>
+          <a:bodyPr wrap="none">
+            <a:spAutoFit/>
+          </a:bodyPr>
+          <a:lstStyle/>
+          <a:p>
+            <a:r>
+              <a:rPr lang="en-SG" dirty="0"/>
+              <a:t>Normal beat</a:t>
+            </a:r>
+          </a:p>
+          <a:p>
+            <a:r>
+              <a:rPr lang="en-SG" dirty="0"/>
+              <a:t>n=930 </a:t>
+            </a:r>
+          </a:p>
+        </p:txBody>
+      </p:sp>
+      <p:sp>
+        <p:nvSpPr>
+          <p:cNvPr id="18" name="Rectangle 17">
+            <a:extLst>
+              <a:ext uri="{FF2B5EF4-FFF2-40B4-BE49-F238E27FC236}">
+                <a16:creationId xmlns:a16="http://schemas.microsoft.com/office/drawing/2014/main" id="{933F96D8-A316-4A8D-95F5-B23C0DFA17F9}"/>
+              </a:ext>
+            </a:extLst>
+          </p:cNvPr>
+          <p:cNvSpPr/>
+          <p:nvPr/>
+        </p:nvSpPr>
+        <p:spPr>
+          <a:xfrm>
+            <a:off x="6506421" y="4634750"/>
+            <a:ext cx="889987" cy="646331"/>
+          </a:xfrm>
+          <a:prstGeom prst="rect">
+            <a:avLst/>
+          </a:prstGeom>
+        </p:spPr>
+        <p:txBody>
+          <a:bodyPr wrap="none">
+            <a:spAutoFit/>
+          </a:bodyPr>
+          <a:lstStyle/>
+          <a:p>
+            <a:r>
+              <a:rPr lang="en-SG" dirty="0"/>
+              <a:t>V-beat</a:t>
+            </a:r>
+          </a:p>
+          <a:p>
+            <a:r>
+              <a:rPr lang="en-SG" dirty="0"/>
+              <a:t>n=1113</a:t>
+            </a:r>
+          </a:p>
+        </p:txBody>
+      </p:sp>
+      <p:sp>
+        <p:nvSpPr>
+          <p:cNvPr id="11" name="Rectangle 10">
+            <a:extLst>
+              <a:ext uri="{FF2B5EF4-FFF2-40B4-BE49-F238E27FC236}">
+                <a16:creationId xmlns:a16="http://schemas.microsoft.com/office/drawing/2014/main" id="{B5C58004-E16A-4883-AE41-40FDB0AAB32A}"/>
+              </a:ext>
+            </a:extLst>
+          </p:cNvPr>
+          <p:cNvSpPr/>
+          <p:nvPr/>
+        </p:nvSpPr>
+        <p:spPr>
+          <a:xfrm>
+            <a:off x="1810900" y="1782139"/>
+            <a:ext cx="535724" cy="369332"/>
+          </a:xfrm>
+          <a:prstGeom prst="rect">
+            <a:avLst/>
+          </a:prstGeom>
+        </p:spPr>
+        <p:txBody>
+          <a:bodyPr wrap="none">
+            <a:spAutoFit/>
+          </a:bodyPr>
+          <a:lstStyle/>
+          <a:p>
+            <a:r>
+              <a:rPr lang="en-SG" dirty="0"/>
+              <a:t>750</a:t>
+            </a:r>
+          </a:p>
+        </p:txBody>
+      </p:sp>
+      <p:sp>
+        <p:nvSpPr>
+          <p:cNvPr id="19" name="Rectangle 18">
+            <a:extLst>
+              <a:ext uri="{FF2B5EF4-FFF2-40B4-BE49-F238E27FC236}">
+                <a16:creationId xmlns:a16="http://schemas.microsoft.com/office/drawing/2014/main" id="{E596C0F0-BDE2-419D-B68C-BC340B143A6C}"/>
+              </a:ext>
+            </a:extLst>
+          </p:cNvPr>
+          <p:cNvSpPr/>
+          <p:nvPr/>
+        </p:nvSpPr>
+        <p:spPr>
+          <a:xfrm>
+            <a:off x="1810900" y="4525178"/>
+            <a:ext cx="535724" cy="369332"/>
+          </a:xfrm>
+          <a:prstGeom prst="rect">
+            <a:avLst/>
+          </a:prstGeom>
+        </p:spPr>
+        <p:txBody>
+          <a:bodyPr wrap="none">
+            <a:spAutoFit/>
+          </a:bodyPr>
+          <a:lstStyle/>
+          <a:p>
+            <a:r>
+              <a:rPr lang="en-SG" dirty="0"/>
+              <a:t>750</a:t>
+            </a:r>
+          </a:p>
+        </p:txBody>
+      </p:sp>
+      <p:sp>
+        <p:nvSpPr>
+          <p:cNvPr id="20" name="Rectangle 19">
+            <a:extLst>
+              <a:ext uri="{FF2B5EF4-FFF2-40B4-BE49-F238E27FC236}">
+                <a16:creationId xmlns:a16="http://schemas.microsoft.com/office/drawing/2014/main" id="{0213CD68-8B1C-4C2C-87E4-BF3F1EB82304}"/>
+              </a:ext>
+            </a:extLst>
+          </p:cNvPr>
+          <p:cNvSpPr/>
+          <p:nvPr/>
+        </p:nvSpPr>
+        <p:spPr>
+          <a:xfrm>
+            <a:off x="2624116" y="5944212"/>
+            <a:ext cx="535724" cy="369332"/>
+          </a:xfrm>
+          <a:prstGeom prst="rect">
+            <a:avLst/>
+          </a:prstGeom>
+        </p:spPr>
+        <p:txBody>
+          <a:bodyPr wrap="none">
+            <a:spAutoFit/>
+          </a:bodyPr>
+          <a:lstStyle/>
+          <a:p>
+            <a:r>
+              <a:rPr lang="en-SG" dirty="0"/>
+              <a:t>150</a:t>
+            </a:r>
+          </a:p>
+        </p:txBody>
+      </p:sp>
+      <p:sp>
+        <p:nvSpPr>
+          <p:cNvPr id="21" name="Rectangle 20">
+            <a:extLst>
+              <a:ext uri="{FF2B5EF4-FFF2-40B4-BE49-F238E27FC236}">
+                <a16:creationId xmlns:a16="http://schemas.microsoft.com/office/drawing/2014/main" id="{4AC6A807-E4E1-4E65-95AE-38745D0B0DAE}"/>
+              </a:ext>
+            </a:extLst>
+          </p:cNvPr>
+          <p:cNvSpPr/>
+          <p:nvPr/>
+        </p:nvSpPr>
+        <p:spPr>
+          <a:xfrm>
+            <a:off x="2624116" y="3079282"/>
+            <a:ext cx="535724" cy="369332"/>
+          </a:xfrm>
+          <a:prstGeom prst="rect">
+            <a:avLst/>
+          </a:prstGeom>
+        </p:spPr>
+        <p:txBody>
+          <a:bodyPr wrap="none">
+            <a:spAutoFit/>
+          </a:bodyPr>
+          <a:lstStyle/>
+          <a:p>
+            <a:r>
+              <a:rPr lang="en-SG" dirty="0"/>
+              <a:t>150</a:t>
+            </a:r>
+          </a:p>
+        </p:txBody>
+      </p:sp>
+      <p:sp>
+        <p:nvSpPr>
+          <p:cNvPr id="22" name="Rectangle 21">
+            <a:extLst>
+              <a:ext uri="{FF2B5EF4-FFF2-40B4-BE49-F238E27FC236}">
+                <a16:creationId xmlns:a16="http://schemas.microsoft.com/office/drawing/2014/main" id="{3B4E2FEB-C757-4684-A3DA-E79185849593}"/>
+              </a:ext>
+            </a:extLst>
+          </p:cNvPr>
+          <p:cNvSpPr/>
+          <p:nvPr/>
+        </p:nvSpPr>
+        <p:spPr>
+          <a:xfrm>
+            <a:off x="9020929" y="3105834"/>
+            <a:ext cx="1594347" cy="646331"/>
+          </a:xfrm>
+          <a:prstGeom prst="rect">
+            <a:avLst/>
+          </a:prstGeom>
+        </p:spPr>
+        <p:txBody>
+          <a:bodyPr wrap="none">
+            <a:spAutoFit/>
+          </a:bodyPr>
+          <a:lstStyle/>
+          <a:p>
+            <a:pPr algn="ctr"/>
+            <a:r>
+              <a:rPr lang="en-SG" dirty="0"/>
+              <a:t>Total train data</a:t>
+            </a:r>
+          </a:p>
+          <a:p>
+            <a:pPr algn="ctr"/>
+            <a:r>
+              <a:rPr lang="en-SG" dirty="0"/>
+              <a:t>n=2043</a:t>
+            </a:r>
+          </a:p>
+        </p:txBody>
+      </p:sp>
+      <p:sp>
+        <p:nvSpPr>
+          <p:cNvPr id="2" name="Right Brace 1">
+            <a:extLst>
+              <a:ext uri="{FF2B5EF4-FFF2-40B4-BE49-F238E27FC236}">
+                <a16:creationId xmlns:a16="http://schemas.microsoft.com/office/drawing/2014/main" id="{5C75836A-920D-41B0-BB07-08A929338236}"/>
+              </a:ext>
+            </a:extLst>
+          </p:cNvPr>
+          <p:cNvSpPr/>
+          <p:nvPr/>
+        </p:nvSpPr>
+        <p:spPr>
+          <a:xfrm>
+            <a:off x="8299269" y="1310640"/>
+            <a:ext cx="618308" cy="4441371"/>
+          </a:xfrm>
+          <a:prstGeom prst="rightBrace">
+            <a:avLst/>
+          </a:prstGeom>
+        </p:spPr>
+        <p:style>
+          <a:lnRef idx="1">
+            <a:schemeClr val="accent1"/>
+          </a:lnRef>
+          <a:fillRef idx="0">
+            <a:schemeClr val="accent1"/>
+          </a:fillRef>
+          <a:effectRef idx="0">
+            <a:schemeClr val="accent1"/>
+          </a:effectRef>
+          <a:fontRef idx="minor">
+            <a:schemeClr val="tx1"/>
+          </a:fontRef>
+        </p:style>
+        <p:txBody>
+          <a:bodyPr rtlCol="0" anchor="ctr"/>
+          <a:lstStyle/>
+          <a:p>
+            <a:pPr algn="ctr"/>
+            <a:endParaRPr lang="en-SG"/>
+          </a:p>
+        </p:txBody>
+      </p:sp>
+    </p:spTree>
+    <p:extLst>
+      <p:ext uri="{BB962C8B-B14F-4D97-AF65-F5344CB8AC3E}">
+        <p14:creationId xmlns:p14="http://schemas.microsoft.com/office/powerpoint/2010/main" val="2632662495"/>
+      </p:ext>
+    </p:extLst>
+  </p:cSld>
+  <p:clrMapOvr>
+    <a:masterClrMapping/>
+  </p:clrMapOvr>
+</p:sld>
+</file>
+
+<file path=ppt/slides/slide4.xml><?xml version="1.0" encoding="utf-8"?>
+<p:sld xmlns:a="http://schemas.openxmlformats.org/drawingml/2006/main" xmlns:r="http://schemas.openxmlformats.org/officeDocument/2006/relationships" xmlns:p="http://schemas.openxmlformats.org/presentationml/2006/main">
+  <p:cSld>
+    <p:spTree>
+      <p:nvGrpSpPr>
+        <p:cNvPr id="1" name=""/>
+        <p:cNvGrpSpPr/>
+        <p:nvPr/>
+      </p:nvGrpSpPr>
+      <p:grpSpPr>
+        <a:xfrm>
+          <a:off x="0" y="0"/>
+          <a:ext cx="0" cy="0"/>
+          <a:chOff x="0" y="0"/>
+          <a:chExt cx="0" cy="0"/>
+        </a:xfrm>
+      </p:grpSpPr>
+      <p:sp>
+        <p:nvSpPr>
+          <p:cNvPr id="4" name="Rectangle 3">
+            <a:extLst>
+              <a:ext uri="{FF2B5EF4-FFF2-40B4-BE49-F238E27FC236}">
+                <a16:creationId xmlns:a16="http://schemas.microsoft.com/office/drawing/2014/main" id="{AE5F455D-4D95-4CB5-A5EE-6A25894B548B}"/>
+              </a:ext>
+            </a:extLst>
+          </p:cNvPr>
+          <p:cNvSpPr/>
+          <p:nvPr/>
+        </p:nvSpPr>
+        <p:spPr>
+          <a:xfrm>
+            <a:off x="577937" y="297933"/>
+            <a:ext cx="4920771" cy="523220"/>
+          </a:xfrm>
+          <a:prstGeom prst="rect">
+            <a:avLst/>
+          </a:prstGeom>
+        </p:spPr>
+        <p:txBody>
+          <a:bodyPr wrap="none">
+            <a:spAutoFit/>
+          </a:bodyPr>
+          <a:lstStyle/>
+          <a:p>
+            <a:r>
+              <a:rPr lang="en-SG" sz="2800" dirty="0"/>
+              <a:t>Model selection, Train/Fit model</a:t>
+            </a:r>
+          </a:p>
+        </p:txBody>
+      </p:sp>
+      <p:sp>
+        <p:nvSpPr>
+          <p:cNvPr id="2" name="Rectangle 1">
+            <a:extLst>
+              <a:ext uri="{FF2B5EF4-FFF2-40B4-BE49-F238E27FC236}">
+                <a16:creationId xmlns:a16="http://schemas.microsoft.com/office/drawing/2014/main" id="{2A1BFD86-D0BA-4A6E-B014-EE5C5829E17F}"/>
+              </a:ext>
+            </a:extLst>
+          </p:cNvPr>
+          <p:cNvSpPr/>
+          <p:nvPr/>
+        </p:nvSpPr>
+        <p:spPr>
+          <a:xfrm>
+            <a:off x="975360" y="1459915"/>
+            <a:ext cx="5320937" cy="3046988"/>
+          </a:xfrm>
+          <a:prstGeom prst="rect">
+            <a:avLst/>
+          </a:prstGeom>
+        </p:spPr>
+        <p:txBody>
+          <a:bodyPr wrap="square">
+            <a:spAutoFit/>
+          </a:bodyPr>
+          <a:lstStyle/>
+          <a:p>
+            <a:r>
+              <a:rPr lang="en-SG" sz="2400" dirty="0"/>
+              <a:t>Model: </a:t>
+            </a:r>
+          </a:p>
+          <a:p>
+            <a:r>
+              <a:rPr lang="en-SG" sz="2400" dirty="0" err="1"/>
+              <a:t>LogisticRegression</a:t>
+            </a:r>
+            <a:r>
+              <a:rPr lang="en-SG" sz="2400" dirty="0"/>
+              <a:t> </a:t>
+            </a:r>
+          </a:p>
+          <a:p>
+            <a:r>
+              <a:rPr lang="en-SG" sz="2400" dirty="0"/>
+              <a:t>(C=0.001, optimal threshold = 0.198)</a:t>
+            </a:r>
+          </a:p>
+          <a:p>
+            <a:endParaRPr lang="en-SG" sz="2400" dirty="0"/>
+          </a:p>
+          <a:p>
+            <a:endParaRPr lang="en-SG" sz="2400" dirty="0"/>
+          </a:p>
+          <a:p>
+            <a:r>
+              <a:rPr lang="en-SG" sz="2400" dirty="0"/>
+              <a:t>Accuracy score is </a:t>
+            </a:r>
+          </a:p>
+          <a:p>
+            <a:r>
+              <a:rPr lang="en-SG" sz="2400" dirty="0"/>
+              <a:t>Training: 99.9% </a:t>
+            </a:r>
+          </a:p>
+          <a:p>
+            <a:r>
+              <a:rPr lang="en-SG" sz="2400" dirty="0"/>
+              <a:t>Validation: 99.7%</a:t>
+            </a:r>
+          </a:p>
+        </p:txBody>
+      </p:sp>
+      <p:pic>
+        <p:nvPicPr>
+          <p:cNvPr id="3" name="Picture 2">
+            <a:extLst>
+              <a:ext uri="{FF2B5EF4-FFF2-40B4-BE49-F238E27FC236}">
+                <a16:creationId xmlns:a16="http://schemas.microsoft.com/office/drawing/2014/main" id="{999DF8EB-E1F2-46E7-B2A8-330330C5A207}"/>
+              </a:ext>
+            </a:extLst>
+          </p:cNvPr>
+          <p:cNvPicPr>
+            <a:picLocks noChangeAspect="1"/>
+          </p:cNvPicPr>
+          <p:nvPr/>
+        </p:nvPicPr>
+        <p:blipFill>
+          <a:blip r:embed="rId2"/>
+          <a:stretch>
+            <a:fillRect/>
+          </a:stretch>
+        </p:blipFill>
+        <p:spPr>
+          <a:xfrm>
+            <a:off x="6691176" y="2021205"/>
+            <a:ext cx="3114675" cy="3181350"/>
+          </a:xfrm>
+          <a:prstGeom prst="rect">
+            <a:avLst/>
+          </a:prstGeom>
+        </p:spPr>
+      </p:pic>
+    </p:spTree>
+    <p:extLst>
+      <p:ext uri="{BB962C8B-B14F-4D97-AF65-F5344CB8AC3E}">
+        <p14:creationId xmlns:p14="http://schemas.microsoft.com/office/powerpoint/2010/main" val="1946986691"/>
+      </p:ext>
+    </p:extLst>
+  </p:cSld>
+  <p:clrMapOvr>
+    <a:masterClrMapping/>
+  </p:clrMapOvr>
+</p:sld>
+</file>
+
+<file path=ppt/slides/slide5.xml><?xml version="1.0" encoding="utf-8"?>
+<p:sld xmlns:a="http://schemas.openxmlformats.org/drawingml/2006/main" xmlns:r="http://schemas.openxmlformats.org/officeDocument/2006/relationships" xmlns:p="http://schemas.openxmlformats.org/presentationml/2006/main">
+  <p:cSld>
+    <p:spTree>
+      <p:nvGrpSpPr>
+        <p:cNvPr id="1" name=""/>
+        <p:cNvGrpSpPr/>
+        <p:nvPr/>
+      </p:nvGrpSpPr>
+      <p:grpSpPr>
+        <a:xfrm>
+          <a:off x="0" y="0"/>
+          <a:ext cx="0" cy="0"/>
+          <a:chOff x="0" y="0"/>
+          <a:chExt cx="0" cy="0"/>
+        </a:xfrm>
+      </p:grpSpPr>
+      <p:sp>
+        <p:nvSpPr>
+          <p:cNvPr id="4" name="Rectangle 3">
+            <a:extLst>
+              <a:ext uri="{FF2B5EF4-FFF2-40B4-BE49-F238E27FC236}">
+                <a16:creationId xmlns:a16="http://schemas.microsoft.com/office/drawing/2014/main" id="{AE5F455D-4D95-4CB5-A5EE-6A25894B548B}"/>
+              </a:ext>
+            </a:extLst>
+          </p:cNvPr>
+          <p:cNvSpPr/>
+          <p:nvPr/>
+        </p:nvSpPr>
+        <p:spPr>
+          <a:xfrm>
+            <a:off x="577937" y="297933"/>
+            <a:ext cx="1769331" cy="523220"/>
+          </a:xfrm>
+          <a:prstGeom prst="rect">
+            <a:avLst/>
+          </a:prstGeom>
+        </p:spPr>
+        <p:txBody>
+          <a:bodyPr wrap="none">
+            <a:spAutoFit/>
+          </a:bodyPr>
+          <a:lstStyle/>
+          <a:p>
+            <a:r>
+              <a:rPr lang="en-SG" sz="2800" dirty="0"/>
+              <a:t>Test model</a:t>
+            </a:r>
+          </a:p>
+        </p:txBody>
+      </p:sp>
+      <p:sp>
+        <p:nvSpPr>
+          <p:cNvPr id="2" name="Rectangle 1">
+            <a:extLst>
+              <a:ext uri="{FF2B5EF4-FFF2-40B4-BE49-F238E27FC236}">
+                <a16:creationId xmlns:a16="http://schemas.microsoft.com/office/drawing/2014/main" id="{99DC96F4-AF3E-486E-9EEE-D2F999D0D11B}"/>
+              </a:ext>
+            </a:extLst>
+          </p:cNvPr>
+          <p:cNvSpPr/>
+          <p:nvPr/>
+        </p:nvSpPr>
+        <p:spPr>
+          <a:xfrm>
+            <a:off x="577936" y="1678466"/>
+            <a:ext cx="7712623" cy="1938992"/>
+          </a:xfrm>
+          <a:prstGeom prst="rect">
+            <a:avLst/>
+          </a:prstGeom>
+        </p:spPr>
+        <p:txBody>
+          <a:bodyPr wrap="square">
+            <a:spAutoFit/>
+          </a:bodyPr>
+          <a:lstStyle/>
+          <a:p>
+            <a:r>
+              <a:rPr lang="en-SG" sz="2400" dirty="0"/>
+              <a:t>Model prediction of test data (180 images) in csv ﬁle: </a:t>
+            </a:r>
+          </a:p>
+          <a:p>
+            <a:pPr marL="342900" indent="-342900">
+              <a:buFont typeface="Arial" panose="020B0604020202020204" pitchFamily="34" charset="0"/>
+              <a:buChar char="•"/>
+            </a:pPr>
+            <a:r>
+              <a:rPr lang="en-SG" sz="2400" dirty="0"/>
+              <a:t>The ﬁrst column is the ﬁlename</a:t>
+            </a:r>
+          </a:p>
+          <a:p>
+            <a:pPr marL="342900" indent="-342900">
+              <a:buFont typeface="Arial" panose="020B0604020202020204" pitchFamily="34" charset="0"/>
+              <a:buChar char="•"/>
+            </a:pPr>
+            <a:r>
+              <a:rPr lang="en-SG" sz="2400" dirty="0"/>
+              <a:t>The second column is location of 'V' beat in second</a:t>
+            </a:r>
+          </a:p>
+          <a:p>
+            <a:endParaRPr lang="en-SG" sz="2400" dirty="0"/>
+          </a:p>
+          <a:p>
+            <a:r>
+              <a:rPr lang="en-SG" sz="2400" dirty="0"/>
+              <a:t>See test_results.csv</a:t>
+            </a:r>
+          </a:p>
+        </p:txBody>
+      </p:sp>
+    </p:spTree>
+    <p:extLst>
+      <p:ext uri="{BB962C8B-B14F-4D97-AF65-F5344CB8AC3E}">
+        <p14:creationId xmlns:p14="http://schemas.microsoft.com/office/powerpoint/2010/main" val="523250583"/>
+      </p:ext>
+    </p:extLst>
+  </p:cSld>
+  <p:clrMapOvr>
+    <a:masterClrMapping/>
+  </p:clrMapOvr>
+</p:sld>
+</file>
+
+<file path=ppt/slides/slide6.xml><?xml version="1.0" encoding="utf-8"?>
+<p:sld xmlns:a="http://schemas.openxmlformats.org/drawingml/2006/main" xmlns:r="http://schemas.openxmlformats.org/officeDocument/2006/relationships" xmlns:p="http://schemas.openxmlformats.org/presentationml/2006/main">
+  <p:cSld>
+    <p:spTree>
+      <p:nvGrpSpPr>
+        <p:cNvPr id="1" name=""/>
+        <p:cNvGrpSpPr/>
+        <p:nvPr/>
+      </p:nvGrpSpPr>
+      <p:grpSpPr>
+        <a:xfrm>
+          <a:off x="0" y="0"/>
+          <a:ext cx="0" cy="0"/>
+          <a:chOff x="0" y="0"/>
+          <a:chExt cx="0" cy="0"/>
+        </a:xfrm>
+      </p:grpSpPr>
+      <p:sp>
+        <p:nvSpPr>
+          <p:cNvPr id="4" name="Rectangle 3">
+            <a:extLst>
+              <a:ext uri="{FF2B5EF4-FFF2-40B4-BE49-F238E27FC236}">
+                <a16:creationId xmlns:a16="http://schemas.microsoft.com/office/drawing/2014/main" id="{AE5F455D-4D95-4CB5-A5EE-6A25894B548B}"/>
+              </a:ext>
+            </a:extLst>
+          </p:cNvPr>
+          <p:cNvSpPr/>
+          <p:nvPr/>
+        </p:nvSpPr>
+        <p:spPr>
+          <a:xfrm>
+            <a:off x="577937" y="297933"/>
+            <a:ext cx="5043753" cy="523220"/>
+          </a:xfrm>
+          <a:prstGeom prst="rect">
+            <a:avLst/>
+          </a:prstGeom>
+        </p:spPr>
+        <p:txBody>
+          <a:bodyPr wrap="none">
+            <a:spAutoFit/>
+          </a:bodyPr>
+          <a:lstStyle/>
+          <a:p>
+            <a:r>
+              <a:rPr lang="en-SG" sz="2800" dirty="0"/>
+              <a:t>Next steps, to improve the model</a:t>
+            </a:r>
+          </a:p>
+        </p:txBody>
+      </p:sp>
+      <p:sp>
+        <p:nvSpPr>
+          <p:cNvPr id="2" name="Rectangle 1">
+            <a:extLst>
+              <a:ext uri="{FF2B5EF4-FFF2-40B4-BE49-F238E27FC236}">
+                <a16:creationId xmlns:a16="http://schemas.microsoft.com/office/drawing/2014/main" id="{99DC96F4-AF3E-486E-9EEE-D2F999D0D11B}"/>
+              </a:ext>
+            </a:extLst>
+          </p:cNvPr>
+          <p:cNvSpPr/>
+          <p:nvPr/>
+        </p:nvSpPr>
+        <p:spPr>
+          <a:xfrm>
+            <a:off x="577937" y="1344580"/>
+            <a:ext cx="7712623" cy="2677656"/>
+          </a:xfrm>
+          <a:prstGeom prst="rect">
+            <a:avLst/>
+          </a:prstGeom>
+        </p:spPr>
+        <p:txBody>
+          <a:bodyPr wrap="square">
+            <a:spAutoFit/>
+          </a:bodyPr>
+          <a:lstStyle/>
+          <a:p>
+            <a:r>
+              <a:rPr lang="en-SG" sz="2400" dirty="0"/>
+              <a:t>Additional 12 features</a:t>
+            </a:r>
+          </a:p>
+          <a:p>
+            <a:pPr marL="342900" indent="-342900">
+              <a:buFontTx/>
+              <a:buChar char="-"/>
+            </a:pPr>
+            <a:r>
+              <a:rPr lang="en-SG" sz="2400" dirty="0"/>
+              <a:t>Split into 4 quadrants</a:t>
+            </a:r>
+          </a:p>
+          <a:p>
+            <a:pPr marL="342900" indent="-342900">
+              <a:buFontTx/>
+              <a:buChar char="-"/>
+            </a:pPr>
+            <a:r>
+              <a:rPr lang="en-SG" sz="2400" dirty="0"/>
+              <a:t>Find min, max, mean for each quadrant</a:t>
+            </a:r>
+          </a:p>
+          <a:p>
+            <a:pPr marL="342900" indent="-342900">
+              <a:buFontTx/>
+              <a:buChar char="-"/>
+            </a:pPr>
+            <a:endParaRPr lang="en-SG" sz="2400" dirty="0"/>
+          </a:p>
+          <a:p>
+            <a:r>
+              <a:rPr lang="en-SG" sz="2400" dirty="0"/>
+              <a:t>Additional 3 features</a:t>
+            </a:r>
+          </a:p>
+          <a:p>
+            <a:pPr marL="342900" indent="-342900">
+              <a:buFontTx/>
+              <a:buChar char="-"/>
+            </a:pPr>
+            <a:r>
+              <a:rPr lang="en-SG" sz="2400" dirty="0"/>
+              <a:t>Split into 4 quadrants</a:t>
+            </a:r>
+          </a:p>
+          <a:p>
+            <a:pPr marL="342900" indent="-342900">
+              <a:buFontTx/>
+              <a:buChar char="-"/>
+            </a:pPr>
+            <a:r>
+              <a:rPr lang="en-SG" sz="2400" dirty="0"/>
+              <a:t>Find moving average of 2 consecutive quadrants</a:t>
+            </a:r>
+          </a:p>
+        </p:txBody>
+      </p:sp>
+      <p:pic>
+        <p:nvPicPr>
+          <p:cNvPr id="5" name="Picture 4">
+            <a:extLst>
+              <a:ext uri="{FF2B5EF4-FFF2-40B4-BE49-F238E27FC236}">
+                <a16:creationId xmlns:a16="http://schemas.microsoft.com/office/drawing/2014/main" id="{0D31A24F-E553-4D3F-ABFB-C44FEB487ABF}"/>
+              </a:ext>
+            </a:extLst>
+          </p:cNvPr>
+          <p:cNvPicPr>
+            <a:picLocks noChangeAspect="1"/>
+          </p:cNvPicPr>
+          <p:nvPr/>
+        </p:nvPicPr>
+        <p:blipFill>
+          <a:blip r:embed="rId2"/>
+          <a:stretch>
+            <a:fillRect/>
+          </a:stretch>
+        </p:blipFill>
+        <p:spPr>
+          <a:xfrm>
+            <a:off x="8290560" y="445792"/>
+            <a:ext cx="2648991" cy="5264453"/>
+          </a:xfrm>
+          <a:prstGeom prst="rect">
+            <a:avLst/>
+          </a:prstGeom>
+          <a:ln w="28575">
+            <a:noFill/>
+            <a:prstDash val="lgDash"/>
+          </a:ln>
+          <a:effectLst/>
+        </p:spPr>
+      </p:pic>
+      <p:cxnSp>
+        <p:nvCxnSpPr>
+          <p:cNvPr id="6" name="Straight Connector 5">
+            <a:extLst>
+              <a:ext uri="{FF2B5EF4-FFF2-40B4-BE49-F238E27FC236}">
+                <a16:creationId xmlns:a16="http://schemas.microsoft.com/office/drawing/2014/main" id="{FD002406-C408-4D53-9355-13F527B2C827}"/>
+              </a:ext>
+            </a:extLst>
+          </p:cNvPr>
+          <p:cNvCxnSpPr>
+            <a:cxnSpLocks/>
+          </p:cNvCxnSpPr>
+          <p:nvPr/>
+        </p:nvCxnSpPr>
+        <p:spPr>
+          <a:xfrm flipH="1">
+            <a:off x="9790020" y="417551"/>
+            <a:ext cx="8709" cy="5947954"/>
+          </a:xfrm>
+          <a:prstGeom prst="line">
+            <a:avLst/>
+          </a:prstGeom>
+          <a:ln w="19050">
+            <a:solidFill>
+              <a:srgbClr val="FF0000"/>
+            </a:solidFill>
+            <a:prstDash val="lgDash"/>
+          </a:ln>
+        </p:spPr>
+        <p:style>
+          <a:lnRef idx="1">
+            <a:schemeClr val="accent1"/>
+          </a:lnRef>
+          <a:fillRef idx="0">
+            <a:schemeClr val="accent1"/>
+          </a:fillRef>
+          <a:effectRef idx="0">
+            <a:schemeClr val="accent1"/>
+          </a:effectRef>
+          <a:fontRef idx="minor">
+            <a:schemeClr val="tx1"/>
+          </a:fontRef>
+        </p:style>
+      </p:cxnSp>
+      <p:cxnSp>
+        <p:nvCxnSpPr>
+          <p:cNvPr id="8" name="Straight Connector 7">
+            <a:extLst>
+              <a:ext uri="{FF2B5EF4-FFF2-40B4-BE49-F238E27FC236}">
+                <a16:creationId xmlns:a16="http://schemas.microsoft.com/office/drawing/2014/main" id="{C644BB3C-88A0-47B0-8BBD-50D77AC7CC5D}"/>
+              </a:ext>
+            </a:extLst>
+          </p:cNvPr>
+          <p:cNvCxnSpPr>
+            <a:cxnSpLocks/>
+          </p:cNvCxnSpPr>
+          <p:nvPr/>
+        </p:nvCxnSpPr>
+        <p:spPr>
+          <a:xfrm flipH="1">
+            <a:off x="9302340" y="417551"/>
+            <a:ext cx="8709" cy="5947954"/>
+          </a:xfrm>
+          <a:prstGeom prst="line">
+            <a:avLst/>
+          </a:prstGeom>
+          <a:ln w="19050">
+            <a:solidFill>
+              <a:srgbClr val="FF0000"/>
+            </a:solidFill>
+            <a:prstDash val="lgDash"/>
+          </a:ln>
+        </p:spPr>
+        <p:style>
+          <a:lnRef idx="1">
+            <a:schemeClr val="accent1"/>
+          </a:lnRef>
+          <a:fillRef idx="0">
+            <a:schemeClr val="accent1"/>
+          </a:fillRef>
+          <a:effectRef idx="0">
+            <a:schemeClr val="accent1"/>
+          </a:effectRef>
+          <a:fontRef idx="minor">
+            <a:schemeClr val="tx1"/>
+          </a:fontRef>
+        </p:style>
+      </p:cxnSp>
+      <p:cxnSp>
+        <p:nvCxnSpPr>
+          <p:cNvPr id="9" name="Straight Connector 8">
+            <a:extLst>
+              <a:ext uri="{FF2B5EF4-FFF2-40B4-BE49-F238E27FC236}">
+                <a16:creationId xmlns:a16="http://schemas.microsoft.com/office/drawing/2014/main" id="{9CAE36A0-5B0F-4D81-A20D-B2E3CDE0B41A}"/>
+              </a:ext>
+            </a:extLst>
+          </p:cNvPr>
+          <p:cNvCxnSpPr>
+            <a:cxnSpLocks/>
+          </p:cNvCxnSpPr>
+          <p:nvPr/>
+        </p:nvCxnSpPr>
+        <p:spPr>
+          <a:xfrm flipH="1">
+            <a:off x="10314120" y="417551"/>
+            <a:ext cx="8709" cy="5947954"/>
+          </a:xfrm>
+          <a:prstGeom prst="line">
+            <a:avLst/>
+          </a:prstGeom>
+          <a:ln w="19050">
+            <a:solidFill>
+              <a:srgbClr val="FF0000"/>
+            </a:solidFill>
+            <a:prstDash val="lgDash"/>
+          </a:ln>
+        </p:spPr>
+        <p:style>
+          <a:lnRef idx="1">
+            <a:schemeClr val="accent1"/>
+          </a:lnRef>
+          <a:fillRef idx="0">
+            <a:schemeClr val="accent1"/>
+          </a:fillRef>
+          <a:effectRef idx="0">
+            <a:schemeClr val="accent1"/>
+          </a:effectRef>
+          <a:fontRef idx="minor">
+            <a:schemeClr val="tx1"/>
+          </a:fontRef>
+        </p:style>
+      </p:cxnSp>
+      <p:sp>
+        <p:nvSpPr>
+          <p:cNvPr id="10" name="Rectangle 9">
+            <a:extLst>
+              <a:ext uri="{FF2B5EF4-FFF2-40B4-BE49-F238E27FC236}">
+                <a16:creationId xmlns:a16="http://schemas.microsoft.com/office/drawing/2014/main" id="{0C7B1DE1-0A47-4347-88C5-B2CA9CD0E770}"/>
+              </a:ext>
+            </a:extLst>
+          </p:cNvPr>
+          <p:cNvSpPr/>
+          <p:nvPr/>
+        </p:nvSpPr>
+        <p:spPr>
+          <a:xfrm>
+            <a:off x="8855925" y="5728829"/>
+            <a:ext cx="418704" cy="646331"/>
+          </a:xfrm>
+          <a:prstGeom prst="rect">
+            <a:avLst/>
+          </a:prstGeom>
+        </p:spPr>
+        <p:txBody>
+          <a:bodyPr wrap="none">
+            <a:spAutoFit/>
+          </a:bodyPr>
+          <a:lstStyle/>
+          <a:p>
+            <a:pPr algn="ctr"/>
+            <a:r>
+              <a:rPr lang="en-SG" dirty="0"/>
+              <a:t>0</a:t>
+            </a:r>
+          </a:p>
+          <a:p>
+            <a:pPr algn="ctr"/>
+            <a:r>
+              <a:rPr lang="en-SG" dirty="0"/>
+              <a:t>36</a:t>
+            </a:r>
+          </a:p>
+        </p:txBody>
+      </p:sp>
+      <p:sp>
+        <p:nvSpPr>
+          <p:cNvPr id="11" name="Rectangle 10">
+            <a:extLst>
+              <a:ext uri="{FF2B5EF4-FFF2-40B4-BE49-F238E27FC236}">
+                <a16:creationId xmlns:a16="http://schemas.microsoft.com/office/drawing/2014/main" id="{68474FAB-091E-428B-BBE3-951B764D4029}"/>
+              </a:ext>
+            </a:extLst>
+          </p:cNvPr>
+          <p:cNvSpPr/>
+          <p:nvPr/>
+        </p:nvSpPr>
+        <p:spPr>
+          <a:xfrm>
+            <a:off x="9302340" y="5738122"/>
+            <a:ext cx="418704" cy="646331"/>
+          </a:xfrm>
+          <a:prstGeom prst="rect">
+            <a:avLst/>
+          </a:prstGeom>
+        </p:spPr>
+        <p:txBody>
+          <a:bodyPr wrap="none">
+            <a:spAutoFit/>
+          </a:bodyPr>
+          <a:lstStyle/>
+          <a:p>
+            <a:pPr algn="ctr"/>
+            <a:r>
+              <a:rPr lang="en-SG" dirty="0"/>
+              <a:t>37</a:t>
+            </a:r>
+          </a:p>
+          <a:p>
+            <a:pPr algn="ctr"/>
+            <a:r>
+              <a:rPr lang="en-SG" dirty="0"/>
+              <a:t>74</a:t>
+            </a:r>
+          </a:p>
+        </p:txBody>
+      </p:sp>
+      <p:sp>
+        <p:nvSpPr>
+          <p:cNvPr id="12" name="Rectangle 11">
+            <a:extLst>
+              <a:ext uri="{FF2B5EF4-FFF2-40B4-BE49-F238E27FC236}">
+                <a16:creationId xmlns:a16="http://schemas.microsoft.com/office/drawing/2014/main" id="{B5D21EFA-AEC7-459F-B3AD-9F00ECC51235}"/>
+              </a:ext>
+            </a:extLst>
+          </p:cNvPr>
+          <p:cNvSpPr/>
+          <p:nvPr/>
+        </p:nvSpPr>
+        <p:spPr>
+          <a:xfrm>
+            <a:off x="9740219" y="5738122"/>
+            <a:ext cx="535724" cy="646331"/>
+          </a:xfrm>
+          <a:prstGeom prst="rect">
+            <a:avLst/>
+          </a:prstGeom>
+        </p:spPr>
+        <p:txBody>
+          <a:bodyPr wrap="none">
+            <a:spAutoFit/>
+          </a:bodyPr>
+          <a:lstStyle/>
+          <a:p>
+            <a:pPr algn="ctr"/>
+            <a:r>
+              <a:rPr lang="en-SG" dirty="0"/>
+              <a:t>75</a:t>
+            </a:r>
+          </a:p>
+          <a:p>
+            <a:pPr algn="ctr"/>
+            <a:r>
+              <a:rPr lang="en-SG" dirty="0"/>
+              <a:t>112</a:t>
+            </a:r>
+          </a:p>
+        </p:txBody>
+      </p:sp>
+      <p:sp>
+        <p:nvSpPr>
+          <p:cNvPr id="13" name="Rectangle 12">
+            <a:extLst>
+              <a:ext uri="{FF2B5EF4-FFF2-40B4-BE49-F238E27FC236}">
+                <a16:creationId xmlns:a16="http://schemas.microsoft.com/office/drawing/2014/main" id="{F03F07C1-344C-4630-A1AC-4AB1A7358FA7}"/>
+              </a:ext>
+            </a:extLst>
+          </p:cNvPr>
+          <p:cNvSpPr/>
+          <p:nvPr/>
+        </p:nvSpPr>
+        <p:spPr>
+          <a:xfrm>
+            <a:off x="10275943" y="5738122"/>
+            <a:ext cx="535723" cy="646331"/>
+          </a:xfrm>
+          <a:prstGeom prst="rect">
+            <a:avLst/>
+          </a:prstGeom>
+        </p:spPr>
+        <p:txBody>
+          <a:bodyPr wrap="none">
+            <a:spAutoFit/>
+          </a:bodyPr>
+          <a:lstStyle/>
+          <a:p>
+            <a:pPr algn="ctr"/>
+            <a:r>
+              <a:rPr lang="en-SG" dirty="0"/>
+              <a:t>113</a:t>
+            </a:r>
+          </a:p>
+          <a:p>
+            <a:pPr algn="ctr"/>
+            <a:r>
+              <a:rPr lang="en-SG" dirty="0"/>
+              <a:t>149</a:t>
+            </a:r>
+          </a:p>
+        </p:txBody>
+      </p:sp>
+    </p:spTree>
+    <p:extLst>
+      <p:ext uri="{BB962C8B-B14F-4D97-AF65-F5344CB8AC3E}">
+        <p14:creationId xmlns:p14="http://schemas.microsoft.com/office/powerpoint/2010/main" val="2835089481"/>
       </p:ext>
     </p:extLst>
   </p:cSld>

--- a/ecg_vbeat.pptx
+++ b/ecg_vbeat.pptx
@@ -5,12 +5,13 @@
     <p:sldMasterId id="2147483648" r:id="rId1"/>
   </p:sldMasterIdLst>
   <p:sldIdLst>
-    <p:sldId id="256" r:id="rId2"/>
-    <p:sldId id="257" r:id="rId3"/>
-    <p:sldId id="258" r:id="rId4"/>
-    <p:sldId id="259" r:id="rId5"/>
-    <p:sldId id="260" r:id="rId6"/>
-    <p:sldId id="261" r:id="rId7"/>
+    <p:sldId id="262" r:id="rId2"/>
+    <p:sldId id="256" r:id="rId3"/>
+    <p:sldId id="257" r:id="rId4"/>
+    <p:sldId id="258" r:id="rId5"/>
+    <p:sldId id="259" r:id="rId6"/>
+    <p:sldId id="260" r:id="rId7"/>
+    <p:sldId id="261" r:id="rId8"/>
   </p:sldIdLst>
   <p:sldSz cx="12192000" cy="6858000"/>
   <p:notesSz cx="6858000" cy="9144000"/>
@@ -3352,777 +3353,74 @@
           <a:chExt cx="0" cy="0"/>
         </a:xfrm>
       </p:grpSpPr>
-      <p:pic>
-        <p:nvPicPr>
-          <p:cNvPr id="12" name="Picture 11">
-            <a:extLst>
-              <a:ext uri="{FF2B5EF4-FFF2-40B4-BE49-F238E27FC236}">
-                <a16:creationId xmlns:a16="http://schemas.microsoft.com/office/drawing/2014/main" id="{6409EB56-B164-4566-ABB9-6AA202BDD332}"/>
-              </a:ext>
-            </a:extLst>
-          </p:cNvPr>
-          <p:cNvPicPr>
-            <a:picLocks noChangeAspect="1"/>
-          </p:cNvPicPr>
-          <p:nvPr/>
-        </p:nvPicPr>
-        <p:blipFill rotWithShape="1">
-          <a:blip r:embed="rId2"/>
-          <a:srcRect l="57702" r="12821"/>
-          <a:stretch/>
-        </p:blipFill>
-        <p:spPr>
-          <a:xfrm>
-            <a:off x="7654882" y="1401595"/>
-            <a:ext cx="3286561" cy="4558145"/>
-          </a:xfrm>
-          <a:prstGeom prst="rect">
-            <a:avLst/>
-          </a:prstGeom>
-        </p:spPr>
-      </p:pic>
-      <p:pic>
-        <p:nvPicPr>
-          <p:cNvPr id="4" name="Picture 3">
-            <a:extLst>
-              <a:ext uri="{FF2B5EF4-FFF2-40B4-BE49-F238E27FC236}">
-                <a16:creationId xmlns:a16="http://schemas.microsoft.com/office/drawing/2014/main" id="{261F3C35-C31A-4919-B675-BC434F7845C7}"/>
-              </a:ext>
-            </a:extLst>
-          </p:cNvPr>
-          <p:cNvPicPr>
-            <a:picLocks noChangeAspect="1"/>
-          </p:cNvPicPr>
-          <p:nvPr/>
-        </p:nvPicPr>
-        <p:blipFill>
-          <a:blip r:embed="rId3"/>
-          <a:stretch>
-            <a:fillRect/>
-          </a:stretch>
-        </p:blipFill>
-        <p:spPr>
-          <a:xfrm>
-            <a:off x="991516" y="1401597"/>
-            <a:ext cx="4600688" cy="4558145"/>
-          </a:xfrm>
-          <a:prstGeom prst="rect">
-            <a:avLst/>
-          </a:prstGeom>
-        </p:spPr>
-      </p:pic>
-      <p:sp>
-        <p:nvSpPr>
-          <p:cNvPr id="2" name="Rectangle 1">
-            <a:extLst>
-              <a:ext uri="{FF2B5EF4-FFF2-40B4-BE49-F238E27FC236}">
-                <a16:creationId xmlns:a16="http://schemas.microsoft.com/office/drawing/2014/main" id="{7E2AF85F-4403-4B1C-BA1A-7B62D61F7E33}"/>
-              </a:ext>
-            </a:extLst>
-          </p:cNvPr>
-          <p:cNvSpPr/>
-          <p:nvPr/>
-        </p:nvSpPr>
-        <p:spPr>
-          <a:xfrm>
-            <a:off x="991516" y="1401596"/>
-            <a:ext cx="10174231" cy="4558145"/>
-          </a:xfrm>
-          <a:prstGeom prst="rect">
-            <a:avLst/>
-          </a:prstGeom>
-          <a:noFill/>
-          <a:ln>
-            <a:solidFill>
-              <a:schemeClr val="tx1"/>
-            </a:solidFill>
-          </a:ln>
-        </p:spPr>
-        <p:style>
-          <a:lnRef idx="2">
-            <a:schemeClr val="accent1">
-              <a:shade val="50000"/>
-            </a:schemeClr>
-          </a:lnRef>
-          <a:fillRef idx="1">
-            <a:schemeClr val="accent1"/>
-          </a:fillRef>
-          <a:effectRef idx="0">
-            <a:schemeClr val="accent1"/>
-          </a:effectRef>
-          <a:fontRef idx="minor">
-            <a:schemeClr val="lt1"/>
-          </a:fontRef>
-        </p:style>
-        <p:txBody>
-          <a:bodyPr rtlCol="0" anchor="ctr"/>
-          <a:lstStyle/>
-          <a:p>
-            <a:pPr algn="ctr"/>
-            <a:endParaRPr lang="en-SG"/>
-          </a:p>
-        </p:txBody>
-      </p:sp>
-      <p:sp>
-        <p:nvSpPr>
-          <p:cNvPr id="5" name="Rectangle 4">
-            <a:extLst>
-              <a:ext uri="{FF2B5EF4-FFF2-40B4-BE49-F238E27FC236}">
-                <a16:creationId xmlns:a16="http://schemas.microsoft.com/office/drawing/2014/main" id="{848EC6A9-5965-48A5-8011-758A0846D30C}"/>
-              </a:ext>
-            </a:extLst>
-          </p:cNvPr>
-          <p:cNvSpPr/>
-          <p:nvPr/>
-        </p:nvSpPr>
-        <p:spPr>
-          <a:xfrm>
-            <a:off x="455792" y="3496002"/>
-            <a:ext cx="535724" cy="369332"/>
-          </a:xfrm>
-          <a:prstGeom prst="rect">
-            <a:avLst/>
-          </a:prstGeom>
-        </p:spPr>
-        <p:txBody>
-          <a:bodyPr wrap="none">
-            <a:spAutoFit/>
-          </a:bodyPr>
-          <a:lstStyle/>
-          <a:p>
+      <p:sp>
+        <p:nvSpPr>
+          <p:cNvPr id="2" name="Title 1">
+            <a:extLst>
+              <a:ext uri="{FF2B5EF4-FFF2-40B4-BE49-F238E27FC236}">
+                <a16:creationId xmlns:a16="http://schemas.microsoft.com/office/drawing/2014/main" id="{3C035595-1AB3-4138-908A-4396923A7BC2}"/>
+              </a:ext>
+            </a:extLst>
+          </p:cNvPr>
+          <p:cNvSpPr>
+            <a:spLocks noGrp="1"/>
+          </p:cNvSpPr>
+          <p:nvPr>
+            <p:ph type="title"/>
+          </p:nvPr>
+        </p:nvSpPr>
+        <p:spPr/>
+        <p:txBody>
+          <a:bodyPr/>
+          <a:lstStyle/>
+          <a:p>
+            <a:r>
+              <a:rPr lang="en-US" dirty="0"/>
+              <a:t>Objective</a:t>
+            </a:r>
+            <a:endParaRPr lang="en-SG" dirty="0"/>
+          </a:p>
+        </p:txBody>
+      </p:sp>
+      <p:sp>
+        <p:nvSpPr>
+          <p:cNvPr id="3" name="Content Placeholder 2">
+            <a:extLst>
+              <a:ext uri="{FF2B5EF4-FFF2-40B4-BE49-F238E27FC236}">
+                <a16:creationId xmlns:a16="http://schemas.microsoft.com/office/drawing/2014/main" id="{43634D1B-DF00-4D50-A656-EF60DAFB4689}"/>
+              </a:ext>
+            </a:extLst>
+          </p:cNvPr>
+          <p:cNvSpPr>
+            <a:spLocks noGrp="1"/>
+          </p:cNvSpPr>
+          <p:nvPr>
+            <p:ph idx="1"/>
+          </p:nvPr>
+        </p:nvSpPr>
+        <p:spPr/>
+        <p:txBody>
+          <a:bodyPr/>
+          <a:lstStyle/>
+          <a:p>
+            <a:pPr marL="0" indent="0">
+              <a:buNone/>
+            </a:pPr>
             <a:r>
               <a:rPr lang="en-SG" dirty="0"/>
-              <a:t>750</a:t>
-            </a:r>
-          </a:p>
-        </p:txBody>
-      </p:sp>
-      <p:sp>
-        <p:nvSpPr>
-          <p:cNvPr id="6" name="Rectangle 5">
-            <a:extLst>
-              <a:ext uri="{FF2B5EF4-FFF2-40B4-BE49-F238E27FC236}">
-                <a16:creationId xmlns:a16="http://schemas.microsoft.com/office/drawing/2014/main" id="{04375EE1-1D0F-44A0-A450-634D88B436AF}"/>
-              </a:ext>
-            </a:extLst>
-          </p:cNvPr>
-          <p:cNvSpPr/>
-          <p:nvPr/>
-        </p:nvSpPr>
-        <p:spPr>
-          <a:xfrm>
-            <a:off x="6180152" y="5959740"/>
-            <a:ext cx="652743" cy="369332"/>
-          </a:xfrm>
-          <a:prstGeom prst="rect">
-            <a:avLst/>
-          </a:prstGeom>
-        </p:spPr>
-        <p:txBody>
-          <a:bodyPr wrap="none">
-            <a:spAutoFit/>
-          </a:bodyPr>
-          <a:lstStyle/>
+              <a:t>Use machine learning and image processing to detect the location of V-beat in Electrocardiogram (ECG), given a collection of ECG strip images </a:t>
+            </a:r>
+          </a:p>
           <a:p>
             <a:r>
               <a:rPr lang="en-SG" dirty="0"/>
-              <a:t>7522</a:t>
-            </a:r>
-          </a:p>
-        </p:txBody>
-      </p:sp>
-      <p:cxnSp>
-        <p:nvCxnSpPr>
-          <p:cNvPr id="8" name="Straight Connector 7">
-            <a:extLst>
-              <a:ext uri="{FF2B5EF4-FFF2-40B4-BE49-F238E27FC236}">
-                <a16:creationId xmlns:a16="http://schemas.microsoft.com/office/drawing/2014/main" id="{67A9ADAA-9B0D-44CA-AFC2-3BB8DB2C67AE}"/>
-              </a:ext>
-            </a:extLst>
-          </p:cNvPr>
-          <p:cNvCxnSpPr>
-            <a:cxnSpLocks/>
-          </p:cNvCxnSpPr>
-          <p:nvPr/>
-        </p:nvCxnSpPr>
-        <p:spPr>
-          <a:xfrm>
-            <a:off x="6654085" y="1677798"/>
-            <a:ext cx="3186201" cy="8389"/>
-          </a:xfrm>
-          <a:prstGeom prst="line">
-            <a:avLst/>
-          </a:prstGeom>
-        </p:spPr>
-        <p:style>
-          <a:lnRef idx="1">
-            <a:schemeClr val="accent1"/>
-          </a:lnRef>
-          <a:fillRef idx="0">
-            <a:schemeClr val="accent1"/>
-          </a:fillRef>
-          <a:effectRef idx="0">
-            <a:schemeClr val="accent1"/>
-          </a:effectRef>
-          <a:fontRef idx="minor">
-            <a:schemeClr val="tx1"/>
-          </a:fontRef>
-        </p:style>
-      </p:cxnSp>
-      <p:cxnSp>
-        <p:nvCxnSpPr>
-          <p:cNvPr id="10" name="Straight Arrow Connector 9">
-            <a:extLst>
-              <a:ext uri="{FF2B5EF4-FFF2-40B4-BE49-F238E27FC236}">
-                <a16:creationId xmlns:a16="http://schemas.microsoft.com/office/drawing/2014/main" id="{FBB502FF-D7DE-4D27-9735-E9355F423632}"/>
-              </a:ext>
-            </a:extLst>
-          </p:cNvPr>
-          <p:cNvCxnSpPr/>
-          <p:nvPr/>
-        </p:nvCxnSpPr>
-        <p:spPr>
-          <a:xfrm>
-            <a:off x="6778305" y="1401596"/>
-            <a:ext cx="0" cy="284591"/>
-          </a:xfrm>
-          <a:prstGeom prst="straightConnector1">
-            <a:avLst/>
-          </a:prstGeom>
-          <a:ln>
-            <a:tailEnd type="triangle"/>
-          </a:ln>
-        </p:spPr>
-        <p:style>
-          <a:lnRef idx="1">
-            <a:schemeClr val="accent1"/>
-          </a:lnRef>
-          <a:fillRef idx="0">
-            <a:schemeClr val="accent1"/>
-          </a:fillRef>
-          <a:effectRef idx="0">
-            <a:schemeClr val="accent1"/>
-          </a:effectRef>
-          <a:fontRef idx="minor">
-            <a:schemeClr val="tx1"/>
-          </a:fontRef>
-        </p:style>
-      </p:cxnSp>
-      <p:sp>
-        <p:nvSpPr>
-          <p:cNvPr id="11" name="Rectangle 10">
-            <a:extLst>
-              <a:ext uri="{FF2B5EF4-FFF2-40B4-BE49-F238E27FC236}">
-                <a16:creationId xmlns:a16="http://schemas.microsoft.com/office/drawing/2014/main" id="{1AAD45FA-5BC3-4E7D-BDDE-98CA72C90C7D}"/>
-              </a:ext>
-            </a:extLst>
-          </p:cNvPr>
-          <p:cNvSpPr/>
-          <p:nvPr/>
-        </p:nvSpPr>
-        <p:spPr>
-          <a:xfrm>
-            <a:off x="6414191" y="1334483"/>
-            <a:ext cx="418704" cy="369332"/>
-          </a:xfrm>
-          <a:prstGeom prst="rect">
-            <a:avLst/>
-          </a:prstGeom>
-        </p:spPr>
-        <p:txBody>
-          <a:bodyPr wrap="none">
-            <a:spAutoFit/>
-          </a:bodyPr>
-          <a:lstStyle/>
+              <a:t>Train images n=540</a:t>
+            </a:r>
+          </a:p>
           <a:p>
             <a:r>
               <a:rPr lang="en-SG" dirty="0"/>
-              <a:t>45</a:t>
-            </a:r>
-          </a:p>
-        </p:txBody>
-      </p:sp>
-      <p:sp>
-        <p:nvSpPr>
-          <p:cNvPr id="14" name="Rectangle 13">
-            <a:extLst>
-              <a:ext uri="{FF2B5EF4-FFF2-40B4-BE49-F238E27FC236}">
-                <a16:creationId xmlns:a16="http://schemas.microsoft.com/office/drawing/2014/main" id="{D59C7BB8-07E4-49C8-BD38-3D7AF377F0BC}"/>
-              </a:ext>
-            </a:extLst>
-          </p:cNvPr>
-          <p:cNvSpPr/>
-          <p:nvPr/>
-        </p:nvSpPr>
-        <p:spPr>
-          <a:xfrm>
-            <a:off x="682777" y="998708"/>
-            <a:ext cx="1208985" cy="369332"/>
-          </a:xfrm>
-          <a:prstGeom prst="rect">
-            <a:avLst/>
-          </a:prstGeom>
-        </p:spPr>
-        <p:txBody>
-          <a:bodyPr wrap="none">
-            <a:spAutoFit/>
-          </a:bodyPr>
-          <a:lstStyle/>
-          <a:p>
-            <a:r>
-              <a:rPr lang="en-SG" dirty="0"/>
-              <a:t>(0,0) origin</a:t>
-            </a:r>
-          </a:p>
-        </p:txBody>
-      </p:sp>
-      <p:sp>
-        <p:nvSpPr>
-          <p:cNvPr id="16" name="Rectangle 15">
-            <a:extLst>
-              <a:ext uri="{FF2B5EF4-FFF2-40B4-BE49-F238E27FC236}">
-                <a16:creationId xmlns:a16="http://schemas.microsoft.com/office/drawing/2014/main" id="{D24CDF7C-DD4E-4E79-B7E1-B38EF73743F8}"/>
-              </a:ext>
-            </a:extLst>
-          </p:cNvPr>
-          <p:cNvSpPr/>
-          <p:nvPr/>
-        </p:nvSpPr>
-        <p:spPr>
-          <a:xfrm>
-            <a:off x="849489" y="1184100"/>
-            <a:ext cx="284052" cy="369332"/>
-          </a:xfrm>
-          <a:prstGeom prst="rect">
-            <a:avLst/>
-          </a:prstGeom>
-        </p:spPr>
-        <p:txBody>
-          <a:bodyPr wrap="none">
-            <a:spAutoFit/>
-          </a:bodyPr>
-          <a:lstStyle/>
-          <a:p>
-            <a:r>
-              <a:rPr lang="en-US" dirty="0"/>
-              <a:t>x</a:t>
-            </a:r>
-            <a:endParaRPr lang="en-SG" dirty="0"/>
-          </a:p>
-        </p:txBody>
-      </p:sp>
-      <p:sp>
-        <p:nvSpPr>
-          <p:cNvPr id="17" name="Rectangle 16">
-            <a:extLst>
-              <a:ext uri="{FF2B5EF4-FFF2-40B4-BE49-F238E27FC236}">
-                <a16:creationId xmlns:a16="http://schemas.microsoft.com/office/drawing/2014/main" id="{8C4795C7-3FBE-46E8-A485-A8D9A99D45EE}"/>
-              </a:ext>
-            </a:extLst>
-          </p:cNvPr>
-          <p:cNvSpPr/>
-          <p:nvPr/>
-        </p:nvSpPr>
-        <p:spPr>
-          <a:xfrm>
-            <a:off x="577937" y="297933"/>
-            <a:ext cx="2684004" cy="523220"/>
-          </a:xfrm>
-          <a:prstGeom prst="rect">
-            <a:avLst/>
-          </a:prstGeom>
-        </p:spPr>
-        <p:txBody>
-          <a:bodyPr wrap="none">
-            <a:spAutoFit/>
-          </a:bodyPr>
-          <a:lstStyle/>
-          <a:p>
-            <a:r>
-              <a:rPr lang="en-SG" sz="2800" dirty="0"/>
-              <a:t>Image dimension</a:t>
-            </a:r>
-          </a:p>
-        </p:txBody>
-      </p:sp>
-      <p:cxnSp>
-        <p:nvCxnSpPr>
-          <p:cNvPr id="19" name="Straight Arrow Connector 18">
-            <a:extLst>
-              <a:ext uri="{FF2B5EF4-FFF2-40B4-BE49-F238E27FC236}">
-                <a16:creationId xmlns:a16="http://schemas.microsoft.com/office/drawing/2014/main" id="{92B347B8-1526-483D-8809-691CBA32A10B}"/>
-              </a:ext>
-            </a:extLst>
-          </p:cNvPr>
-          <p:cNvCxnSpPr/>
-          <p:nvPr/>
-        </p:nvCxnSpPr>
-        <p:spPr>
-          <a:xfrm>
-            <a:off x="1568741" y="5696125"/>
-            <a:ext cx="0" cy="263615"/>
-          </a:xfrm>
-          <a:prstGeom prst="straightConnector1">
-            <a:avLst/>
-          </a:prstGeom>
-          <a:ln>
-            <a:headEnd type="triangle"/>
-            <a:tailEnd type="triangle"/>
-          </a:ln>
-        </p:spPr>
-        <p:style>
-          <a:lnRef idx="1">
-            <a:schemeClr val="accent1"/>
-          </a:lnRef>
-          <a:fillRef idx="0">
-            <a:schemeClr val="accent1"/>
-          </a:fillRef>
-          <a:effectRef idx="0">
-            <a:schemeClr val="accent1"/>
-          </a:effectRef>
-          <a:fontRef idx="minor">
-            <a:schemeClr val="tx1"/>
-          </a:fontRef>
-        </p:style>
-      </p:cxnSp>
-      <p:cxnSp>
-        <p:nvCxnSpPr>
-          <p:cNvPr id="20" name="Straight Arrow Connector 19">
-            <a:extLst>
-              <a:ext uri="{FF2B5EF4-FFF2-40B4-BE49-F238E27FC236}">
-                <a16:creationId xmlns:a16="http://schemas.microsoft.com/office/drawing/2014/main" id="{58DA76A2-295D-4291-8306-80F1FF1AECCC}"/>
-              </a:ext>
-            </a:extLst>
-          </p:cNvPr>
-          <p:cNvCxnSpPr>
-            <a:cxnSpLocks/>
-          </p:cNvCxnSpPr>
-          <p:nvPr/>
-        </p:nvCxnSpPr>
-        <p:spPr>
-          <a:xfrm>
-            <a:off x="991516" y="5236129"/>
-            <a:ext cx="224888" cy="0"/>
-          </a:xfrm>
-          <a:prstGeom prst="straightConnector1">
-            <a:avLst/>
-          </a:prstGeom>
-          <a:ln>
-            <a:headEnd type="triangle"/>
-            <a:tailEnd type="triangle"/>
-          </a:ln>
-        </p:spPr>
-        <p:style>
-          <a:lnRef idx="1">
-            <a:schemeClr val="accent1"/>
-          </a:lnRef>
-          <a:fillRef idx="0">
-            <a:schemeClr val="accent1"/>
-          </a:fillRef>
-          <a:effectRef idx="0">
-            <a:schemeClr val="accent1"/>
-          </a:effectRef>
-          <a:fontRef idx="minor">
-            <a:schemeClr val="tx1"/>
-          </a:fontRef>
-        </p:style>
-      </p:cxnSp>
-      <p:cxnSp>
-        <p:nvCxnSpPr>
-          <p:cNvPr id="22" name="Straight Arrow Connector 21">
-            <a:extLst>
-              <a:ext uri="{FF2B5EF4-FFF2-40B4-BE49-F238E27FC236}">
-                <a16:creationId xmlns:a16="http://schemas.microsoft.com/office/drawing/2014/main" id="{BF5EA399-E298-443B-85EA-D25E24485CFF}"/>
-              </a:ext>
-            </a:extLst>
-          </p:cNvPr>
-          <p:cNvCxnSpPr>
-            <a:cxnSpLocks/>
-          </p:cNvCxnSpPr>
-          <p:nvPr/>
-        </p:nvCxnSpPr>
-        <p:spPr>
-          <a:xfrm>
-            <a:off x="10940859" y="5213759"/>
-            <a:ext cx="224888" cy="0"/>
-          </a:xfrm>
-          <a:prstGeom prst="straightConnector1">
-            <a:avLst/>
-          </a:prstGeom>
-          <a:ln>
-            <a:headEnd type="triangle"/>
-            <a:tailEnd type="triangle"/>
-          </a:ln>
-        </p:spPr>
-        <p:style>
-          <a:lnRef idx="1">
-            <a:schemeClr val="accent1"/>
-          </a:lnRef>
-          <a:fillRef idx="0">
-            <a:schemeClr val="accent1"/>
-          </a:fillRef>
-          <a:effectRef idx="0">
-            <a:schemeClr val="accent1"/>
-          </a:effectRef>
-          <a:fontRef idx="minor">
-            <a:schemeClr val="tx1"/>
-          </a:fontRef>
-        </p:style>
-      </p:cxnSp>
-      <p:sp>
-        <p:nvSpPr>
-          <p:cNvPr id="23" name="Rectangle 22">
-            <a:extLst>
-              <a:ext uri="{FF2B5EF4-FFF2-40B4-BE49-F238E27FC236}">
-                <a16:creationId xmlns:a16="http://schemas.microsoft.com/office/drawing/2014/main" id="{EB212373-7E3E-42C4-8EBB-70EAE7BD7951}"/>
-              </a:ext>
-            </a:extLst>
-          </p:cNvPr>
-          <p:cNvSpPr/>
-          <p:nvPr/>
-        </p:nvSpPr>
-        <p:spPr>
-          <a:xfrm>
-            <a:off x="1565354" y="5643266"/>
-            <a:ext cx="418704" cy="369332"/>
-          </a:xfrm>
-          <a:prstGeom prst="rect">
-            <a:avLst/>
-          </a:prstGeom>
-        </p:spPr>
-        <p:txBody>
-          <a:bodyPr wrap="none">
-            <a:spAutoFit/>
-          </a:bodyPr>
-          <a:lstStyle/>
-          <a:p>
-            <a:r>
-              <a:rPr lang="en-SG" dirty="0"/>
-              <a:t>46</a:t>
-            </a:r>
-          </a:p>
-        </p:txBody>
-      </p:sp>
-      <p:sp>
-        <p:nvSpPr>
-          <p:cNvPr id="24" name="Rectangle 23">
-            <a:extLst>
-              <a:ext uri="{FF2B5EF4-FFF2-40B4-BE49-F238E27FC236}">
-                <a16:creationId xmlns:a16="http://schemas.microsoft.com/office/drawing/2014/main" id="{4243E869-1D77-4FF4-A40C-C52F9C14E93B}"/>
-              </a:ext>
-            </a:extLst>
-          </p:cNvPr>
-          <p:cNvSpPr/>
-          <p:nvPr/>
-        </p:nvSpPr>
-        <p:spPr>
-          <a:xfrm>
-            <a:off x="924189" y="4867138"/>
-            <a:ext cx="418704" cy="369332"/>
-          </a:xfrm>
-          <a:prstGeom prst="rect">
-            <a:avLst/>
-          </a:prstGeom>
-        </p:spPr>
-        <p:txBody>
-          <a:bodyPr wrap="none">
-            <a:spAutoFit/>
-          </a:bodyPr>
-          <a:lstStyle/>
-          <a:p>
-            <a:r>
-              <a:rPr lang="en-SG" dirty="0"/>
-              <a:t>36</a:t>
-            </a:r>
-          </a:p>
-        </p:txBody>
-      </p:sp>
-      <p:cxnSp>
-        <p:nvCxnSpPr>
-          <p:cNvPr id="25" name="Straight Arrow Connector 24">
-            <a:extLst>
-              <a:ext uri="{FF2B5EF4-FFF2-40B4-BE49-F238E27FC236}">
-                <a16:creationId xmlns:a16="http://schemas.microsoft.com/office/drawing/2014/main" id="{A693D1FF-924F-4A77-B7A7-F452E876F279}"/>
-              </a:ext>
-            </a:extLst>
-          </p:cNvPr>
-          <p:cNvCxnSpPr>
-            <a:cxnSpLocks/>
-          </p:cNvCxnSpPr>
-          <p:nvPr/>
-        </p:nvCxnSpPr>
-        <p:spPr>
-          <a:xfrm flipV="1">
-            <a:off x="4833674" y="5236129"/>
-            <a:ext cx="476557" cy="5595"/>
-          </a:xfrm>
-          <a:prstGeom prst="straightConnector1">
-            <a:avLst/>
-          </a:prstGeom>
-          <a:ln>
-            <a:headEnd type="triangle"/>
-            <a:tailEnd type="triangle"/>
-          </a:ln>
-        </p:spPr>
-        <p:style>
-          <a:lnRef idx="1">
-            <a:schemeClr val="accent1"/>
-          </a:lnRef>
-          <a:fillRef idx="0">
-            <a:schemeClr val="accent1"/>
-          </a:fillRef>
-          <a:effectRef idx="0">
-            <a:schemeClr val="accent1"/>
-          </a:effectRef>
-          <a:fontRef idx="minor">
-            <a:schemeClr val="tx1"/>
-          </a:fontRef>
-        </p:style>
-      </p:cxnSp>
-      <p:cxnSp>
-        <p:nvCxnSpPr>
-          <p:cNvPr id="26" name="Straight Arrow Connector 25">
-            <a:extLst>
-              <a:ext uri="{FF2B5EF4-FFF2-40B4-BE49-F238E27FC236}">
-                <a16:creationId xmlns:a16="http://schemas.microsoft.com/office/drawing/2014/main" id="{0B4BAF90-9071-4001-BCFE-33847AE2DC34}"/>
-              </a:ext>
-            </a:extLst>
-          </p:cNvPr>
-          <p:cNvCxnSpPr>
-            <a:cxnSpLocks/>
-          </p:cNvCxnSpPr>
-          <p:nvPr/>
-        </p:nvCxnSpPr>
-        <p:spPr>
-          <a:xfrm>
-            <a:off x="5310231" y="5287263"/>
-            <a:ext cx="0" cy="408862"/>
-          </a:xfrm>
-          <a:prstGeom prst="straightConnector1">
-            <a:avLst/>
-          </a:prstGeom>
-          <a:ln>
-            <a:headEnd type="triangle"/>
-            <a:tailEnd type="triangle"/>
-          </a:ln>
-        </p:spPr>
-        <p:style>
-          <a:lnRef idx="1">
-            <a:schemeClr val="accent1"/>
-          </a:lnRef>
-          <a:fillRef idx="0">
-            <a:schemeClr val="accent1"/>
-          </a:fillRef>
-          <a:effectRef idx="0">
-            <a:schemeClr val="accent1"/>
-          </a:effectRef>
-          <a:fontRef idx="minor">
-            <a:schemeClr val="tx1"/>
-          </a:fontRef>
-        </p:style>
-      </p:cxnSp>
-      <p:sp>
-        <p:nvSpPr>
-          <p:cNvPr id="30" name="Rectangle 29">
-            <a:extLst>
-              <a:ext uri="{FF2B5EF4-FFF2-40B4-BE49-F238E27FC236}">
-                <a16:creationId xmlns:a16="http://schemas.microsoft.com/office/drawing/2014/main" id="{B35867A5-7AB7-4916-8E35-E5369220E9FB}"/>
-              </a:ext>
-            </a:extLst>
-          </p:cNvPr>
-          <p:cNvSpPr/>
-          <p:nvPr/>
-        </p:nvSpPr>
-        <p:spPr>
-          <a:xfrm>
-            <a:off x="10849107" y="4837437"/>
-            <a:ext cx="418704" cy="369332"/>
-          </a:xfrm>
-          <a:prstGeom prst="rect">
-            <a:avLst/>
-          </a:prstGeom>
-        </p:spPr>
-        <p:txBody>
-          <a:bodyPr wrap="none">
-            <a:spAutoFit/>
-          </a:bodyPr>
-          <a:lstStyle/>
-          <a:p>
-            <a:r>
-              <a:rPr lang="en-SG" dirty="0"/>
-              <a:t>36</a:t>
-            </a:r>
-          </a:p>
-        </p:txBody>
-      </p:sp>
-      <p:sp>
-        <p:nvSpPr>
-          <p:cNvPr id="33" name="Rectangle 32">
-            <a:extLst>
-              <a:ext uri="{FF2B5EF4-FFF2-40B4-BE49-F238E27FC236}">
-                <a16:creationId xmlns:a16="http://schemas.microsoft.com/office/drawing/2014/main" id="{44F484D4-0723-4647-8073-EDDD59F29F45}"/>
-              </a:ext>
-            </a:extLst>
-          </p:cNvPr>
-          <p:cNvSpPr/>
-          <p:nvPr/>
-        </p:nvSpPr>
-        <p:spPr>
-          <a:xfrm>
-            <a:off x="5259190" y="5292857"/>
-            <a:ext cx="593432" cy="369332"/>
-          </a:xfrm>
-          <a:prstGeom prst="rect">
-            <a:avLst/>
-          </a:prstGeom>
-        </p:spPr>
-        <p:txBody>
-          <a:bodyPr wrap="none">
-            <a:spAutoFit/>
-          </a:bodyPr>
-          <a:lstStyle/>
-          <a:p>
-            <a:r>
-              <a:rPr lang="en-SG" dirty="0"/>
-              <a:t>66.2</a:t>
-            </a:r>
-          </a:p>
-        </p:txBody>
-      </p:sp>
-      <p:sp>
-        <p:nvSpPr>
-          <p:cNvPr id="34" name="Rectangle 33">
-            <a:extLst>
-              <a:ext uri="{FF2B5EF4-FFF2-40B4-BE49-F238E27FC236}">
-                <a16:creationId xmlns:a16="http://schemas.microsoft.com/office/drawing/2014/main" id="{308E2699-CEDD-43D2-98A9-E00CB673BBEC}"/>
-              </a:ext>
-            </a:extLst>
-          </p:cNvPr>
-          <p:cNvSpPr/>
-          <p:nvPr/>
-        </p:nvSpPr>
-        <p:spPr>
-          <a:xfrm>
-            <a:off x="4782080" y="4892365"/>
-            <a:ext cx="593432" cy="369332"/>
-          </a:xfrm>
-          <a:prstGeom prst="rect">
-            <a:avLst/>
-          </a:prstGeom>
-        </p:spPr>
-        <p:txBody>
-          <a:bodyPr wrap="none">
-            <a:spAutoFit/>
-          </a:bodyPr>
-          <a:lstStyle/>
-          <a:p>
-            <a:r>
-              <a:rPr lang="en-US" dirty="0"/>
-              <a:t>7</a:t>
-            </a:r>
-            <a:r>
-              <a:rPr lang="en-SG" dirty="0"/>
-              <a:t>4.5</a:t>
+              <a:t>Test images n=180</a:t>
             </a:r>
           </a:p>
         </p:txBody>
@@ -4130,7 +3428,7 @@
     </p:spTree>
     <p:extLst>
       <p:ext uri="{BB962C8B-B14F-4D97-AF65-F5344CB8AC3E}">
-        <p14:creationId xmlns:p14="http://schemas.microsoft.com/office/powerpoint/2010/main" val="2581228155"/>
+        <p14:creationId xmlns:p14="http://schemas.microsoft.com/office/powerpoint/2010/main" val="1390398676"/>
       </p:ext>
     </p:extLst>
   </p:cSld>
@@ -4159,6 +3457,963 @@
       </p:grpSpPr>
       <p:pic>
         <p:nvPicPr>
+          <p:cNvPr id="12" name="Picture 11">
+            <a:extLst>
+              <a:ext uri="{FF2B5EF4-FFF2-40B4-BE49-F238E27FC236}">
+                <a16:creationId xmlns:a16="http://schemas.microsoft.com/office/drawing/2014/main" id="{6409EB56-B164-4566-ABB9-6AA202BDD332}"/>
+              </a:ext>
+            </a:extLst>
+          </p:cNvPr>
+          <p:cNvPicPr>
+            <a:picLocks noChangeAspect="1"/>
+          </p:cNvPicPr>
+          <p:nvPr/>
+        </p:nvPicPr>
+        <p:blipFill rotWithShape="1">
+          <a:blip r:embed="rId2"/>
+          <a:srcRect l="57702" r="12821"/>
+          <a:stretch/>
+        </p:blipFill>
+        <p:spPr>
+          <a:xfrm>
+            <a:off x="7654882" y="1401595"/>
+            <a:ext cx="3286561" cy="4558145"/>
+          </a:xfrm>
+          <a:prstGeom prst="rect">
+            <a:avLst/>
+          </a:prstGeom>
+        </p:spPr>
+      </p:pic>
+      <p:pic>
+        <p:nvPicPr>
+          <p:cNvPr id="4" name="Picture 3">
+            <a:extLst>
+              <a:ext uri="{FF2B5EF4-FFF2-40B4-BE49-F238E27FC236}">
+                <a16:creationId xmlns:a16="http://schemas.microsoft.com/office/drawing/2014/main" id="{261F3C35-C31A-4919-B675-BC434F7845C7}"/>
+              </a:ext>
+            </a:extLst>
+          </p:cNvPr>
+          <p:cNvPicPr>
+            <a:picLocks noChangeAspect="1"/>
+          </p:cNvPicPr>
+          <p:nvPr/>
+        </p:nvPicPr>
+        <p:blipFill>
+          <a:blip r:embed="rId3"/>
+          <a:stretch>
+            <a:fillRect/>
+          </a:stretch>
+        </p:blipFill>
+        <p:spPr>
+          <a:xfrm>
+            <a:off x="991516" y="1401597"/>
+            <a:ext cx="4600688" cy="4558145"/>
+          </a:xfrm>
+          <a:prstGeom prst="rect">
+            <a:avLst/>
+          </a:prstGeom>
+        </p:spPr>
+      </p:pic>
+      <p:sp>
+        <p:nvSpPr>
+          <p:cNvPr id="2" name="Rectangle 1">
+            <a:extLst>
+              <a:ext uri="{FF2B5EF4-FFF2-40B4-BE49-F238E27FC236}">
+                <a16:creationId xmlns:a16="http://schemas.microsoft.com/office/drawing/2014/main" id="{7E2AF85F-4403-4B1C-BA1A-7B62D61F7E33}"/>
+              </a:ext>
+            </a:extLst>
+          </p:cNvPr>
+          <p:cNvSpPr/>
+          <p:nvPr/>
+        </p:nvSpPr>
+        <p:spPr>
+          <a:xfrm>
+            <a:off x="991516" y="1401596"/>
+            <a:ext cx="10174231" cy="4558145"/>
+          </a:xfrm>
+          <a:prstGeom prst="rect">
+            <a:avLst/>
+          </a:prstGeom>
+          <a:noFill/>
+          <a:ln>
+            <a:solidFill>
+              <a:schemeClr val="tx1"/>
+            </a:solidFill>
+          </a:ln>
+        </p:spPr>
+        <p:style>
+          <a:lnRef idx="2">
+            <a:schemeClr val="accent1">
+              <a:shade val="50000"/>
+            </a:schemeClr>
+          </a:lnRef>
+          <a:fillRef idx="1">
+            <a:schemeClr val="accent1"/>
+          </a:fillRef>
+          <a:effectRef idx="0">
+            <a:schemeClr val="accent1"/>
+          </a:effectRef>
+          <a:fontRef idx="minor">
+            <a:schemeClr val="lt1"/>
+          </a:fontRef>
+        </p:style>
+        <p:txBody>
+          <a:bodyPr rtlCol="0" anchor="ctr"/>
+          <a:lstStyle/>
+          <a:p>
+            <a:pPr algn="ctr"/>
+            <a:endParaRPr lang="en-SG"/>
+          </a:p>
+        </p:txBody>
+      </p:sp>
+      <p:sp>
+        <p:nvSpPr>
+          <p:cNvPr id="5" name="Rectangle 4">
+            <a:extLst>
+              <a:ext uri="{FF2B5EF4-FFF2-40B4-BE49-F238E27FC236}">
+                <a16:creationId xmlns:a16="http://schemas.microsoft.com/office/drawing/2014/main" id="{848EC6A9-5965-48A5-8011-758A0846D30C}"/>
+              </a:ext>
+            </a:extLst>
+          </p:cNvPr>
+          <p:cNvSpPr/>
+          <p:nvPr/>
+        </p:nvSpPr>
+        <p:spPr>
+          <a:xfrm>
+            <a:off x="455792" y="3496002"/>
+            <a:ext cx="535724" cy="369332"/>
+          </a:xfrm>
+          <a:prstGeom prst="rect">
+            <a:avLst/>
+          </a:prstGeom>
+        </p:spPr>
+        <p:txBody>
+          <a:bodyPr wrap="none">
+            <a:spAutoFit/>
+          </a:bodyPr>
+          <a:lstStyle/>
+          <a:p>
+            <a:r>
+              <a:rPr lang="en-SG" dirty="0"/>
+              <a:t>750</a:t>
+            </a:r>
+          </a:p>
+        </p:txBody>
+      </p:sp>
+      <p:sp>
+        <p:nvSpPr>
+          <p:cNvPr id="6" name="Rectangle 5">
+            <a:extLst>
+              <a:ext uri="{FF2B5EF4-FFF2-40B4-BE49-F238E27FC236}">
+                <a16:creationId xmlns:a16="http://schemas.microsoft.com/office/drawing/2014/main" id="{04375EE1-1D0F-44A0-A450-634D88B436AF}"/>
+              </a:ext>
+            </a:extLst>
+          </p:cNvPr>
+          <p:cNvSpPr/>
+          <p:nvPr/>
+        </p:nvSpPr>
+        <p:spPr>
+          <a:xfrm>
+            <a:off x="6180152" y="5959740"/>
+            <a:ext cx="652743" cy="369332"/>
+          </a:xfrm>
+          <a:prstGeom prst="rect">
+            <a:avLst/>
+          </a:prstGeom>
+        </p:spPr>
+        <p:txBody>
+          <a:bodyPr wrap="none">
+            <a:spAutoFit/>
+          </a:bodyPr>
+          <a:lstStyle/>
+          <a:p>
+            <a:r>
+              <a:rPr lang="en-SG" dirty="0"/>
+              <a:t>7522</a:t>
+            </a:r>
+          </a:p>
+        </p:txBody>
+      </p:sp>
+      <p:cxnSp>
+        <p:nvCxnSpPr>
+          <p:cNvPr id="8" name="Straight Connector 7">
+            <a:extLst>
+              <a:ext uri="{FF2B5EF4-FFF2-40B4-BE49-F238E27FC236}">
+                <a16:creationId xmlns:a16="http://schemas.microsoft.com/office/drawing/2014/main" id="{67A9ADAA-9B0D-44CA-AFC2-3BB8DB2C67AE}"/>
+              </a:ext>
+            </a:extLst>
+          </p:cNvPr>
+          <p:cNvCxnSpPr>
+            <a:cxnSpLocks/>
+          </p:cNvCxnSpPr>
+          <p:nvPr/>
+        </p:nvCxnSpPr>
+        <p:spPr>
+          <a:xfrm>
+            <a:off x="6654085" y="1677798"/>
+            <a:ext cx="3186201" cy="8389"/>
+          </a:xfrm>
+          <a:prstGeom prst="line">
+            <a:avLst/>
+          </a:prstGeom>
+        </p:spPr>
+        <p:style>
+          <a:lnRef idx="1">
+            <a:schemeClr val="accent1"/>
+          </a:lnRef>
+          <a:fillRef idx="0">
+            <a:schemeClr val="accent1"/>
+          </a:fillRef>
+          <a:effectRef idx="0">
+            <a:schemeClr val="accent1"/>
+          </a:effectRef>
+          <a:fontRef idx="minor">
+            <a:schemeClr val="tx1"/>
+          </a:fontRef>
+        </p:style>
+      </p:cxnSp>
+      <p:cxnSp>
+        <p:nvCxnSpPr>
+          <p:cNvPr id="10" name="Straight Arrow Connector 9">
+            <a:extLst>
+              <a:ext uri="{FF2B5EF4-FFF2-40B4-BE49-F238E27FC236}">
+                <a16:creationId xmlns:a16="http://schemas.microsoft.com/office/drawing/2014/main" id="{FBB502FF-D7DE-4D27-9735-E9355F423632}"/>
+              </a:ext>
+            </a:extLst>
+          </p:cNvPr>
+          <p:cNvCxnSpPr/>
+          <p:nvPr/>
+        </p:nvCxnSpPr>
+        <p:spPr>
+          <a:xfrm>
+            <a:off x="6778305" y="1401596"/>
+            <a:ext cx="0" cy="284591"/>
+          </a:xfrm>
+          <a:prstGeom prst="straightConnector1">
+            <a:avLst/>
+          </a:prstGeom>
+          <a:ln>
+            <a:tailEnd type="triangle"/>
+          </a:ln>
+        </p:spPr>
+        <p:style>
+          <a:lnRef idx="1">
+            <a:schemeClr val="accent1"/>
+          </a:lnRef>
+          <a:fillRef idx="0">
+            <a:schemeClr val="accent1"/>
+          </a:fillRef>
+          <a:effectRef idx="0">
+            <a:schemeClr val="accent1"/>
+          </a:effectRef>
+          <a:fontRef idx="minor">
+            <a:schemeClr val="tx1"/>
+          </a:fontRef>
+        </p:style>
+      </p:cxnSp>
+      <p:sp>
+        <p:nvSpPr>
+          <p:cNvPr id="11" name="Rectangle 10">
+            <a:extLst>
+              <a:ext uri="{FF2B5EF4-FFF2-40B4-BE49-F238E27FC236}">
+                <a16:creationId xmlns:a16="http://schemas.microsoft.com/office/drawing/2014/main" id="{1AAD45FA-5BC3-4E7D-BDDE-98CA72C90C7D}"/>
+              </a:ext>
+            </a:extLst>
+          </p:cNvPr>
+          <p:cNvSpPr/>
+          <p:nvPr/>
+        </p:nvSpPr>
+        <p:spPr>
+          <a:xfrm>
+            <a:off x="6414191" y="1334483"/>
+            <a:ext cx="418704" cy="369332"/>
+          </a:xfrm>
+          <a:prstGeom prst="rect">
+            <a:avLst/>
+          </a:prstGeom>
+        </p:spPr>
+        <p:txBody>
+          <a:bodyPr wrap="none">
+            <a:spAutoFit/>
+          </a:bodyPr>
+          <a:lstStyle/>
+          <a:p>
+            <a:r>
+              <a:rPr lang="en-SG" dirty="0"/>
+              <a:t>45</a:t>
+            </a:r>
+          </a:p>
+        </p:txBody>
+      </p:sp>
+      <p:sp>
+        <p:nvSpPr>
+          <p:cNvPr id="14" name="Rectangle 13">
+            <a:extLst>
+              <a:ext uri="{FF2B5EF4-FFF2-40B4-BE49-F238E27FC236}">
+                <a16:creationId xmlns:a16="http://schemas.microsoft.com/office/drawing/2014/main" id="{D59C7BB8-07E4-49C8-BD38-3D7AF377F0BC}"/>
+              </a:ext>
+            </a:extLst>
+          </p:cNvPr>
+          <p:cNvSpPr/>
+          <p:nvPr/>
+        </p:nvSpPr>
+        <p:spPr>
+          <a:xfrm>
+            <a:off x="682777" y="998708"/>
+            <a:ext cx="1208985" cy="369332"/>
+          </a:xfrm>
+          <a:prstGeom prst="rect">
+            <a:avLst/>
+          </a:prstGeom>
+        </p:spPr>
+        <p:txBody>
+          <a:bodyPr wrap="none">
+            <a:spAutoFit/>
+          </a:bodyPr>
+          <a:lstStyle/>
+          <a:p>
+            <a:r>
+              <a:rPr lang="en-SG" dirty="0"/>
+              <a:t>(0,0) origin</a:t>
+            </a:r>
+          </a:p>
+        </p:txBody>
+      </p:sp>
+      <p:sp>
+        <p:nvSpPr>
+          <p:cNvPr id="16" name="Rectangle 15">
+            <a:extLst>
+              <a:ext uri="{FF2B5EF4-FFF2-40B4-BE49-F238E27FC236}">
+                <a16:creationId xmlns:a16="http://schemas.microsoft.com/office/drawing/2014/main" id="{D24CDF7C-DD4E-4E79-B7E1-B38EF73743F8}"/>
+              </a:ext>
+            </a:extLst>
+          </p:cNvPr>
+          <p:cNvSpPr/>
+          <p:nvPr/>
+        </p:nvSpPr>
+        <p:spPr>
+          <a:xfrm>
+            <a:off x="849489" y="1184100"/>
+            <a:ext cx="284052" cy="369332"/>
+          </a:xfrm>
+          <a:prstGeom prst="rect">
+            <a:avLst/>
+          </a:prstGeom>
+        </p:spPr>
+        <p:txBody>
+          <a:bodyPr wrap="none">
+            <a:spAutoFit/>
+          </a:bodyPr>
+          <a:lstStyle/>
+          <a:p>
+            <a:r>
+              <a:rPr lang="en-US" dirty="0"/>
+              <a:t>x</a:t>
+            </a:r>
+            <a:endParaRPr lang="en-SG" dirty="0"/>
+          </a:p>
+        </p:txBody>
+      </p:sp>
+      <p:sp>
+        <p:nvSpPr>
+          <p:cNvPr id="17" name="Rectangle 16">
+            <a:extLst>
+              <a:ext uri="{FF2B5EF4-FFF2-40B4-BE49-F238E27FC236}">
+                <a16:creationId xmlns:a16="http://schemas.microsoft.com/office/drawing/2014/main" id="{8C4795C7-3FBE-46E8-A485-A8D9A99D45EE}"/>
+              </a:ext>
+            </a:extLst>
+          </p:cNvPr>
+          <p:cNvSpPr/>
+          <p:nvPr/>
+        </p:nvSpPr>
+        <p:spPr>
+          <a:xfrm>
+            <a:off x="577937" y="297933"/>
+            <a:ext cx="4013022" cy="523220"/>
+          </a:xfrm>
+          <a:prstGeom prst="rect">
+            <a:avLst/>
+          </a:prstGeom>
+        </p:spPr>
+        <p:txBody>
+          <a:bodyPr wrap="none">
+            <a:spAutoFit/>
+          </a:bodyPr>
+          <a:lstStyle/>
+          <a:p>
+            <a:r>
+              <a:rPr lang="en-SG" sz="2800" dirty="0"/>
+              <a:t>Image dimension (in pixel)</a:t>
+            </a:r>
+          </a:p>
+        </p:txBody>
+      </p:sp>
+      <p:cxnSp>
+        <p:nvCxnSpPr>
+          <p:cNvPr id="19" name="Straight Arrow Connector 18">
+            <a:extLst>
+              <a:ext uri="{FF2B5EF4-FFF2-40B4-BE49-F238E27FC236}">
+                <a16:creationId xmlns:a16="http://schemas.microsoft.com/office/drawing/2014/main" id="{92B347B8-1526-483D-8809-691CBA32A10B}"/>
+              </a:ext>
+            </a:extLst>
+          </p:cNvPr>
+          <p:cNvCxnSpPr/>
+          <p:nvPr/>
+        </p:nvCxnSpPr>
+        <p:spPr>
+          <a:xfrm>
+            <a:off x="1568741" y="5696125"/>
+            <a:ext cx="0" cy="263615"/>
+          </a:xfrm>
+          <a:prstGeom prst="straightConnector1">
+            <a:avLst/>
+          </a:prstGeom>
+          <a:ln>
+            <a:headEnd type="triangle"/>
+            <a:tailEnd type="triangle"/>
+          </a:ln>
+        </p:spPr>
+        <p:style>
+          <a:lnRef idx="1">
+            <a:schemeClr val="accent1"/>
+          </a:lnRef>
+          <a:fillRef idx="0">
+            <a:schemeClr val="accent1"/>
+          </a:fillRef>
+          <a:effectRef idx="0">
+            <a:schemeClr val="accent1"/>
+          </a:effectRef>
+          <a:fontRef idx="minor">
+            <a:schemeClr val="tx1"/>
+          </a:fontRef>
+        </p:style>
+      </p:cxnSp>
+      <p:cxnSp>
+        <p:nvCxnSpPr>
+          <p:cNvPr id="20" name="Straight Arrow Connector 19">
+            <a:extLst>
+              <a:ext uri="{FF2B5EF4-FFF2-40B4-BE49-F238E27FC236}">
+                <a16:creationId xmlns:a16="http://schemas.microsoft.com/office/drawing/2014/main" id="{58DA76A2-295D-4291-8306-80F1FF1AECCC}"/>
+              </a:ext>
+            </a:extLst>
+          </p:cNvPr>
+          <p:cNvCxnSpPr>
+            <a:cxnSpLocks/>
+          </p:cNvCxnSpPr>
+          <p:nvPr/>
+        </p:nvCxnSpPr>
+        <p:spPr>
+          <a:xfrm>
+            <a:off x="991516" y="5236129"/>
+            <a:ext cx="224888" cy="0"/>
+          </a:xfrm>
+          <a:prstGeom prst="straightConnector1">
+            <a:avLst/>
+          </a:prstGeom>
+          <a:ln>
+            <a:headEnd type="triangle"/>
+            <a:tailEnd type="triangle"/>
+          </a:ln>
+        </p:spPr>
+        <p:style>
+          <a:lnRef idx="1">
+            <a:schemeClr val="accent1"/>
+          </a:lnRef>
+          <a:fillRef idx="0">
+            <a:schemeClr val="accent1"/>
+          </a:fillRef>
+          <a:effectRef idx="0">
+            <a:schemeClr val="accent1"/>
+          </a:effectRef>
+          <a:fontRef idx="minor">
+            <a:schemeClr val="tx1"/>
+          </a:fontRef>
+        </p:style>
+      </p:cxnSp>
+      <p:cxnSp>
+        <p:nvCxnSpPr>
+          <p:cNvPr id="22" name="Straight Arrow Connector 21">
+            <a:extLst>
+              <a:ext uri="{FF2B5EF4-FFF2-40B4-BE49-F238E27FC236}">
+                <a16:creationId xmlns:a16="http://schemas.microsoft.com/office/drawing/2014/main" id="{BF5EA399-E298-443B-85EA-D25E24485CFF}"/>
+              </a:ext>
+            </a:extLst>
+          </p:cNvPr>
+          <p:cNvCxnSpPr>
+            <a:cxnSpLocks/>
+          </p:cNvCxnSpPr>
+          <p:nvPr/>
+        </p:nvCxnSpPr>
+        <p:spPr>
+          <a:xfrm>
+            <a:off x="10940859" y="5213759"/>
+            <a:ext cx="224888" cy="0"/>
+          </a:xfrm>
+          <a:prstGeom prst="straightConnector1">
+            <a:avLst/>
+          </a:prstGeom>
+          <a:ln>
+            <a:headEnd type="triangle"/>
+            <a:tailEnd type="triangle"/>
+          </a:ln>
+        </p:spPr>
+        <p:style>
+          <a:lnRef idx="1">
+            <a:schemeClr val="accent1"/>
+          </a:lnRef>
+          <a:fillRef idx="0">
+            <a:schemeClr val="accent1"/>
+          </a:fillRef>
+          <a:effectRef idx="0">
+            <a:schemeClr val="accent1"/>
+          </a:effectRef>
+          <a:fontRef idx="minor">
+            <a:schemeClr val="tx1"/>
+          </a:fontRef>
+        </p:style>
+      </p:cxnSp>
+      <p:sp>
+        <p:nvSpPr>
+          <p:cNvPr id="23" name="Rectangle 22">
+            <a:extLst>
+              <a:ext uri="{FF2B5EF4-FFF2-40B4-BE49-F238E27FC236}">
+                <a16:creationId xmlns:a16="http://schemas.microsoft.com/office/drawing/2014/main" id="{EB212373-7E3E-42C4-8EBB-70EAE7BD7951}"/>
+              </a:ext>
+            </a:extLst>
+          </p:cNvPr>
+          <p:cNvSpPr/>
+          <p:nvPr/>
+        </p:nvSpPr>
+        <p:spPr>
+          <a:xfrm>
+            <a:off x="1565354" y="5643266"/>
+            <a:ext cx="418704" cy="369332"/>
+          </a:xfrm>
+          <a:prstGeom prst="rect">
+            <a:avLst/>
+          </a:prstGeom>
+        </p:spPr>
+        <p:txBody>
+          <a:bodyPr wrap="none">
+            <a:spAutoFit/>
+          </a:bodyPr>
+          <a:lstStyle/>
+          <a:p>
+            <a:r>
+              <a:rPr lang="en-SG" dirty="0"/>
+              <a:t>46</a:t>
+            </a:r>
+          </a:p>
+        </p:txBody>
+      </p:sp>
+      <p:sp>
+        <p:nvSpPr>
+          <p:cNvPr id="24" name="Rectangle 23">
+            <a:extLst>
+              <a:ext uri="{FF2B5EF4-FFF2-40B4-BE49-F238E27FC236}">
+                <a16:creationId xmlns:a16="http://schemas.microsoft.com/office/drawing/2014/main" id="{4243E869-1D77-4FF4-A40C-C52F9C14E93B}"/>
+              </a:ext>
+            </a:extLst>
+          </p:cNvPr>
+          <p:cNvSpPr/>
+          <p:nvPr/>
+        </p:nvSpPr>
+        <p:spPr>
+          <a:xfrm>
+            <a:off x="924189" y="4867138"/>
+            <a:ext cx="418704" cy="369332"/>
+          </a:xfrm>
+          <a:prstGeom prst="rect">
+            <a:avLst/>
+          </a:prstGeom>
+        </p:spPr>
+        <p:txBody>
+          <a:bodyPr wrap="none">
+            <a:spAutoFit/>
+          </a:bodyPr>
+          <a:lstStyle/>
+          <a:p>
+            <a:r>
+              <a:rPr lang="en-SG" dirty="0"/>
+              <a:t>36</a:t>
+            </a:r>
+          </a:p>
+        </p:txBody>
+      </p:sp>
+      <p:cxnSp>
+        <p:nvCxnSpPr>
+          <p:cNvPr id="25" name="Straight Arrow Connector 24">
+            <a:extLst>
+              <a:ext uri="{FF2B5EF4-FFF2-40B4-BE49-F238E27FC236}">
+                <a16:creationId xmlns:a16="http://schemas.microsoft.com/office/drawing/2014/main" id="{A693D1FF-924F-4A77-B7A7-F452E876F279}"/>
+              </a:ext>
+            </a:extLst>
+          </p:cNvPr>
+          <p:cNvCxnSpPr>
+            <a:cxnSpLocks/>
+          </p:cNvCxnSpPr>
+          <p:nvPr/>
+        </p:nvCxnSpPr>
+        <p:spPr>
+          <a:xfrm flipV="1">
+            <a:off x="4800272" y="5230311"/>
+            <a:ext cx="476557" cy="5595"/>
+          </a:xfrm>
+          <a:prstGeom prst="straightConnector1">
+            <a:avLst/>
+          </a:prstGeom>
+          <a:ln>
+            <a:headEnd type="triangle"/>
+            <a:tailEnd type="triangle"/>
+          </a:ln>
+        </p:spPr>
+        <p:style>
+          <a:lnRef idx="1">
+            <a:schemeClr val="accent1"/>
+          </a:lnRef>
+          <a:fillRef idx="0">
+            <a:schemeClr val="accent1"/>
+          </a:fillRef>
+          <a:effectRef idx="0">
+            <a:schemeClr val="accent1"/>
+          </a:effectRef>
+          <a:fontRef idx="minor">
+            <a:schemeClr val="tx1"/>
+          </a:fontRef>
+        </p:style>
+      </p:cxnSp>
+      <p:cxnSp>
+        <p:nvCxnSpPr>
+          <p:cNvPr id="26" name="Straight Arrow Connector 25">
+            <a:extLst>
+              <a:ext uri="{FF2B5EF4-FFF2-40B4-BE49-F238E27FC236}">
+                <a16:creationId xmlns:a16="http://schemas.microsoft.com/office/drawing/2014/main" id="{0B4BAF90-9071-4001-BCFE-33847AE2DC34}"/>
+              </a:ext>
+            </a:extLst>
+          </p:cNvPr>
+          <p:cNvCxnSpPr>
+            <a:cxnSpLocks/>
+          </p:cNvCxnSpPr>
+          <p:nvPr/>
+        </p:nvCxnSpPr>
+        <p:spPr>
+          <a:xfrm>
+            <a:off x="7903496" y="4868527"/>
+            <a:ext cx="0" cy="408862"/>
+          </a:xfrm>
+          <a:prstGeom prst="straightConnector1">
+            <a:avLst/>
+          </a:prstGeom>
+          <a:ln>
+            <a:headEnd type="triangle"/>
+            <a:tailEnd type="triangle"/>
+          </a:ln>
+        </p:spPr>
+        <p:style>
+          <a:lnRef idx="1">
+            <a:schemeClr val="accent1"/>
+          </a:lnRef>
+          <a:fillRef idx="0">
+            <a:schemeClr val="accent1"/>
+          </a:fillRef>
+          <a:effectRef idx="0">
+            <a:schemeClr val="accent1"/>
+          </a:effectRef>
+          <a:fontRef idx="minor">
+            <a:schemeClr val="tx1"/>
+          </a:fontRef>
+        </p:style>
+      </p:cxnSp>
+      <p:sp>
+        <p:nvSpPr>
+          <p:cNvPr id="30" name="Rectangle 29">
+            <a:extLst>
+              <a:ext uri="{FF2B5EF4-FFF2-40B4-BE49-F238E27FC236}">
+                <a16:creationId xmlns:a16="http://schemas.microsoft.com/office/drawing/2014/main" id="{B35867A5-7AB7-4916-8E35-E5369220E9FB}"/>
+              </a:ext>
+            </a:extLst>
+          </p:cNvPr>
+          <p:cNvSpPr/>
+          <p:nvPr/>
+        </p:nvSpPr>
+        <p:spPr>
+          <a:xfrm>
+            <a:off x="10849107" y="4837437"/>
+            <a:ext cx="418704" cy="369332"/>
+          </a:xfrm>
+          <a:prstGeom prst="rect">
+            <a:avLst/>
+          </a:prstGeom>
+        </p:spPr>
+        <p:txBody>
+          <a:bodyPr wrap="none">
+            <a:spAutoFit/>
+          </a:bodyPr>
+          <a:lstStyle/>
+          <a:p>
+            <a:r>
+              <a:rPr lang="en-SG" dirty="0"/>
+              <a:t>36</a:t>
+            </a:r>
+          </a:p>
+        </p:txBody>
+      </p:sp>
+      <p:sp>
+        <p:nvSpPr>
+          <p:cNvPr id="33" name="Rectangle 32">
+            <a:extLst>
+              <a:ext uri="{FF2B5EF4-FFF2-40B4-BE49-F238E27FC236}">
+                <a16:creationId xmlns:a16="http://schemas.microsoft.com/office/drawing/2014/main" id="{44F484D4-0723-4647-8073-EDDD59F29F45}"/>
+              </a:ext>
+            </a:extLst>
+          </p:cNvPr>
+          <p:cNvSpPr/>
+          <p:nvPr/>
+        </p:nvSpPr>
+        <p:spPr>
+          <a:xfrm>
+            <a:off x="7852455" y="4874121"/>
+            <a:ext cx="593432" cy="369332"/>
+          </a:xfrm>
+          <a:prstGeom prst="rect">
+            <a:avLst/>
+          </a:prstGeom>
+        </p:spPr>
+        <p:txBody>
+          <a:bodyPr wrap="none">
+            <a:spAutoFit/>
+          </a:bodyPr>
+          <a:lstStyle/>
+          <a:p>
+            <a:r>
+              <a:rPr lang="en-SG" dirty="0"/>
+              <a:t>66.2</a:t>
+            </a:r>
+          </a:p>
+        </p:txBody>
+      </p:sp>
+      <p:sp>
+        <p:nvSpPr>
+          <p:cNvPr id="34" name="Rectangle 33">
+            <a:extLst>
+              <a:ext uri="{FF2B5EF4-FFF2-40B4-BE49-F238E27FC236}">
+                <a16:creationId xmlns:a16="http://schemas.microsoft.com/office/drawing/2014/main" id="{308E2699-CEDD-43D2-98A9-E00CB673BBEC}"/>
+              </a:ext>
+            </a:extLst>
+          </p:cNvPr>
+          <p:cNvSpPr/>
+          <p:nvPr/>
+        </p:nvSpPr>
+        <p:spPr>
+          <a:xfrm>
+            <a:off x="4748678" y="4886547"/>
+            <a:ext cx="593432" cy="369332"/>
+          </a:xfrm>
+          <a:prstGeom prst="rect">
+            <a:avLst/>
+          </a:prstGeom>
+        </p:spPr>
+        <p:txBody>
+          <a:bodyPr wrap="none">
+            <a:spAutoFit/>
+          </a:bodyPr>
+          <a:lstStyle/>
+          <a:p>
+            <a:r>
+              <a:rPr lang="en-US" dirty="0"/>
+              <a:t>7</a:t>
+            </a:r>
+            <a:r>
+              <a:rPr lang="en-SG" dirty="0"/>
+              <a:t>4.5</a:t>
+            </a:r>
+          </a:p>
+        </p:txBody>
+      </p:sp>
+      <p:sp>
+        <p:nvSpPr>
+          <p:cNvPr id="27" name="Rectangle 26">
+            <a:extLst>
+              <a:ext uri="{FF2B5EF4-FFF2-40B4-BE49-F238E27FC236}">
+                <a16:creationId xmlns:a16="http://schemas.microsoft.com/office/drawing/2014/main" id="{16349243-91AD-4ADC-A993-722673F52B84}"/>
+              </a:ext>
+            </a:extLst>
+          </p:cNvPr>
+          <p:cNvSpPr/>
+          <p:nvPr/>
+        </p:nvSpPr>
+        <p:spPr>
+          <a:xfrm>
+            <a:off x="4551878" y="4608114"/>
+            <a:ext cx="973344" cy="369332"/>
+          </a:xfrm>
+          <a:prstGeom prst="rect">
+            <a:avLst/>
+          </a:prstGeom>
+        </p:spPr>
+        <p:txBody>
+          <a:bodyPr wrap="none">
+            <a:spAutoFit/>
+          </a:bodyPr>
+          <a:lstStyle/>
+          <a:p>
+            <a:pPr algn="ctr"/>
+            <a:r>
+              <a:rPr lang="en-US" dirty="0"/>
+              <a:t>(0.2 sec)</a:t>
+            </a:r>
+            <a:endParaRPr lang="en-SG" dirty="0"/>
+          </a:p>
+        </p:txBody>
+      </p:sp>
+      <p:cxnSp>
+        <p:nvCxnSpPr>
+          <p:cNvPr id="28" name="Straight Arrow Connector 27">
+            <a:extLst>
+              <a:ext uri="{FF2B5EF4-FFF2-40B4-BE49-F238E27FC236}">
+                <a16:creationId xmlns:a16="http://schemas.microsoft.com/office/drawing/2014/main" id="{689DDE1B-E396-4876-8E6A-EA4BE86EDA75}"/>
+              </a:ext>
+            </a:extLst>
+          </p:cNvPr>
+          <p:cNvCxnSpPr>
+            <a:cxnSpLocks/>
+          </p:cNvCxnSpPr>
+          <p:nvPr/>
+        </p:nvCxnSpPr>
+        <p:spPr>
+          <a:xfrm>
+            <a:off x="1182848" y="5557708"/>
+            <a:ext cx="9758011" cy="0"/>
+          </a:xfrm>
+          <a:prstGeom prst="straightConnector1">
+            <a:avLst/>
+          </a:prstGeom>
+          <a:ln>
+            <a:headEnd type="triangle"/>
+            <a:tailEnd type="triangle"/>
+          </a:ln>
+        </p:spPr>
+        <p:style>
+          <a:lnRef idx="1">
+            <a:schemeClr val="accent1"/>
+          </a:lnRef>
+          <a:fillRef idx="0">
+            <a:schemeClr val="accent1"/>
+          </a:fillRef>
+          <a:effectRef idx="0">
+            <a:schemeClr val="accent1"/>
+          </a:effectRef>
+          <a:fontRef idx="minor">
+            <a:schemeClr val="tx1"/>
+          </a:fontRef>
+        </p:style>
+      </p:cxnSp>
+      <p:sp>
+        <p:nvSpPr>
+          <p:cNvPr id="29" name="Rectangle 28">
+            <a:extLst>
+              <a:ext uri="{FF2B5EF4-FFF2-40B4-BE49-F238E27FC236}">
+                <a16:creationId xmlns:a16="http://schemas.microsoft.com/office/drawing/2014/main" id="{5ED4EA67-1875-4F90-BA0E-A0EC96414323}"/>
+              </a:ext>
+            </a:extLst>
+          </p:cNvPr>
+          <p:cNvSpPr/>
+          <p:nvPr/>
+        </p:nvSpPr>
+        <p:spPr>
+          <a:xfrm>
+            <a:off x="6162116" y="5232481"/>
+            <a:ext cx="652743" cy="369332"/>
+          </a:xfrm>
+          <a:prstGeom prst="rect">
+            <a:avLst/>
+          </a:prstGeom>
+        </p:spPr>
+        <p:txBody>
+          <a:bodyPr wrap="none">
+            <a:spAutoFit/>
+          </a:bodyPr>
+          <a:lstStyle/>
+          <a:p>
+            <a:r>
+              <a:rPr lang="en-US" dirty="0"/>
+              <a:t>7</a:t>
+            </a:r>
+            <a:r>
+              <a:rPr lang="en-SG" dirty="0"/>
+              <a:t>450</a:t>
+            </a:r>
+          </a:p>
+        </p:txBody>
+      </p:sp>
+      <p:sp>
+        <p:nvSpPr>
+          <p:cNvPr id="31" name="Rectangle 30">
+            <a:extLst>
+              <a:ext uri="{FF2B5EF4-FFF2-40B4-BE49-F238E27FC236}">
+                <a16:creationId xmlns:a16="http://schemas.microsoft.com/office/drawing/2014/main" id="{86FFA1D2-0E32-4F79-991B-E4D567A02F62}"/>
+              </a:ext>
+            </a:extLst>
+          </p:cNvPr>
+          <p:cNvSpPr/>
+          <p:nvPr/>
+        </p:nvSpPr>
+        <p:spPr>
+          <a:xfrm>
+            <a:off x="6029912" y="4920683"/>
+            <a:ext cx="915635" cy="369332"/>
+          </a:xfrm>
+          <a:prstGeom prst="rect">
+            <a:avLst/>
+          </a:prstGeom>
+        </p:spPr>
+        <p:txBody>
+          <a:bodyPr wrap="none">
+            <a:spAutoFit/>
+          </a:bodyPr>
+          <a:lstStyle/>
+          <a:p>
+            <a:pPr algn="ctr"/>
+            <a:r>
+              <a:rPr lang="en-US" dirty="0"/>
+              <a:t>(20 sec)</a:t>
+            </a:r>
+            <a:endParaRPr lang="en-SG" dirty="0"/>
+          </a:p>
+        </p:txBody>
+      </p:sp>
+    </p:spTree>
+    <p:extLst>
+      <p:ext uri="{BB962C8B-B14F-4D97-AF65-F5344CB8AC3E}">
+        <p14:creationId xmlns:p14="http://schemas.microsoft.com/office/powerpoint/2010/main" val="2581228155"/>
+      </p:ext>
+    </p:extLst>
+  </p:cSld>
+  <p:clrMapOvr>
+    <a:masterClrMapping/>
+  </p:clrMapOvr>
+</p:sld>
+</file>
+
+<file path=ppt/slides/slide3.xml><?xml version="1.0" encoding="utf-8"?>
+<p:sld xmlns:a="http://schemas.openxmlformats.org/drawingml/2006/main" xmlns:r="http://schemas.openxmlformats.org/officeDocument/2006/relationships" xmlns:p="http://schemas.openxmlformats.org/presentationml/2006/main">
+  <p:cSld>
+    <p:spTree>
+      <p:nvGrpSpPr>
+        <p:cNvPr id="1" name=""/>
+        <p:cNvGrpSpPr/>
+        <p:nvPr/>
+      </p:nvGrpSpPr>
+      <p:grpSpPr>
+        <a:xfrm>
+          <a:off x="0" y="0"/>
+          <a:ext cx="0" cy="0"/>
+          <a:chOff x="0" y="0"/>
+          <a:chExt cx="0" cy="0"/>
+        </a:xfrm>
+      </p:grpSpPr>
+      <p:pic>
+        <p:nvPicPr>
           <p:cNvPr id="4" name="Picture 3">
             <a:extLst>
               <a:ext uri="{FF2B5EF4-FFF2-40B4-BE49-F238E27FC236}">
@@ -4506,714 +4761,6 @@
 </p:sld>
 </file>
 
-<file path=ppt/slides/slide3.xml><?xml version="1.0" encoding="utf-8"?>
-<p:sld xmlns:a="http://schemas.openxmlformats.org/drawingml/2006/main" xmlns:r="http://schemas.openxmlformats.org/officeDocument/2006/relationships" xmlns:p="http://schemas.openxmlformats.org/presentationml/2006/main">
-  <p:cSld>
-    <p:spTree>
-      <p:nvGrpSpPr>
-        <p:cNvPr id="1" name=""/>
-        <p:cNvGrpSpPr/>
-        <p:nvPr/>
-      </p:nvGrpSpPr>
-      <p:grpSpPr>
-        <a:xfrm>
-          <a:off x="0" y="0"/>
-          <a:ext cx="0" cy="0"/>
-          <a:chOff x="0" y="0"/>
-          <a:chExt cx="0" cy="0"/>
-        </a:xfrm>
-      </p:grpSpPr>
-      <p:sp>
-        <p:nvSpPr>
-          <p:cNvPr id="7" name="Rectangle 6">
-            <a:extLst>
-              <a:ext uri="{FF2B5EF4-FFF2-40B4-BE49-F238E27FC236}">
-                <a16:creationId xmlns:a16="http://schemas.microsoft.com/office/drawing/2014/main" id="{102ED08E-4F71-413C-B89E-43D72F721F22}"/>
-              </a:ext>
-            </a:extLst>
-          </p:cNvPr>
-          <p:cNvSpPr/>
-          <p:nvPr/>
-        </p:nvSpPr>
-        <p:spPr>
-          <a:xfrm>
-            <a:off x="5091982" y="957615"/>
-            <a:ext cx="952679" cy="2121667"/>
-          </a:xfrm>
-          <a:prstGeom prst="rect">
-            <a:avLst/>
-          </a:prstGeom>
-          <a:noFill/>
-          <a:ln w="38100">
-            <a:solidFill>
-              <a:schemeClr val="accent4"/>
-            </a:solidFill>
-            <a:prstDash val="dash"/>
-          </a:ln>
-        </p:spPr>
-        <p:style>
-          <a:lnRef idx="2">
-            <a:schemeClr val="accent1">
-              <a:shade val="50000"/>
-            </a:schemeClr>
-          </a:lnRef>
-          <a:fillRef idx="1">
-            <a:schemeClr val="accent1"/>
-          </a:fillRef>
-          <a:effectRef idx="0">
-            <a:schemeClr val="accent1"/>
-          </a:effectRef>
-          <a:fontRef idx="minor">
-            <a:schemeClr val="lt1"/>
-          </a:fontRef>
-        </p:style>
-        <p:txBody>
-          <a:bodyPr rtlCol="0" anchor="ctr"/>
-          <a:lstStyle/>
-          <a:p>
-            <a:pPr algn="ctr"/>
-            <a:endParaRPr lang="en-SG"/>
-          </a:p>
-        </p:txBody>
-      </p:sp>
-      <p:pic>
-        <p:nvPicPr>
-          <p:cNvPr id="8" name="Picture 7">
-            <a:extLst>
-              <a:ext uri="{FF2B5EF4-FFF2-40B4-BE49-F238E27FC236}">
-                <a16:creationId xmlns:a16="http://schemas.microsoft.com/office/drawing/2014/main" id="{C8248916-C626-4B3E-A641-713BBADEE2D9}"/>
-              </a:ext>
-            </a:extLst>
-          </p:cNvPr>
-          <p:cNvPicPr>
-            <a:picLocks noChangeAspect="1"/>
-          </p:cNvPicPr>
-          <p:nvPr/>
-        </p:nvPicPr>
-        <p:blipFill>
-          <a:blip r:embed="rId2"/>
-          <a:stretch>
-            <a:fillRect/>
-          </a:stretch>
-        </p:blipFill>
-        <p:spPr>
-          <a:xfrm>
-            <a:off x="2373897" y="1000254"/>
-            <a:ext cx="1068783" cy="2124038"/>
-          </a:xfrm>
-          <a:prstGeom prst="rect">
-            <a:avLst/>
-          </a:prstGeom>
-          <a:ln w="28575">
-            <a:solidFill>
-              <a:schemeClr val="accent4"/>
-            </a:solidFill>
-            <a:prstDash val="lgDash"/>
-          </a:ln>
-          <a:effectLst>
-            <a:outerShdw blurRad="63500" sx="102000" sy="102000" algn="ctr" rotWithShape="0">
-              <a:prstClr val="black">
-                <a:alpha val="40000"/>
-              </a:prstClr>
-            </a:outerShdw>
-          </a:effectLst>
-        </p:spPr>
-      </p:pic>
-      <p:pic>
-        <p:nvPicPr>
-          <p:cNvPr id="9" name="Picture 8">
-            <a:extLst>
-              <a:ext uri="{FF2B5EF4-FFF2-40B4-BE49-F238E27FC236}">
-                <a16:creationId xmlns:a16="http://schemas.microsoft.com/office/drawing/2014/main" id="{EFFB69E9-4762-4867-8B57-97AE5EB10AF7}"/>
-              </a:ext>
-            </a:extLst>
-          </p:cNvPr>
-          <p:cNvPicPr>
-            <a:picLocks noChangeAspect="1"/>
-          </p:cNvPicPr>
-          <p:nvPr/>
-        </p:nvPicPr>
-        <p:blipFill>
-          <a:blip r:embed="rId3"/>
-          <a:stretch>
-            <a:fillRect/>
-          </a:stretch>
-        </p:blipFill>
-        <p:spPr>
-          <a:xfrm>
-            <a:off x="2370552" y="3810226"/>
-            <a:ext cx="1048490" cy="2137567"/>
-          </a:xfrm>
-          <a:prstGeom prst="rect">
-            <a:avLst/>
-          </a:prstGeom>
-          <a:ln w="28575">
-            <a:solidFill>
-              <a:schemeClr val="accent4"/>
-            </a:solidFill>
-            <a:prstDash val="lgDash"/>
-          </a:ln>
-          <a:effectLst>
-            <a:outerShdw blurRad="63500" sx="102000" sy="102000" algn="ctr" rotWithShape="0">
-              <a:prstClr val="black">
-                <a:alpha val="40000"/>
-              </a:prstClr>
-            </a:outerShdw>
-          </a:effectLst>
-        </p:spPr>
-      </p:pic>
-      <p:sp>
-        <p:nvSpPr>
-          <p:cNvPr id="10" name="Rectangle 9">
-            <a:extLst>
-              <a:ext uri="{FF2B5EF4-FFF2-40B4-BE49-F238E27FC236}">
-                <a16:creationId xmlns:a16="http://schemas.microsoft.com/office/drawing/2014/main" id="{89218F4D-96A9-4D76-8B95-981C46BB01BA}"/>
-              </a:ext>
-            </a:extLst>
-          </p:cNvPr>
-          <p:cNvSpPr/>
-          <p:nvPr/>
-        </p:nvSpPr>
-        <p:spPr>
-          <a:xfrm>
-            <a:off x="577937" y="297933"/>
-            <a:ext cx="5893858" cy="523220"/>
-          </a:xfrm>
-          <a:prstGeom prst="rect">
-            <a:avLst/>
-          </a:prstGeom>
-        </p:spPr>
-        <p:txBody>
-          <a:bodyPr wrap="none">
-            <a:spAutoFit/>
-          </a:bodyPr>
-          <a:lstStyle/>
-          <a:p>
-            <a:r>
-              <a:rPr lang="en-SG" sz="2800" dirty="0"/>
-              <a:t>Extract plots into vector representation</a:t>
-            </a:r>
-          </a:p>
-        </p:txBody>
-      </p:sp>
-      <p:cxnSp>
-        <p:nvCxnSpPr>
-          <p:cNvPr id="12" name="Straight Arrow Connector 11">
-            <a:extLst>
-              <a:ext uri="{FF2B5EF4-FFF2-40B4-BE49-F238E27FC236}">
-                <a16:creationId xmlns:a16="http://schemas.microsoft.com/office/drawing/2014/main" id="{8D2825AF-5C6C-45CD-A6C1-36ACF7CC67D0}"/>
-              </a:ext>
-            </a:extLst>
-          </p:cNvPr>
-          <p:cNvCxnSpPr>
-            <a:cxnSpLocks/>
-          </p:cNvCxnSpPr>
-          <p:nvPr/>
-        </p:nvCxnSpPr>
-        <p:spPr>
-          <a:xfrm>
-            <a:off x="3721767" y="2009827"/>
-            <a:ext cx="1110292" cy="0"/>
-          </a:xfrm>
-          <a:prstGeom prst="straightConnector1">
-            <a:avLst/>
-          </a:prstGeom>
-          <a:ln w="57150">
-            <a:tailEnd type="triangle"/>
-          </a:ln>
-        </p:spPr>
-        <p:style>
-          <a:lnRef idx="3">
-            <a:schemeClr val="accent2"/>
-          </a:lnRef>
-          <a:fillRef idx="0">
-            <a:schemeClr val="accent2"/>
-          </a:fillRef>
-          <a:effectRef idx="2">
-            <a:schemeClr val="accent2"/>
-          </a:effectRef>
-          <a:fontRef idx="minor">
-            <a:schemeClr val="tx1"/>
-          </a:fontRef>
-        </p:style>
-      </p:cxnSp>
-      <p:sp>
-        <p:nvSpPr>
-          <p:cNvPr id="14" name="Rectangle 13">
-            <a:extLst>
-              <a:ext uri="{FF2B5EF4-FFF2-40B4-BE49-F238E27FC236}">
-                <a16:creationId xmlns:a16="http://schemas.microsoft.com/office/drawing/2014/main" id="{F58EA8F8-016C-41DE-8464-1A10BF05ED31}"/>
-              </a:ext>
-            </a:extLst>
-          </p:cNvPr>
-          <p:cNvSpPr/>
-          <p:nvPr/>
-        </p:nvSpPr>
-        <p:spPr>
-          <a:xfrm>
-            <a:off x="5252424" y="1718807"/>
-            <a:ext cx="638316" cy="523220"/>
-          </a:xfrm>
-          <a:prstGeom prst="rect">
-            <a:avLst/>
-          </a:prstGeom>
-        </p:spPr>
-        <p:txBody>
-          <a:bodyPr wrap="none">
-            <a:spAutoFit/>
-          </a:bodyPr>
-          <a:lstStyle/>
-          <a:p>
-            <a:r>
-              <a:rPr lang="en-SG" sz="2800" dirty="0"/>
-              <a:t>[N]</a:t>
-            </a:r>
-          </a:p>
-        </p:txBody>
-      </p:sp>
-      <p:sp>
-        <p:nvSpPr>
-          <p:cNvPr id="15" name="Rectangle 14">
-            <a:extLst>
-              <a:ext uri="{FF2B5EF4-FFF2-40B4-BE49-F238E27FC236}">
-                <a16:creationId xmlns:a16="http://schemas.microsoft.com/office/drawing/2014/main" id="{5BCE3CDE-0B9D-45F4-A895-A59ECAD583AD}"/>
-              </a:ext>
-            </a:extLst>
-          </p:cNvPr>
-          <p:cNvSpPr/>
-          <p:nvPr/>
-        </p:nvSpPr>
-        <p:spPr>
-          <a:xfrm>
-            <a:off x="5091982" y="3810226"/>
-            <a:ext cx="952679" cy="2121667"/>
-          </a:xfrm>
-          <a:prstGeom prst="rect">
-            <a:avLst/>
-          </a:prstGeom>
-          <a:noFill/>
-          <a:ln w="38100">
-            <a:solidFill>
-              <a:schemeClr val="accent4"/>
-            </a:solidFill>
-            <a:prstDash val="dash"/>
-          </a:ln>
-        </p:spPr>
-        <p:style>
-          <a:lnRef idx="2">
-            <a:schemeClr val="accent1">
-              <a:shade val="50000"/>
-            </a:schemeClr>
-          </a:lnRef>
-          <a:fillRef idx="1">
-            <a:schemeClr val="accent1"/>
-          </a:fillRef>
-          <a:effectRef idx="0">
-            <a:schemeClr val="accent1"/>
-          </a:effectRef>
-          <a:fontRef idx="minor">
-            <a:schemeClr val="lt1"/>
-          </a:fontRef>
-        </p:style>
-        <p:txBody>
-          <a:bodyPr rtlCol="0" anchor="ctr"/>
-          <a:lstStyle/>
-          <a:p>
-            <a:pPr algn="ctr"/>
-            <a:endParaRPr lang="en-SG"/>
-          </a:p>
-        </p:txBody>
-      </p:sp>
-      <p:cxnSp>
-        <p:nvCxnSpPr>
-          <p:cNvPr id="16" name="Straight Arrow Connector 15">
-            <a:extLst>
-              <a:ext uri="{FF2B5EF4-FFF2-40B4-BE49-F238E27FC236}">
-                <a16:creationId xmlns:a16="http://schemas.microsoft.com/office/drawing/2014/main" id="{98B6BD1F-CF9F-4150-A37F-D0A3ED5CC485}"/>
-              </a:ext>
-            </a:extLst>
-          </p:cNvPr>
-          <p:cNvCxnSpPr>
-            <a:cxnSpLocks/>
-          </p:cNvCxnSpPr>
-          <p:nvPr/>
-        </p:nvCxnSpPr>
-        <p:spPr>
-          <a:xfrm>
-            <a:off x="3721767" y="4862438"/>
-            <a:ext cx="1110292" cy="0"/>
-          </a:xfrm>
-          <a:prstGeom prst="straightConnector1">
-            <a:avLst/>
-          </a:prstGeom>
-          <a:ln w="57150">
-            <a:tailEnd type="triangle"/>
-          </a:ln>
-        </p:spPr>
-        <p:style>
-          <a:lnRef idx="3">
-            <a:schemeClr val="accent2"/>
-          </a:lnRef>
-          <a:fillRef idx="0">
-            <a:schemeClr val="accent2"/>
-          </a:fillRef>
-          <a:effectRef idx="2">
-            <a:schemeClr val="accent2"/>
-          </a:effectRef>
-          <a:fontRef idx="minor">
-            <a:schemeClr val="tx1"/>
-          </a:fontRef>
-        </p:style>
-      </p:cxnSp>
-      <p:sp>
-        <p:nvSpPr>
-          <p:cNvPr id="17" name="Rectangle 16">
-            <a:extLst>
-              <a:ext uri="{FF2B5EF4-FFF2-40B4-BE49-F238E27FC236}">
-                <a16:creationId xmlns:a16="http://schemas.microsoft.com/office/drawing/2014/main" id="{1A8B4181-9938-4AE4-8C7C-337BBBB938CE}"/>
-              </a:ext>
-            </a:extLst>
-          </p:cNvPr>
-          <p:cNvSpPr/>
-          <p:nvPr/>
-        </p:nvSpPr>
-        <p:spPr>
-          <a:xfrm>
-            <a:off x="5252424" y="4571418"/>
-            <a:ext cx="609462" cy="523220"/>
-          </a:xfrm>
-          <a:prstGeom prst="rect">
-            <a:avLst/>
-          </a:prstGeom>
-        </p:spPr>
-        <p:txBody>
-          <a:bodyPr wrap="none">
-            <a:spAutoFit/>
-          </a:bodyPr>
-          <a:lstStyle/>
-          <a:p>
-            <a:r>
-              <a:rPr lang="en-SG" sz="2800" dirty="0"/>
-              <a:t>[V]</a:t>
-            </a:r>
-          </a:p>
-        </p:txBody>
-      </p:sp>
-      <p:sp>
-        <p:nvSpPr>
-          <p:cNvPr id="6" name="Rectangle 5">
-            <a:extLst>
-              <a:ext uri="{FF2B5EF4-FFF2-40B4-BE49-F238E27FC236}">
-                <a16:creationId xmlns:a16="http://schemas.microsoft.com/office/drawing/2014/main" id="{14A94979-65C9-411E-A17E-3D6F83B350D2}"/>
-              </a:ext>
-            </a:extLst>
-          </p:cNvPr>
-          <p:cNvSpPr/>
-          <p:nvPr/>
-        </p:nvSpPr>
-        <p:spPr>
-          <a:xfrm>
-            <a:off x="6471795" y="1782139"/>
-            <a:ext cx="1359155" cy="646331"/>
-          </a:xfrm>
-          <a:prstGeom prst="rect">
-            <a:avLst/>
-          </a:prstGeom>
-        </p:spPr>
-        <p:txBody>
-          <a:bodyPr wrap="none">
-            <a:spAutoFit/>
-          </a:bodyPr>
-          <a:lstStyle/>
-          <a:p>
-            <a:r>
-              <a:rPr lang="en-SG" dirty="0"/>
-              <a:t>Normal beat</a:t>
-            </a:r>
-          </a:p>
-          <a:p>
-            <a:r>
-              <a:rPr lang="en-SG" dirty="0"/>
-              <a:t>n=930 </a:t>
-            </a:r>
-          </a:p>
-        </p:txBody>
-      </p:sp>
-      <p:sp>
-        <p:nvSpPr>
-          <p:cNvPr id="18" name="Rectangle 17">
-            <a:extLst>
-              <a:ext uri="{FF2B5EF4-FFF2-40B4-BE49-F238E27FC236}">
-                <a16:creationId xmlns:a16="http://schemas.microsoft.com/office/drawing/2014/main" id="{933F96D8-A316-4A8D-95F5-B23C0DFA17F9}"/>
-              </a:ext>
-            </a:extLst>
-          </p:cNvPr>
-          <p:cNvSpPr/>
-          <p:nvPr/>
-        </p:nvSpPr>
-        <p:spPr>
-          <a:xfrm>
-            <a:off x="6506421" y="4634750"/>
-            <a:ext cx="889987" cy="646331"/>
-          </a:xfrm>
-          <a:prstGeom prst="rect">
-            <a:avLst/>
-          </a:prstGeom>
-        </p:spPr>
-        <p:txBody>
-          <a:bodyPr wrap="none">
-            <a:spAutoFit/>
-          </a:bodyPr>
-          <a:lstStyle/>
-          <a:p>
-            <a:r>
-              <a:rPr lang="en-SG" dirty="0"/>
-              <a:t>V-beat</a:t>
-            </a:r>
-          </a:p>
-          <a:p>
-            <a:r>
-              <a:rPr lang="en-SG" dirty="0"/>
-              <a:t>n=1113</a:t>
-            </a:r>
-          </a:p>
-        </p:txBody>
-      </p:sp>
-      <p:sp>
-        <p:nvSpPr>
-          <p:cNvPr id="11" name="Rectangle 10">
-            <a:extLst>
-              <a:ext uri="{FF2B5EF4-FFF2-40B4-BE49-F238E27FC236}">
-                <a16:creationId xmlns:a16="http://schemas.microsoft.com/office/drawing/2014/main" id="{B5C58004-E16A-4883-AE41-40FDB0AAB32A}"/>
-              </a:ext>
-            </a:extLst>
-          </p:cNvPr>
-          <p:cNvSpPr/>
-          <p:nvPr/>
-        </p:nvSpPr>
-        <p:spPr>
-          <a:xfrm>
-            <a:off x="1810900" y="1782139"/>
-            <a:ext cx="535724" cy="369332"/>
-          </a:xfrm>
-          <a:prstGeom prst="rect">
-            <a:avLst/>
-          </a:prstGeom>
-        </p:spPr>
-        <p:txBody>
-          <a:bodyPr wrap="none">
-            <a:spAutoFit/>
-          </a:bodyPr>
-          <a:lstStyle/>
-          <a:p>
-            <a:r>
-              <a:rPr lang="en-SG" dirty="0"/>
-              <a:t>750</a:t>
-            </a:r>
-          </a:p>
-        </p:txBody>
-      </p:sp>
-      <p:sp>
-        <p:nvSpPr>
-          <p:cNvPr id="19" name="Rectangle 18">
-            <a:extLst>
-              <a:ext uri="{FF2B5EF4-FFF2-40B4-BE49-F238E27FC236}">
-                <a16:creationId xmlns:a16="http://schemas.microsoft.com/office/drawing/2014/main" id="{E596C0F0-BDE2-419D-B68C-BC340B143A6C}"/>
-              </a:ext>
-            </a:extLst>
-          </p:cNvPr>
-          <p:cNvSpPr/>
-          <p:nvPr/>
-        </p:nvSpPr>
-        <p:spPr>
-          <a:xfrm>
-            <a:off x="1810900" y="4525178"/>
-            <a:ext cx="535724" cy="369332"/>
-          </a:xfrm>
-          <a:prstGeom prst="rect">
-            <a:avLst/>
-          </a:prstGeom>
-        </p:spPr>
-        <p:txBody>
-          <a:bodyPr wrap="none">
-            <a:spAutoFit/>
-          </a:bodyPr>
-          <a:lstStyle/>
-          <a:p>
-            <a:r>
-              <a:rPr lang="en-SG" dirty="0"/>
-              <a:t>750</a:t>
-            </a:r>
-          </a:p>
-        </p:txBody>
-      </p:sp>
-      <p:sp>
-        <p:nvSpPr>
-          <p:cNvPr id="20" name="Rectangle 19">
-            <a:extLst>
-              <a:ext uri="{FF2B5EF4-FFF2-40B4-BE49-F238E27FC236}">
-                <a16:creationId xmlns:a16="http://schemas.microsoft.com/office/drawing/2014/main" id="{0213CD68-8B1C-4C2C-87E4-BF3F1EB82304}"/>
-              </a:ext>
-            </a:extLst>
-          </p:cNvPr>
-          <p:cNvSpPr/>
-          <p:nvPr/>
-        </p:nvSpPr>
-        <p:spPr>
-          <a:xfrm>
-            <a:off x="2624116" y="5944212"/>
-            <a:ext cx="535724" cy="369332"/>
-          </a:xfrm>
-          <a:prstGeom prst="rect">
-            <a:avLst/>
-          </a:prstGeom>
-        </p:spPr>
-        <p:txBody>
-          <a:bodyPr wrap="none">
-            <a:spAutoFit/>
-          </a:bodyPr>
-          <a:lstStyle/>
-          <a:p>
-            <a:r>
-              <a:rPr lang="en-SG" dirty="0"/>
-              <a:t>150</a:t>
-            </a:r>
-          </a:p>
-        </p:txBody>
-      </p:sp>
-      <p:sp>
-        <p:nvSpPr>
-          <p:cNvPr id="21" name="Rectangle 20">
-            <a:extLst>
-              <a:ext uri="{FF2B5EF4-FFF2-40B4-BE49-F238E27FC236}">
-                <a16:creationId xmlns:a16="http://schemas.microsoft.com/office/drawing/2014/main" id="{4AC6A807-E4E1-4E65-95AE-38745D0B0DAE}"/>
-              </a:ext>
-            </a:extLst>
-          </p:cNvPr>
-          <p:cNvSpPr/>
-          <p:nvPr/>
-        </p:nvSpPr>
-        <p:spPr>
-          <a:xfrm>
-            <a:off x="2624116" y="3079282"/>
-            <a:ext cx="535724" cy="369332"/>
-          </a:xfrm>
-          <a:prstGeom prst="rect">
-            <a:avLst/>
-          </a:prstGeom>
-        </p:spPr>
-        <p:txBody>
-          <a:bodyPr wrap="none">
-            <a:spAutoFit/>
-          </a:bodyPr>
-          <a:lstStyle/>
-          <a:p>
-            <a:r>
-              <a:rPr lang="en-SG" dirty="0"/>
-              <a:t>150</a:t>
-            </a:r>
-          </a:p>
-        </p:txBody>
-      </p:sp>
-      <p:sp>
-        <p:nvSpPr>
-          <p:cNvPr id="22" name="Rectangle 21">
-            <a:extLst>
-              <a:ext uri="{FF2B5EF4-FFF2-40B4-BE49-F238E27FC236}">
-                <a16:creationId xmlns:a16="http://schemas.microsoft.com/office/drawing/2014/main" id="{3B4E2FEB-C757-4684-A3DA-E79185849593}"/>
-              </a:ext>
-            </a:extLst>
-          </p:cNvPr>
-          <p:cNvSpPr/>
-          <p:nvPr/>
-        </p:nvSpPr>
-        <p:spPr>
-          <a:xfrm>
-            <a:off x="9020929" y="3105834"/>
-            <a:ext cx="1594347" cy="646331"/>
-          </a:xfrm>
-          <a:prstGeom prst="rect">
-            <a:avLst/>
-          </a:prstGeom>
-        </p:spPr>
-        <p:txBody>
-          <a:bodyPr wrap="none">
-            <a:spAutoFit/>
-          </a:bodyPr>
-          <a:lstStyle/>
-          <a:p>
-            <a:pPr algn="ctr"/>
-            <a:r>
-              <a:rPr lang="en-SG" dirty="0"/>
-              <a:t>Total train data</a:t>
-            </a:r>
-          </a:p>
-          <a:p>
-            <a:pPr algn="ctr"/>
-            <a:r>
-              <a:rPr lang="en-SG" dirty="0"/>
-              <a:t>n=2043</a:t>
-            </a:r>
-          </a:p>
-        </p:txBody>
-      </p:sp>
-      <p:sp>
-        <p:nvSpPr>
-          <p:cNvPr id="2" name="Right Brace 1">
-            <a:extLst>
-              <a:ext uri="{FF2B5EF4-FFF2-40B4-BE49-F238E27FC236}">
-                <a16:creationId xmlns:a16="http://schemas.microsoft.com/office/drawing/2014/main" id="{5C75836A-920D-41B0-BB07-08A929338236}"/>
-              </a:ext>
-            </a:extLst>
-          </p:cNvPr>
-          <p:cNvSpPr/>
-          <p:nvPr/>
-        </p:nvSpPr>
-        <p:spPr>
-          <a:xfrm>
-            <a:off x="8299269" y="1310640"/>
-            <a:ext cx="618308" cy="4441371"/>
-          </a:xfrm>
-          <a:prstGeom prst="rightBrace">
-            <a:avLst/>
-          </a:prstGeom>
-        </p:spPr>
-        <p:style>
-          <a:lnRef idx="1">
-            <a:schemeClr val="accent1"/>
-          </a:lnRef>
-          <a:fillRef idx="0">
-            <a:schemeClr val="accent1"/>
-          </a:fillRef>
-          <a:effectRef idx="0">
-            <a:schemeClr val="accent1"/>
-          </a:effectRef>
-          <a:fontRef idx="minor">
-            <a:schemeClr val="tx1"/>
-          </a:fontRef>
-        </p:style>
-        <p:txBody>
-          <a:bodyPr rtlCol="0" anchor="ctr"/>
-          <a:lstStyle/>
-          <a:p>
-            <a:pPr algn="ctr"/>
-            <a:endParaRPr lang="en-SG"/>
-          </a:p>
-        </p:txBody>
-      </p:sp>
-    </p:spTree>
-    <p:extLst>
-      <p:ext uri="{BB962C8B-B14F-4D97-AF65-F5344CB8AC3E}">
-        <p14:creationId xmlns:p14="http://schemas.microsoft.com/office/powerpoint/2010/main" val="2632662495"/>
-      </p:ext>
-    </p:extLst>
-  </p:cSld>
-  <p:clrMapOvr>
-    <a:masterClrMapping/>
-  </p:clrMapOvr>
-</p:sld>
-</file>
-
 <file path=ppt/slides/slide4.xml><?xml version="1.0" encoding="utf-8"?>
 <p:sld xmlns:a="http://schemas.openxmlformats.org/drawingml/2006/main" xmlns:r="http://schemas.openxmlformats.org/officeDocument/2006/relationships" xmlns:p="http://schemas.openxmlformats.org/presentationml/2006/main">
   <p:cSld>
@@ -5233,10 +4780,10 @@
       </p:grpSpPr>
       <p:sp>
         <p:nvSpPr>
-          <p:cNvPr id="4" name="Rectangle 3">
-            <a:extLst>
-              <a:ext uri="{FF2B5EF4-FFF2-40B4-BE49-F238E27FC236}">
-                <a16:creationId xmlns:a16="http://schemas.microsoft.com/office/drawing/2014/main" id="{AE5F455D-4D95-4CB5-A5EE-6A25894B548B}"/>
+          <p:cNvPr id="7" name="Rectangle 6">
+            <a:extLst>
+              <a:ext uri="{FF2B5EF4-FFF2-40B4-BE49-F238E27FC236}">
+                <a16:creationId xmlns:a16="http://schemas.microsoft.com/office/drawing/2014/main" id="{102ED08E-4F71-413C-B89E-43D72F721F22}"/>
               </a:ext>
             </a:extLst>
           </p:cNvPr>
@@ -5245,106 +4792,51 @@
         </p:nvSpPr>
         <p:spPr>
           <a:xfrm>
-            <a:off x="577937" y="297933"/>
-            <a:ext cx="4920771" cy="523220"/>
+            <a:off x="5091982" y="957615"/>
+            <a:ext cx="952679" cy="2121667"/>
           </a:xfrm>
           <a:prstGeom prst="rect">
             <a:avLst/>
           </a:prstGeom>
-        </p:spPr>
-        <p:txBody>
-          <a:bodyPr wrap="none">
-            <a:spAutoFit/>
-          </a:bodyPr>
-          <a:lstStyle/>
-          <a:p>
-            <a:r>
-              <a:rPr lang="en-SG" sz="2800" dirty="0"/>
-              <a:t>Model selection, Train/Fit model</a:t>
-            </a:r>
-          </a:p>
-        </p:txBody>
-      </p:sp>
-      <p:sp>
-        <p:nvSpPr>
-          <p:cNvPr id="2" name="Rectangle 1">
-            <a:extLst>
-              <a:ext uri="{FF2B5EF4-FFF2-40B4-BE49-F238E27FC236}">
-                <a16:creationId xmlns:a16="http://schemas.microsoft.com/office/drawing/2014/main" id="{2A1BFD86-D0BA-4A6E-B014-EE5C5829E17F}"/>
-              </a:ext>
-            </a:extLst>
-          </p:cNvPr>
-          <p:cNvSpPr/>
-          <p:nvPr/>
-        </p:nvSpPr>
-        <p:spPr>
-          <a:xfrm>
-            <a:off x="975360" y="1459915"/>
-            <a:ext cx="5320937" cy="3046988"/>
-          </a:xfrm>
-          <a:prstGeom prst="rect">
-            <a:avLst/>
-          </a:prstGeom>
-        </p:spPr>
-        <p:txBody>
-          <a:bodyPr wrap="square">
-            <a:spAutoFit/>
-          </a:bodyPr>
-          <a:lstStyle/>
-          <a:p>
-            <a:r>
-              <a:rPr lang="en-SG" sz="2400" dirty="0"/>
-              <a:t>Model: </a:t>
-            </a:r>
-          </a:p>
-          <a:p>
-            <a:r>
-              <a:rPr lang="en-SG" sz="2400" dirty="0" err="1"/>
-              <a:t>LogisticRegression</a:t>
-            </a:r>
-            <a:r>
-              <a:rPr lang="en-SG" sz="2400" dirty="0"/>
-              <a:t> </a:t>
-            </a:r>
-          </a:p>
-          <a:p>
-            <a:r>
-              <a:rPr lang="en-SG" sz="2400" dirty="0"/>
-              <a:t>(C=0.001, optimal threshold = 0.198)</a:t>
-            </a:r>
-          </a:p>
-          <a:p>
-            <a:endParaRPr lang="en-SG" sz="2400" dirty="0"/>
-          </a:p>
-          <a:p>
-            <a:endParaRPr lang="en-SG" sz="2400" dirty="0"/>
-          </a:p>
-          <a:p>
-            <a:r>
-              <a:rPr lang="en-SG" sz="2400" dirty="0"/>
-              <a:t>Accuracy score is </a:t>
-            </a:r>
-          </a:p>
-          <a:p>
-            <a:r>
-              <a:rPr lang="en-SG" sz="2400" dirty="0"/>
-              <a:t>Training: 99.9% </a:t>
-            </a:r>
-          </a:p>
-          <a:p>
-            <a:r>
-              <a:rPr lang="en-SG" sz="2400" dirty="0"/>
-              <a:t>Validation: 99.7%</a:t>
-            </a:r>
+          <a:noFill/>
+          <a:ln w="38100">
+            <a:solidFill>
+              <a:schemeClr val="accent4"/>
+            </a:solidFill>
+            <a:prstDash val="dash"/>
+          </a:ln>
+        </p:spPr>
+        <p:style>
+          <a:lnRef idx="2">
+            <a:schemeClr val="accent1">
+              <a:shade val="50000"/>
+            </a:schemeClr>
+          </a:lnRef>
+          <a:fillRef idx="1">
+            <a:schemeClr val="accent1"/>
+          </a:fillRef>
+          <a:effectRef idx="0">
+            <a:schemeClr val="accent1"/>
+          </a:effectRef>
+          <a:fontRef idx="minor">
+            <a:schemeClr val="lt1"/>
+          </a:fontRef>
+        </p:style>
+        <p:txBody>
+          <a:bodyPr rtlCol="0" anchor="ctr"/>
+          <a:lstStyle/>
+          <a:p>
+            <a:pPr algn="ctr"/>
+            <a:endParaRPr lang="en-SG"/>
           </a:p>
         </p:txBody>
       </p:sp>
       <p:pic>
         <p:nvPicPr>
-          <p:cNvPr id="3" name="Picture 2">
-            <a:extLst>
-              <a:ext uri="{FF2B5EF4-FFF2-40B4-BE49-F238E27FC236}">
-                <a16:creationId xmlns:a16="http://schemas.microsoft.com/office/drawing/2014/main" id="{999DF8EB-E1F2-46E7-B2A8-330330C5A207}"/>
+          <p:cNvPr id="8" name="Picture 7">
+            <a:extLst>
+              <a:ext uri="{FF2B5EF4-FFF2-40B4-BE49-F238E27FC236}">
+                <a16:creationId xmlns:a16="http://schemas.microsoft.com/office/drawing/2014/main" id="{C8248916-C626-4B3E-A641-713BBADEE2D9}"/>
               </a:ext>
             </a:extLst>
           </p:cNvPr>
@@ -5361,18 +4853,613 @@
         </p:blipFill>
         <p:spPr>
           <a:xfrm>
-            <a:off x="6691176" y="2021205"/>
-            <a:ext cx="3114675" cy="3181350"/>
+            <a:off x="2373897" y="1000254"/>
+            <a:ext cx="1068783" cy="2124038"/>
           </a:xfrm>
           <a:prstGeom prst="rect">
             <a:avLst/>
           </a:prstGeom>
+          <a:ln w="28575">
+            <a:solidFill>
+              <a:schemeClr val="accent4"/>
+            </a:solidFill>
+            <a:prstDash val="lgDash"/>
+          </a:ln>
+          <a:effectLst>
+            <a:outerShdw blurRad="63500" sx="102000" sy="102000" algn="ctr" rotWithShape="0">
+              <a:prstClr val="black">
+                <a:alpha val="40000"/>
+              </a:prstClr>
+            </a:outerShdw>
+          </a:effectLst>
         </p:spPr>
       </p:pic>
+      <p:pic>
+        <p:nvPicPr>
+          <p:cNvPr id="9" name="Picture 8">
+            <a:extLst>
+              <a:ext uri="{FF2B5EF4-FFF2-40B4-BE49-F238E27FC236}">
+                <a16:creationId xmlns:a16="http://schemas.microsoft.com/office/drawing/2014/main" id="{EFFB69E9-4762-4867-8B57-97AE5EB10AF7}"/>
+              </a:ext>
+            </a:extLst>
+          </p:cNvPr>
+          <p:cNvPicPr>
+            <a:picLocks noChangeAspect="1"/>
+          </p:cNvPicPr>
+          <p:nvPr/>
+        </p:nvPicPr>
+        <p:blipFill>
+          <a:blip r:embed="rId3"/>
+          <a:stretch>
+            <a:fillRect/>
+          </a:stretch>
+        </p:blipFill>
+        <p:spPr>
+          <a:xfrm>
+            <a:off x="2370552" y="3810226"/>
+            <a:ext cx="1048490" cy="2137567"/>
+          </a:xfrm>
+          <a:prstGeom prst="rect">
+            <a:avLst/>
+          </a:prstGeom>
+          <a:ln w="28575">
+            <a:solidFill>
+              <a:schemeClr val="accent4"/>
+            </a:solidFill>
+            <a:prstDash val="lgDash"/>
+          </a:ln>
+          <a:effectLst>
+            <a:outerShdw blurRad="63500" sx="102000" sy="102000" algn="ctr" rotWithShape="0">
+              <a:prstClr val="black">
+                <a:alpha val="40000"/>
+              </a:prstClr>
+            </a:outerShdw>
+          </a:effectLst>
+        </p:spPr>
+      </p:pic>
+      <p:sp>
+        <p:nvSpPr>
+          <p:cNvPr id="10" name="Rectangle 9">
+            <a:extLst>
+              <a:ext uri="{FF2B5EF4-FFF2-40B4-BE49-F238E27FC236}">
+                <a16:creationId xmlns:a16="http://schemas.microsoft.com/office/drawing/2014/main" id="{89218F4D-96A9-4D76-8B95-981C46BB01BA}"/>
+              </a:ext>
+            </a:extLst>
+          </p:cNvPr>
+          <p:cNvSpPr/>
+          <p:nvPr/>
+        </p:nvSpPr>
+        <p:spPr>
+          <a:xfrm>
+            <a:off x="577937" y="297933"/>
+            <a:ext cx="5893858" cy="523220"/>
+          </a:xfrm>
+          <a:prstGeom prst="rect">
+            <a:avLst/>
+          </a:prstGeom>
+        </p:spPr>
+        <p:txBody>
+          <a:bodyPr wrap="none">
+            <a:spAutoFit/>
+          </a:bodyPr>
+          <a:lstStyle/>
+          <a:p>
+            <a:r>
+              <a:rPr lang="en-SG" sz="2800" dirty="0"/>
+              <a:t>Extract plots into vector representation</a:t>
+            </a:r>
+          </a:p>
+        </p:txBody>
+      </p:sp>
+      <p:cxnSp>
+        <p:nvCxnSpPr>
+          <p:cNvPr id="12" name="Straight Arrow Connector 11">
+            <a:extLst>
+              <a:ext uri="{FF2B5EF4-FFF2-40B4-BE49-F238E27FC236}">
+                <a16:creationId xmlns:a16="http://schemas.microsoft.com/office/drawing/2014/main" id="{8D2825AF-5C6C-45CD-A6C1-36ACF7CC67D0}"/>
+              </a:ext>
+            </a:extLst>
+          </p:cNvPr>
+          <p:cNvCxnSpPr>
+            <a:cxnSpLocks/>
+          </p:cNvCxnSpPr>
+          <p:nvPr/>
+        </p:nvCxnSpPr>
+        <p:spPr>
+          <a:xfrm>
+            <a:off x="3721767" y="2009827"/>
+            <a:ext cx="1110292" cy="0"/>
+          </a:xfrm>
+          <a:prstGeom prst="straightConnector1">
+            <a:avLst/>
+          </a:prstGeom>
+          <a:ln w="57150">
+            <a:tailEnd type="triangle"/>
+          </a:ln>
+        </p:spPr>
+        <p:style>
+          <a:lnRef idx="3">
+            <a:schemeClr val="accent2"/>
+          </a:lnRef>
+          <a:fillRef idx="0">
+            <a:schemeClr val="accent2"/>
+          </a:fillRef>
+          <a:effectRef idx="2">
+            <a:schemeClr val="accent2"/>
+          </a:effectRef>
+          <a:fontRef idx="minor">
+            <a:schemeClr val="tx1"/>
+          </a:fontRef>
+        </p:style>
+      </p:cxnSp>
+      <p:sp>
+        <p:nvSpPr>
+          <p:cNvPr id="14" name="Rectangle 13">
+            <a:extLst>
+              <a:ext uri="{FF2B5EF4-FFF2-40B4-BE49-F238E27FC236}">
+                <a16:creationId xmlns:a16="http://schemas.microsoft.com/office/drawing/2014/main" id="{F58EA8F8-016C-41DE-8464-1A10BF05ED31}"/>
+              </a:ext>
+            </a:extLst>
+          </p:cNvPr>
+          <p:cNvSpPr/>
+          <p:nvPr/>
+        </p:nvSpPr>
+        <p:spPr>
+          <a:xfrm>
+            <a:off x="5252424" y="1718807"/>
+            <a:ext cx="638316" cy="523220"/>
+          </a:xfrm>
+          <a:prstGeom prst="rect">
+            <a:avLst/>
+          </a:prstGeom>
+        </p:spPr>
+        <p:txBody>
+          <a:bodyPr wrap="none">
+            <a:spAutoFit/>
+          </a:bodyPr>
+          <a:lstStyle/>
+          <a:p>
+            <a:r>
+              <a:rPr lang="en-SG" sz="2800" dirty="0"/>
+              <a:t>[N]</a:t>
+            </a:r>
+          </a:p>
+        </p:txBody>
+      </p:sp>
+      <p:sp>
+        <p:nvSpPr>
+          <p:cNvPr id="15" name="Rectangle 14">
+            <a:extLst>
+              <a:ext uri="{FF2B5EF4-FFF2-40B4-BE49-F238E27FC236}">
+                <a16:creationId xmlns:a16="http://schemas.microsoft.com/office/drawing/2014/main" id="{5BCE3CDE-0B9D-45F4-A895-A59ECAD583AD}"/>
+              </a:ext>
+            </a:extLst>
+          </p:cNvPr>
+          <p:cNvSpPr/>
+          <p:nvPr/>
+        </p:nvSpPr>
+        <p:spPr>
+          <a:xfrm>
+            <a:off x="5091982" y="3810226"/>
+            <a:ext cx="952679" cy="2121667"/>
+          </a:xfrm>
+          <a:prstGeom prst="rect">
+            <a:avLst/>
+          </a:prstGeom>
+          <a:noFill/>
+          <a:ln w="38100">
+            <a:solidFill>
+              <a:schemeClr val="accent4"/>
+            </a:solidFill>
+            <a:prstDash val="dash"/>
+          </a:ln>
+        </p:spPr>
+        <p:style>
+          <a:lnRef idx="2">
+            <a:schemeClr val="accent1">
+              <a:shade val="50000"/>
+            </a:schemeClr>
+          </a:lnRef>
+          <a:fillRef idx="1">
+            <a:schemeClr val="accent1"/>
+          </a:fillRef>
+          <a:effectRef idx="0">
+            <a:schemeClr val="accent1"/>
+          </a:effectRef>
+          <a:fontRef idx="minor">
+            <a:schemeClr val="lt1"/>
+          </a:fontRef>
+        </p:style>
+        <p:txBody>
+          <a:bodyPr rtlCol="0" anchor="ctr"/>
+          <a:lstStyle/>
+          <a:p>
+            <a:pPr algn="ctr"/>
+            <a:endParaRPr lang="en-SG"/>
+          </a:p>
+        </p:txBody>
+      </p:sp>
+      <p:cxnSp>
+        <p:nvCxnSpPr>
+          <p:cNvPr id="16" name="Straight Arrow Connector 15">
+            <a:extLst>
+              <a:ext uri="{FF2B5EF4-FFF2-40B4-BE49-F238E27FC236}">
+                <a16:creationId xmlns:a16="http://schemas.microsoft.com/office/drawing/2014/main" id="{98B6BD1F-CF9F-4150-A37F-D0A3ED5CC485}"/>
+              </a:ext>
+            </a:extLst>
+          </p:cNvPr>
+          <p:cNvCxnSpPr>
+            <a:cxnSpLocks/>
+          </p:cNvCxnSpPr>
+          <p:nvPr/>
+        </p:nvCxnSpPr>
+        <p:spPr>
+          <a:xfrm>
+            <a:off x="3721767" y="4862438"/>
+            <a:ext cx="1110292" cy="0"/>
+          </a:xfrm>
+          <a:prstGeom prst="straightConnector1">
+            <a:avLst/>
+          </a:prstGeom>
+          <a:ln w="57150">
+            <a:tailEnd type="triangle"/>
+          </a:ln>
+        </p:spPr>
+        <p:style>
+          <a:lnRef idx="3">
+            <a:schemeClr val="accent2"/>
+          </a:lnRef>
+          <a:fillRef idx="0">
+            <a:schemeClr val="accent2"/>
+          </a:fillRef>
+          <a:effectRef idx="2">
+            <a:schemeClr val="accent2"/>
+          </a:effectRef>
+          <a:fontRef idx="minor">
+            <a:schemeClr val="tx1"/>
+          </a:fontRef>
+        </p:style>
+      </p:cxnSp>
+      <p:sp>
+        <p:nvSpPr>
+          <p:cNvPr id="17" name="Rectangle 16">
+            <a:extLst>
+              <a:ext uri="{FF2B5EF4-FFF2-40B4-BE49-F238E27FC236}">
+                <a16:creationId xmlns:a16="http://schemas.microsoft.com/office/drawing/2014/main" id="{1A8B4181-9938-4AE4-8C7C-337BBBB938CE}"/>
+              </a:ext>
+            </a:extLst>
+          </p:cNvPr>
+          <p:cNvSpPr/>
+          <p:nvPr/>
+        </p:nvSpPr>
+        <p:spPr>
+          <a:xfrm>
+            <a:off x="5252424" y="4571418"/>
+            <a:ext cx="609462" cy="523220"/>
+          </a:xfrm>
+          <a:prstGeom prst="rect">
+            <a:avLst/>
+          </a:prstGeom>
+        </p:spPr>
+        <p:txBody>
+          <a:bodyPr wrap="none">
+            <a:spAutoFit/>
+          </a:bodyPr>
+          <a:lstStyle/>
+          <a:p>
+            <a:r>
+              <a:rPr lang="en-SG" sz="2800" dirty="0"/>
+              <a:t>[V]</a:t>
+            </a:r>
+          </a:p>
+        </p:txBody>
+      </p:sp>
+      <p:sp>
+        <p:nvSpPr>
+          <p:cNvPr id="6" name="Rectangle 5">
+            <a:extLst>
+              <a:ext uri="{FF2B5EF4-FFF2-40B4-BE49-F238E27FC236}">
+                <a16:creationId xmlns:a16="http://schemas.microsoft.com/office/drawing/2014/main" id="{14A94979-65C9-411E-A17E-3D6F83B350D2}"/>
+              </a:ext>
+            </a:extLst>
+          </p:cNvPr>
+          <p:cNvSpPr/>
+          <p:nvPr/>
+        </p:nvSpPr>
+        <p:spPr>
+          <a:xfrm>
+            <a:off x="6471795" y="1782139"/>
+            <a:ext cx="1206869" cy="646331"/>
+          </a:xfrm>
+          <a:prstGeom prst="rect">
+            <a:avLst/>
+          </a:prstGeom>
+        </p:spPr>
+        <p:txBody>
+          <a:bodyPr wrap="none">
+            <a:spAutoFit/>
+          </a:bodyPr>
+          <a:lstStyle/>
+          <a:p>
+            <a:r>
+              <a:rPr lang="en-SG" dirty="0"/>
+              <a:t>Other beat</a:t>
+            </a:r>
+          </a:p>
+          <a:p>
+            <a:r>
+              <a:rPr lang="en-SG" dirty="0"/>
+              <a:t>n=930 </a:t>
+            </a:r>
+          </a:p>
+        </p:txBody>
+      </p:sp>
+      <p:sp>
+        <p:nvSpPr>
+          <p:cNvPr id="18" name="Rectangle 17">
+            <a:extLst>
+              <a:ext uri="{FF2B5EF4-FFF2-40B4-BE49-F238E27FC236}">
+                <a16:creationId xmlns:a16="http://schemas.microsoft.com/office/drawing/2014/main" id="{933F96D8-A316-4A8D-95F5-B23C0DFA17F9}"/>
+              </a:ext>
+            </a:extLst>
+          </p:cNvPr>
+          <p:cNvSpPr/>
+          <p:nvPr/>
+        </p:nvSpPr>
+        <p:spPr>
+          <a:xfrm>
+            <a:off x="6506421" y="4634750"/>
+            <a:ext cx="889987" cy="646331"/>
+          </a:xfrm>
+          <a:prstGeom prst="rect">
+            <a:avLst/>
+          </a:prstGeom>
+        </p:spPr>
+        <p:txBody>
+          <a:bodyPr wrap="none">
+            <a:spAutoFit/>
+          </a:bodyPr>
+          <a:lstStyle/>
+          <a:p>
+            <a:r>
+              <a:rPr lang="en-SG" dirty="0"/>
+              <a:t>V-beat</a:t>
+            </a:r>
+          </a:p>
+          <a:p>
+            <a:r>
+              <a:rPr lang="en-SG" dirty="0"/>
+              <a:t>n=1113</a:t>
+            </a:r>
+          </a:p>
+        </p:txBody>
+      </p:sp>
+      <p:sp>
+        <p:nvSpPr>
+          <p:cNvPr id="11" name="Rectangle 10">
+            <a:extLst>
+              <a:ext uri="{FF2B5EF4-FFF2-40B4-BE49-F238E27FC236}">
+                <a16:creationId xmlns:a16="http://schemas.microsoft.com/office/drawing/2014/main" id="{B5C58004-E16A-4883-AE41-40FDB0AAB32A}"/>
+              </a:ext>
+            </a:extLst>
+          </p:cNvPr>
+          <p:cNvSpPr/>
+          <p:nvPr/>
+        </p:nvSpPr>
+        <p:spPr>
+          <a:xfrm>
+            <a:off x="1810900" y="1782139"/>
+            <a:ext cx="535724" cy="369332"/>
+          </a:xfrm>
+          <a:prstGeom prst="rect">
+            <a:avLst/>
+          </a:prstGeom>
+        </p:spPr>
+        <p:txBody>
+          <a:bodyPr wrap="none">
+            <a:spAutoFit/>
+          </a:bodyPr>
+          <a:lstStyle/>
+          <a:p>
+            <a:r>
+              <a:rPr lang="en-SG" dirty="0"/>
+              <a:t>750</a:t>
+            </a:r>
+          </a:p>
+        </p:txBody>
+      </p:sp>
+      <p:sp>
+        <p:nvSpPr>
+          <p:cNvPr id="19" name="Rectangle 18">
+            <a:extLst>
+              <a:ext uri="{FF2B5EF4-FFF2-40B4-BE49-F238E27FC236}">
+                <a16:creationId xmlns:a16="http://schemas.microsoft.com/office/drawing/2014/main" id="{E596C0F0-BDE2-419D-B68C-BC340B143A6C}"/>
+              </a:ext>
+            </a:extLst>
+          </p:cNvPr>
+          <p:cNvSpPr/>
+          <p:nvPr/>
+        </p:nvSpPr>
+        <p:spPr>
+          <a:xfrm>
+            <a:off x="1810900" y="4525178"/>
+            <a:ext cx="535724" cy="369332"/>
+          </a:xfrm>
+          <a:prstGeom prst="rect">
+            <a:avLst/>
+          </a:prstGeom>
+        </p:spPr>
+        <p:txBody>
+          <a:bodyPr wrap="none">
+            <a:spAutoFit/>
+          </a:bodyPr>
+          <a:lstStyle/>
+          <a:p>
+            <a:r>
+              <a:rPr lang="en-SG" dirty="0"/>
+              <a:t>750</a:t>
+            </a:r>
+          </a:p>
+        </p:txBody>
+      </p:sp>
+      <p:sp>
+        <p:nvSpPr>
+          <p:cNvPr id="20" name="Rectangle 19">
+            <a:extLst>
+              <a:ext uri="{FF2B5EF4-FFF2-40B4-BE49-F238E27FC236}">
+                <a16:creationId xmlns:a16="http://schemas.microsoft.com/office/drawing/2014/main" id="{0213CD68-8B1C-4C2C-87E4-BF3F1EB82304}"/>
+              </a:ext>
+            </a:extLst>
+          </p:cNvPr>
+          <p:cNvSpPr/>
+          <p:nvPr/>
+        </p:nvSpPr>
+        <p:spPr>
+          <a:xfrm>
+            <a:off x="2624116" y="5944212"/>
+            <a:ext cx="535724" cy="369332"/>
+          </a:xfrm>
+          <a:prstGeom prst="rect">
+            <a:avLst/>
+          </a:prstGeom>
+        </p:spPr>
+        <p:txBody>
+          <a:bodyPr wrap="none">
+            <a:spAutoFit/>
+          </a:bodyPr>
+          <a:lstStyle/>
+          <a:p>
+            <a:r>
+              <a:rPr lang="en-SG" dirty="0"/>
+              <a:t>150</a:t>
+            </a:r>
+          </a:p>
+        </p:txBody>
+      </p:sp>
+      <p:sp>
+        <p:nvSpPr>
+          <p:cNvPr id="21" name="Rectangle 20">
+            <a:extLst>
+              <a:ext uri="{FF2B5EF4-FFF2-40B4-BE49-F238E27FC236}">
+                <a16:creationId xmlns:a16="http://schemas.microsoft.com/office/drawing/2014/main" id="{4AC6A807-E4E1-4E65-95AE-38745D0B0DAE}"/>
+              </a:ext>
+            </a:extLst>
+          </p:cNvPr>
+          <p:cNvSpPr/>
+          <p:nvPr/>
+        </p:nvSpPr>
+        <p:spPr>
+          <a:xfrm>
+            <a:off x="2624116" y="3079282"/>
+            <a:ext cx="535724" cy="369332"/>
+          </a:xfrm>
+          <a:prstGeom prst="rect">
+            <a:avLst/>
+          </a:prstGeom>
+        </p:spPr>
+        <p:txBody>
+          <a:bodyPr wrap="none">
+            <a:spAutoFit/>
+          </a:bodyPr>
+          <a:lstStyle/>
+          <a:p>
+            <a:r>
+              <a:rPr lang="en-SG" dirty="0"/>
+              <a:t>150</a:t>
+            </a:r>
+          </a:p>
+        </p:txBody>
+      </p:sp>
+      <p:sp>
+        <p:nvSpPr>
+          <p:cNvPr id="22" name="Rectangle 21">
+            <a:extLst>
+              <a:ext uri="{FF2B5EF4-FFF2-40B4-BE49-F238E27FC236}">
+                <a16:creationId xmlns:a16="http://schemas.microsoft.com/office/drawing/2014/main" id="{3B4E2FEB-C757-4684-A3DA-E79185849593}"/>
+              </a:ext>
+            </a:extLst>
+          </p:cNvPr>
+          <p:cNvSpPr/>
+          <p:nvPr/>
+        </p:nvSpPr>
+        <p:spPr>
+          <a:xfrm>
+            <a:off x="9020929" y="3105834"/>
+            <a:ext cx="1594347" cy="646331"/>
+          </a:xfrm>
+          <a:prstGeom prst="rect">
+            <a:avLst/>
+          </a:prstGeom>
+        </p:spPr>
+        <p:txBody>
+          <a:bodyPr wrap="none">
+            <a:spAutoFit/>
+          </a:bodyPr>
+          <a:lstStyle/>
+          <a:p>
+            <a:pPr algn="ctr"/>
+            <a:r>
+              <a:rPr lang="en-SG" dirty="0"/>
+              <a:t>Total train data</a:t>
+            </a:r>
+          </a:p>
+          <a:p>
+            <a:pPr algn="ctr"/>
+            <a:r>
+              <a:rPr lang="en-SG" dirty="0"/>
+              <a:t>n=2043</a:t>
+            </a:r>
+          </a:p>
+        </p:txBody>
+      </p:sp>
+      <p:sp>
+        <p:nvSpPr>
+          <p:cNvPr id="2" name="Right Brace 1">
+            <a:extLst>
+              <a:ext uri="{FF2B5EF4-FFF2-40B4-BE49-F238E27FC236}">
+                <a16:creationId xmlns:a16="http://schemas.microsoft.com/office/drawing/2014/main" id="{5C75836A-920D-41B0-BB07-08A929338236}"/>
+              </a:ext>
+            </a:extLst>
+          </p:cNvPr>
+          <p:cNvSpPr/>
+          <p:nvPr/>
+        </p:nvSpPr>
+        <p:spPr>
+          <a:xfrm>
+            <a:off x="8299269" y="1310640"/>
+            <a:ext cx="618308" cy="4441371"/>
+          </a:xfrm>
+          <a:prstGeom prst="rightBrace">
+            <a:avLst/>
+          </a:prstGeom>
+        </p:spPr>
+        <p:style>
+          <a:lnRef idx="1">
+            <a:schemeClr val="accent1"/>
+          </a:lnRef>
+          <a:fillRef idx="0">
+            <a:schemeClr val="accent1"/>
+          </a:fillRef>
+          <a:effectRef idx="0">
+            <a:schemeClr val="accent1"/>
+          </a:effectRef>
+          <a:fontRef idx="minor">
+            <a:schemeClr val="tx1"/>
+          </a:fontRef>
+        </p:style>
+        <p:txBody>
+          <a:bodyPr rtlCol="0" anchor="ctr"/>
+          <a:lstStyle/>
+          <a:p>
+            <a:pPr algn="ctr"/>
+            <a:endParaRPr lang="en-SG"/>
+          </a:p>
+        </p:txBody>
+      </p:sp>
     </p:spTree>
     <p:extLst>
       <p:ext uri="{BB962C8B-B14F-4D97-AF65-F5344CB8AC3E}">
-        <p14:creationId xmlns:p14="http://schemas.microsoft.com/office/powerpoint/2010/main" val="1946986691"/>
+        <p14:creationId xmlns:p14="http://schemas.microsoft.com/office/powerpoint/2010/main" val="2632662495"/>
       </p:ext>
     </p:extLst>
   </p:cSld>
@@ -5414,7 +5501,7 @@
         <p:spPr>
           <a:xfrm>
             <a:off x="577937" y="297933"/>
-            <a:ext cx="1769331" cy="523220"/>
+            <a:ext cx="5489836" cy="523220"/>
           </a:xfrm>
           <a:prstGeom prst="rect">
             <a:avLst/>
@@ -5428,7 +5515,7 @@
           <a:p>
             <a:r>
               <a:rPr lang="en-SG" sz="2800" dirty="0"/>
-              <a:t>Test model</a:t>
+              <a:t>Model selection, Train/Fit the model</a:t>
             </a:r>
           </a:p>
         </p:txBody>
@@ -5438,7 +5525,7 @@
           <p:cNvPr id="2" name="Rectangle 1">
             <a:extLst>
               <a:ext uri="{FF2B5EF4-FFF2-40B4-BE49-F238E27FC236}">
-                <a16:creationId xmlns:a16="http://schemas.microsoft.com/office/drawing/2014/main" id="{99DC96F4-AF3E-486E-9EEE-D2F999D0D11B}"/>
+                <a16:creationId xmlns:a16="http://schemas.microsoft.com/office/drawing/2014/main" id="{2A1BFD86-D0BA-4A6E-B014-EE5C5829E17F}"/>
               </a:ext>
             </a:extLst>
           </p:cNvPr>
@@ -5447,8 +5534,8 @@
         </p:nvSpPr>
         <p:spPr>
           <a:xfrm>
-            <a:off x="577936" y="1678466"/>
-            <a:ext cx="7712623" cy="1938992"/>
+            <a:off x="975360" y="1459915"/>
+            <a:ext cx="5320937" cy="3416320"/>
           </a:xfrm>
           <a:prstGeom prst="rect">
             <a:avLst/>
@@ -5462,27 +5549,19 @@
           <a:p>
             <a:r>
               <a:rPr lang="en-SG" sz="2400" dirty="0"/>
-              <a:t>Model prediction of test data (180 images) in csv ﬁle: </a:t>
-            </a:r>
-          </a:p>
-          <a:p>
-            <a:pPr marL="342900" indent="-342900">
-              <a:buFont typeface="Arial" panose="020B0604020202020204" pitchFamily="34" charset="0"/>
-              <a:buChar char="•"/>
-            </a:pPr>
+              <a:t>Model: </a:t>
+            </a:r>
+          </a:p>
+          <a:p>
             <a:r>
               <a:rPr lang="en-SG" sz="2400" dirty="0"/>
-              <a:t>The ﬁrst column is the ﬁlename</a:t>
-            </a:r>
-          </a:p>
-          <a:p>
-            <a:pPr marL="342900" indent="-342900">
-              <a:buFont typeface="Arial" panose="020B0604020202020204" pitchFamily="34" charset="0"/>
-              <a:buChar char="•"/>
-            </a:pPr>
+              <a:t>Logistic Regression </a:t>
+            </a:r>
+          </a:p>
+          <a:p>
             <a:r>
               <a:rPr lang="en-SG" sz="2400" dirty="0"/>
-              <a:t>The second column is location of 'V' beat in second</a:t>
+              <a:t>(C=0.001, optimal threshold = 0.198)</a:t>
             </a:r>
           </a:p>
           <a:p>
@@ -5491,15 +5570,66 @@
           <a:p>
             <a:r>
               <a:rPr lang="en-SG" sz="2400" dirty="0"/>
-              <a:t>See test_results.csv</a:t>
-            </a:r>
-          </a:p>
-        </p:txBody>
-      </p:sp>
+              <a:t>Split 80/20 for train/validate</a:t>
+            </a:r>
+          </a:p>
+          <a:p>
+            <a:endParaRPr lang="en-SG" sz="2400" dirty="0"/>
+          </a:p>
+          <a:p>
+            <a:r>
+              <a:rPr lang="en-SG" sz="2400" dirty="0"/>
+              <a:t>Accuracy score is </a:t>
+            </a:r>
+          </a:p>
+          <a:p>
+            <a:r>
+              <a:rPr lang="en-SG" sz="2400" dirty="0"/>
+              <a:t>Training: 99.9% </a:t>
+            </a:r>
+          </a:p>
+          <a:p>
+            <a:r>
+              <a:rPr lang="en-SG" sz="2400" dirty="0"/>
+              <a:t>Validation: 99.7%</a:t>
+            </a:r>
+          </a:p>
+        </p:txBody>
+      </p:sp>
+      <p:pic>
+        <p:nvPicPr>
+          <p:cNvPr id="3" name="Picture 2">
+            <a:extLst>
+              <a:ext uri="{FF2B5EF4-FFF2-40B4-BE49-F238E27FC236}">
+                <a16:creationId xmlns:a16="http://schemas.microsoft.com/office/drawing/2014/main" id="{999DF8EB-E1F2-46E7-B2A8-330330C5A207}"/>
+              </a:ext>
+            </a:extLst>
+          </p:cNvPr>
+          <p:cNvPicPr>
+            <a:picLocks noChangeAspect="1"/>
+          </p:cNvPicPr>
+          <p:nvPr/>
+        </p:nvPicPr>
+        <p:blipFill>
+          <a:blip r:embed="rId2"/>
+          <a:stretch>
+            <a:fillRect/>
+          </a:stretch>
+        </p:blipFill>
+        <p:spPr>
+          <a:xfrm>
+            <a:off x="6691176" y="2021205"/>
+            <a:ext cx="3114675" cy="3181350"/>
+          </a:xfrm>
+          <a:prstGeom prst="rect">
+            <a:avLst/>
+          </a:prstGeom>
+        </p:spPr>
+      </p:pic>
     </p:spTree>
     <p:extLst>
       <p:ext uri="{BB962C8B-B14F-4D97-AF65-F5344CB8AC3E}">
-        <p14:creationId xmlns:p14="http://schemas.microsoft.com/office/powerpoint/2010/main" val="523250583"/>
+        <p14:creationId xmlns:p14="http://schemas.microsoft.com/office/powerpoint/2010/main" val="1946986691"/>
       </p:ext>
     </p:extLst>
   </p:cSld>
@@ -5541,6 +5671,204 @@
         <p:spPr>
           <a:xfrm>
             <a:off x="577937" y="297933"/>
+            <a:ext cx="2338397" cy="523220"/>
+          </a:xfrm>
+          <a:prstGeom prst="rect">
+            <a:avLst/>
+          </a:prstGeom>
+        </p:spPr>
+        <p:txBody>
+          <a:bodyPr wrap="none">
+            <a:spAutoFit/>
+          </a:bodyPr>
+          <a:lstStyle/>
+          <a:p>
+            <a:r>
+              <a:rPr lang="en-SG" sz="2800" dirty="0"/>
+              <a:t>Test the model</a:t>
+            </a:r>
+          </a:p>
+        </p:txBody>
+      </p:sp>
+      <p:sp>
+        <p:nvSpPr>
+          <p:cNvPr id="2" name="Rectangle 1">
+            <a:extLst>
+              <a:ext uri="{FF2B5EF4-FFF2-40B4-BE49-F238E27FC236}">
+                <a16:creationId xmlns:a16="http://schemas.microsoft.com/office/drawing/2014/main" id="{99DC96F4-AF3E-486E-9EEE-D2F999D0D11B}"/>
+              </a:ext>
+            </a:extLst>
+          </p:cNvPr>
+          <p:cNvSpPr/>
+          <p:nvPr/>
+        </p:nvSpPr>
+        <p:spPr>
+          <a:xfrm>
+            <a:off x="1701342" y="1652340"/>
+            <a:ext cx="7712623" cy="3785652"/>
+          </a:xfrm>
+          <a:prstGeom prst="rect">
+            <a:avLst/>
+          </a:prstGeom>
+        </p:spPr>
+        <p:txBody>
+          <a:bodyPr wrap="square">
+            <a:spAutoFit/>
+          </a:bodyPr>
+          <a:lstStyle/>
+          <a:p>
+            <a:r>
+              <a:rPr lang="en-SG" sz="2400" dirty="0"/>
+              <a:t>Model prediction of test data in csv ﬁle (180 rows): </a:t>
+            </a:r>
+          </a:p>
+          <a:p>
+            <a:pPr marL="342900" indent="-342900">
+              <a:buFont typeface="Arial" panose="020B0604020202020204" pitchFamily="34" charset="0"/>
+              <a:buChar char="•"/>
+            </a:pPr>
+            <a:r>
+              <a:rPr lang="en-SG" sz="2400" dirty="0"/>
+              <a:t>The ﬁrst column is the ﬁlename</a:t>
+            </a:r>
+          </a:p>
+          <a:p>
+            <a:pPr marL="342900" indent="-342900">
+              <a:buFont typeface="Arial" panose="020B0604020202020204" pitchFamily="34" charset="0"/>
+              <a:buChar char="•"/>
+            </a:pPr>
+            <a:r>
+              <a:rPr lang="en-SG" sz="2400" dirty="0"/>
+              <a:t>The second column is location of 'V' beat in second</a:t>
+            </a:r>
+          </a:p>
+          <a:p>
+            <a:endParaRPr lang="en-SG" sz="2400" dirty="0"/>
+          </a:p>
+          <a:p>
+            <a:endParaRPr lang="en-SG" sz="2400" dirty="0"/>
+          </a:p>
+          <a:p>
+            <a:r>
+              <a:rPr lang="en-SG" sz="2400" dirty="0"/>
+              <a:t>	   test_results.csv</a:t>
+            </a:r>
+          </a:p>
+          <a:p>
+            <a:endParaRPr lang="en-SG" sz="2400" dirty="0"/>
+          </a:p>
+          <a:p>
+            <a:endParaRPr lang="en-SG" sz="2400" dirty="0"/>
+          </a:p>
+          <a:p>
+            <a:r>
+              <a:rPr lang="en-SG" sz="2400" dirty="0"/>
+              <a:t>Notebook and more details:</a:t>
+            </a:r>
+          </a:p>
+          <a:p>
+            <a:r>
+              <a:rPr lang="en-SG" sz="2400" dirty="0">
+                <a:hlinkClick r:id="rId2"/>
+              </a:rPr>
+              <a:t>https://github.com/JNYH/ecg_vbeat</a:t>
+            </a:r>
+            <a:endParaRPr lang="en-SG" sz="2400" dirty="0"/>
+          </a:p>
+        </p:txBody>
+      </p:sp>
+      <p:pic>
+        <p:nvPicPr>
+          <p:cNvPr id="1026" name="Picture 2" descr="Related image">
+            <a:extLst>
+              <a:ext uri="{FF2B5EF4-FFF2-40B4-BE49-F238E27FC236}">
+                <a16:creationId xmlns:a16="http://schemas.microsoft.com/office/drawing/2014/main" id="{786C9E83-7BBC-4D8A-ABF8-E3891C9626B4}"/>
+              </a:ext>
+            </a:extLst>
+          </p:cNvPr>
+          <p:cNvPicPr>
+            <a:picLocks noChangeAspect="1" noChangeArrowheads="1"/>
+          </p:cNvPicPr>
+          <p:nvPr/>
+        </p:nvPicPr>
+        <p:blipFill>
+          <a:blip r:embed="rId3">
+            <a:extLst>
+              <a:ext uri="{28A0092B-C50C-407E-A947-70E740481C1C}">
+                <a14:useLocalDpi xmlns:a14="http://schemas.microsoft.com/office/drawing/2010/main" val="0"/>
+              </a:ext>
+            </a:extLst>
+          </a:blip>
+          <a:srcRect/>
+          <a:stretch>
+            <a:fillRect/>
+          </a:stretch>
+        </p:blipFill>
+        <p:spPr bwMode="auto">
+          <a:xfrm>
+            <a:off x="1701342" y="3004127"/>
+            <a:ext cx="1219200" cy="1219200"/>
+          </a:xfrm>
+          <a:prstGeom prst="rect">
+            <a:avLst/>
+          </a:prstGeom>
+          <a:noFill/>
+          <a:extLst>
+            <a:ext uri="{909E8E84-426E-40DD-AFC4-6F175D3DCCD1}">
+              <a14:hiddenFill xmlns:a14="http://schemas.microsoft.com/office/drawing/2010/main">
+                <a:solidFill>
+                  <a:srgbClr val="FFFFFF"/>
+                </a:solidFill>
+              </a14:hiddenFill>
+            </a:ext>
+          </a:extLst>
+        </p:spPr>
+      </p:pic>
+    </p:spTree>
+    <p:extLst>
+      <p:ext uri="{BB962C8B-B14F-4D97-AF65-F5344CB8AC3E}">
+        <p14:creationId xmlns:p14="http://schemas.microsoft.com/office/powerpoint/2010/main" val="523250583"/>
+      </p:ext>
+    </p:extLst>
+  </p:cSld>
+  <p:clrMapOvr>
+    <a:masterClrMapping/>
+  </p:clrMapOvr>
+</p:sld>
+</file>
+
+<file path=ppt/slides/slide7.xml><?xml version="1.0" encoding="utf-8"?>
+<p:sld xmlns:a="http://schemas.openxmlformats.org/drawingml/2006/main" xmlns:r="http://schemas.openxmlformats.org/officeDocument/2006/relationships" xmlns:p="http://schemas.openxmlformats.org/presentationml/2006/main">
+  <p:cSld>
+    <p:spTree>
+      <p:nvGrpSpPr>
+        <p:cNvPr id="1" name=""/>
+        <p:cNvGrpSpPr/>
+        <p:nvPr/>
+      </p:nvGrpSpPr>
+      <p:grpSpPr>
+        <a:xfrm>
+          <a:off x="0" y="0"/>
+          <a:ext cx="0" cy="0"/>
+          <a:chOff x="0" y="0"/>
+          <a:chExt cx="0" cy="0"/>
+        </a:xfrm>
+      </p:grpSpPr>
+      <p:sp>
+        <p:nvSpPr>
+          <p:cNvPr id="4" name="Rectangle 3">
+            <a:extLst>
+              <a:ext uri="{FF2B5EF4-FFF2-40B4-BE49-F238E27FC236}">
+                <a16:creationId xmlns:a16="http://schemas.microsoft.com/office/drawing/2014/main" id="{AE5F455D-4D95-4CB5-A5EE-6A25894B548B}"/>
+              </a:ext>
+            </a:extLst>
+          </p:cNvPr>
+          <p:cNvSpPr/>
+          <p:nvPr/>
+        </p:nvSpPr>
+        <p:spPr>
+          <a:xfrm>
+            <a:off x="577937" y="297933"/>
             <a:ext cx="5043753" cy="523220"/>
           </a:xfrm>
           <a:prstGeom prst="rect">
@@ -5669,7 +5997,7 @@
         </p:blipFill>
         <p:spPr>
           <a:xfrm>
-            <a:off x="8290560" y="445792"/>
+            <a:off x="8290560" y="152177"/>
             <a:ext cx="2648991" cy="5264453"/>
           </a:xfrm>
           <a:prstGeom prst="rect">
@@ -5698,7 +6026,7 @@
         </p:nvCxnSpPr>
         <p:spPr>
           <a:xfrm flipH="1">
-            <a:off x="9790020" y="417551"/>
+            <a:off x="9790020" y="358828"/>
             <a:ext cx="8709" cy="5947954"/>
           </a:xfrm>
           <a:prstGeom prst="line">
@@ -5742,7 +6070,7 @@
         </p:nvCxnSpPr>
         <p:spPr>
           <a:xfrm flipH="1">
-            <a:off x="9302340" y="417551"/>
+            <a:off x="9302340" y="358828"/>
             <a:ext cx="8709" cy="5947954"/>
           </a:xfrm>
           <a:prstGeom prst="line">
@@ -5786,7 +6114,7 @@
         </p:nvCxnSpPr>
         <p:spPr>
           <a:xfrm flipH="1">
-            <a:off x="10314120" y="417551"/>
+            <a:off x="10314120" y="358828"/>
             <a:ext cx="8709" cy="5947954"/>
           </a:xfrm>
           <a:prstGeom prst="line">
@@ -5828,8 +6156,8 @@
         </p:nvSpPr>
         <p:spPr>
           <a:xfrm>
-            <a:off x="8855925" y="5728829"/>
-            <a:ext cx="418704" cy="646331"/>
+            <a:off x="8853520" y="5435214"/>
+            <a:ext cx="423514" cy="923330"/>
           </a:xfrm>
           <a:prstGeom prst="rect">
             <a:avLst/>
@@ -5844,6 +6172,13 @@
             <a:pPr algn="ctr"/>
             <a:r>
               <a:rPr lang="en-SG" dirty="0"/>
+              <a:t>q1</a:t>
+            </a:r>
+          </a:p>
+          <a:p>
+            <a:pPr algn="ctr"/>
+            <a:r>
+              <a:rPr lang="en-SG" dirty="0"/>
               <a:t>0</a:t>
             </a:r>
           </a:p>
@@ -5870,8 +6205,8 @@
         </p:nvSpPr>
         <p:spPr>
           <a:xfrm>
-            <a:off x="9302340" y="5738122"/>
-            <a:ext cx="418704" cy="646331"/>
+            <a:off x="9299935" y="5444507"/>
+            <a:ext cx="423513" cy="923330"/>
           </a:xfrm>
           <a:prstGeom prst="rect">
             <a:avLst/>
@@ -5886,6 +6221,13 @@
             <a:pPr algn="ctr"/>
             <a:r>
               <a:rPr lang="en-SG" dirty="0"/>
+              <a:t>q2</a:t>
+            </a:r>
+          </a:p>
+          <a:p>
+            <a:pPr algn="ctr"/>
+            <a:r>
+              <a:rPr lang="en-SG" dirty="0"/>
               <a:t>37</a:t>
             </a:r>
           </a:p>
@@ -5912,8 +6254,8 @@
         </p:nvSpPr>
         <p:spPr>
           <a:xfrm>
-            <a:off x="9740219" y="5738122"/>
-            <a:ext cx="535724" cy="646331"/>
+            <a:off x="9740219" y="5444507"/>
+            <a:ext cx="535723" cy="923330"/>
           </a:xfrm>
           <a:prstGeom prst="rect">
             <a:avLst/>
@@ -5928,6 +6270,13 @@
             <a:pPr algn="ctr"/>
             <a:r>
               <a:rPr lang="en-SG" dirty="0"/>
+              <a:t>q3</a:t>
+            </a:r>
+          </a:p>
+          <a:p>
+            <a:pPr algn="ctr"/>
+            <a:r>
+              <a:rPr lang="en-SG" dirty="0"/>
               <a:t>75</a:t>
             </a:r>
           </a:p>
@@ -5954,8 +6303,8 @@
         </p:nvSpPr>
         <p:spPr>
           <a:xfrm>
-            <a:off x="10275943" y="5738122"/>
-            <a:ext cx="535723" cy="646331"/>
+            <a:off x="10275943" y="5444507"/>
+            <a:ext cx="535723" cy="923330"/>
           </a:xfrm>
           <a:prstGeom prst="rect">
             <a:avLst/>
@@ -5966,6 +6315,13 @@
             <a:spAutoFit/>
           </a:bodyPr>
           <a:lstStyle/>
+          <a:p>
+            <a:pPr algn="ctr"/>
+            <a:r>
+              <a:rPr lang="en-SG" dirty="0"/>
+              <a:t>q4</a:t>
+            </a:r>
+          </a:p>
           <a:p>
             <a:pPr algn="ctr"/>
             <a:r>

--- a/ecg_vbeat.pptx
+++ b/ecg_vbeat.pptx
@@ -5535,7 +5535,7 @@
         <p:spPr>
           <a:xfrm>
             <a:off x="975360" y="1459915"/>
-            <a:ext cx="5320937" cy="3416320"/>
+            <a:ext cx="5320937" cy="4154984"/>
           </a:xfrm>
           <a:prstGeom prst="rect">
             <a:avLst/>
@@ -5549,13 +5549,17 @@
           <a:p>
             <a:r>
               <a:rPr lang="en-SG" sz="2400" dirty="0"/>
-              <a:t>Model: </a:t>
-            </a:r>
-          </a:p>
-          <a:p>
+              <a:t>Model for binary classification: </a:t>
+            </a:r>
+          </a:p>
+          <a:p>
+            <a:r>
+              <a:rPr lang="en-SG" sz="2400" b="1" dirty="0"/>
+              <a:t>Logistic Regression</a:t>
+            </a:r>
             <a:r>
               <a:rPr lang="en-SG" sz="2400" dirty="0"/>
-              <a:t>Logistic Regression </a:t>
+              <a:t> </a:t>
             </a:r>
           </a:p>
           <a:p>
@@ -5568,6 +5572,9 @@
             <a:endParaRPr lang="en-SG" sz="2400" dirty="0"/>
           </a:p>
           <a:p>
+            <a:endParaRPr lang="en-SG" sz="2400" dirty="0"/>
+          </a:p>
+          <a:p>
             <a:r>
               <a:rPr lang="en-SG" sz="2400" dirty="0"/>
               <a:t>Split 80/20 for train/validate</a:t>
@@ -5577,9 +5584,12 @@
             <a:endParaRPr lang="en-SG" sz="2400" dirty="0"/>
           </a:p>
           <a:p>
+            <a:endParaRPr lang="en-SG" sz="2400" dirty="0"/>
+          </a:p>
+          <a:p>
             <a:r>
               <a:rPr lang="en-SG" sz="2400" dirty="0"/>
-              <a:t>Accuracy score is </a:t>
+              <a:t>Accuracy score achieved: </a:t>
             </a:r>
           </a:p>
           <a:p>
@@ -5626,6 +5636,48 @@
           </a:prstGeom>
         </p:spPr>
       </p:pic>
+      <p:sp>
+        <p:nvSpPr>
+          <p:cNvPr id="5" name="Rectangle 4">
+            <a:extLst>
+              <a:ext uri="{FF2B5EF4-FFF2-40B4-BE49-F238E27FC236}">
+                <a16:creationId xmlns:a16="http://schemas.microsoft.com/office/drawing/2014/main" id="{E96FFE87-2402-40BF-9573-C4FA18FB0DF8}"/>
+              </a:ext>
+            </a:extLst>
+          </p:cNvPr>
+          <p:cNvSpPr/>
+          <p:nvPr/>
+        </p:nvSpPr>
+        <p:spPr>
+          <a:xfrm>
+            <a:off x="6448757" y="5291733"/>
+            <a:ext cx="3599512" cy="646331"/>
+          </a:xfrm>
+          <a:prstGeom prst="rect">
+            <a:avLst/>
+          </a:prstGeom>
+        </p:spPr>
+        <p:txBody>
+          <a:bodyPr wrap="none">
+            <a:spAutoFit/>
+          </a:bodyPr>
+          <a:lstStyle/>
+          <a:p>
+            <a:pPr algn="ctr"/>
+            <a:r>
+              <a:rPr lang="en-SG" dirty="0"/>
+              <a:t>Confusion matrix for validation data </a:t>
+            </a:r>
+          </a:p>
+          <a:p>
+            <a:pPr algn="ctr"/>
+            <a:r>
+              <a:rPr lang="en-SG" dirty="0"/>
+              <a:t>(n=409)</a:t>
+            </a:r>
+          </a:p>
+        </p:txBody>
+      </p:sp>
     </p:spTree>
     <p:extLst>
       <p:ext uri="{BB962C8B-B14F-4D97-AF65-F5344CB8AC3E}">

--- a/ecg_vbeat.pptx
+++ b/ecg_vbeat.pptx
@@ -9,9 +9,9 @@
     <p:sldId id="256" r:id="rId3"/>
     <p:sldId id="257" r:id="rId4"/>
     <p:sldId id="258" r:id="rId5"/>
-    <p:sldId id="259" r:id="rId6"/>
-    <p:sldId id="260" r:id="rId7"/>
-    <p:sldId id="261" r:id="rId8"/>
+    <p:sldId id="261" r:id="rId6"/>
+    <p:sldId id="259" r:id="rId7"/>
+    <p:sldId id="260" r:id="rId8"/>
   </p:sldIdLst>
   <p:sldSz cx="12192000" cy="6858000"/>
   <p:notesSz cx="6858000" cy="9144000"/>
@@ -267,7 +267,7 @@
           <a:p>
             <a:fld id="{46A42295-5F1D-4AEE-AB5B-478418305D41}" type="datetimeFigureOut">
               <a:rPr lang="en-SG" smtClean="0"/>
-              <a:t>11/10/2019</a:t>
+              <a:t>12/10/2019</a:t>
             </a:fld>
             <a:endParaRPr lang="en-SG"/>
           </a:p>
@@ -467,7 +467,7 @@
           <a:p>
             <a:fld id="{46A42295-5F1D-4AEE-AB5B-478418305D41}" type="datetimeFigureOut">
               <a:rPr lang="en-SG" smtClean="0"/>
-              <a:t>11/10/2019</a:t>
+              <a:t>12/10/2019</a:t>
             </a:fld>
             <a:endParaRPr lang="en-SG"/>
           </a:p>
@@ -677,7 +677,7 @@
           <a:p>
             <a:fld id="{46A42295-5F1D-4AEE-AB5B-478418305D41}" type="datetimeFigureOut">
               <a:rPr lang="en-SG" smtClean="0"/>
-              <a:t>11/10/2019</a:t>
+              <a:t>12/10/2019</a:t>
             </a:fld>
             <a:endParaRPr lang="en-SG"/>
           </a:p>
@@ -877,7 +877,7 @@
           <a:p>
             <a:fld id="{46A42295-5F1D-4AEE-AB5B-478418305D41}" type="datetimeFigureOut">
               <a:rPr lang="en-SG" smtClean="0"/>
-              <a:t>11/10/2019</a:t>
+              <a:t>12/10/2019</a:t>
             </a:fld>
             <a:endParaRPr lang="en-SG"/>
           </a:p>
@@ -1153,7 +1153,7 @@
           <a:p>
             <a:fld id="{46A42295-5F1D-4AEE-AB5B-478418305D41}" type="datetimeFigureOut">
               <a:rPr lang="en-SG" smtClean="0"/>
-              <a:t>11/10/2019</a:t>
+              <a:t>12/10/2019</a:t>
             </a:fld>
             <a:endParaRPr lang="en-SG"/>
           </a:p>
@@ -1421,7 +1421,7 @@
           <a:p>
             <a:fld id="{46A42295-5F1D-4AEE-AB5B-478418305D41}" type="datetimeFigureOut">
               <a:rPr lang="en-SG" smtClean="0"/>
-              <a:t>11/10/2019</a:t>
+              <a:t>12/10/2019</a:t>
             </a:fld>
             <a:endParaRPr lang="en-SG"/>
           </a:p>
@@ -1836,7 +1836,7 @@
           <a:p>
             <a:fld id="{46A42295-5F1D-4AEE-AB5B-478418305D41}" type="datetimeFigureOut">
               <a:rPr lang="en-SG" smtClean="0"/>
-              <a:t>11/10/2019</a:t>
+              <a:t>12/10/2019</a:t>
             </a:fld>
             <a:endParaRPr lang="en-SG"/>
           </a:p>
@@ -1978,7 +1978,7 @@
           <a:p>
             <a:fld id="{46A42295-5F1D-4AEE-AB5B-478418305D41}" type="datetimeFigureOut">
               <a:rPr lang="en-SG" smtClean="0"/>
-              <a:t>11/10/2019</a:t>
+              <a:t>12/10/2019</a:t>
             </a:fld>
             <a:endParaRPr lang="en-SG"/>
           </a:p>
@@ -2091,7 +2091,7 @@
           <a:p>
             <a:fld id="{46A42295-5F1D-4AEE-AB5B-478418305D41}" type="datetimeFigureOut">
               <a:rPr lang="en-SG" smtClean="0"/>
-              <a:t>11/10/2019</a:t>
+              <a:t>12/10/2019</a:t>
             </a:fld>
             <a:endParaRPr lang="en-SG"/>
           </a:p>
@@ -2404,7 +2404,7 @@
           <a:p>
             <a:fld id="{46A42295-5F1D-4AEE-AB5B-478418305D41}" type="datetimeFigureOut">
               <a:rPr lang="en-SG" smtClean="0"/>
-              <a:t>11/10/2019</a:t>
+              <a:t>12/10/2019</a:t>
             </a:fld>
             <a:endParaRPr lang="en-SG"/>
           </a:p>
@@ -2693,7 +2693,7 @@
           <a:p>
             <a:fld id="{46A42295-5F1D-4AEE-AB5B-478418305D41}" type="datetimeFigureOut">
               <a:rPr lang="en-SG" smtClean="0"/>
-              <a:t>11/10/2019</a:t>
+              <a:t>12/10/2019</a:t>
             </a:fld>
             <a:endParaRPr lang="en-SG"/>
           </a:p>
@@ -2936,7 +2936,7 @@
           <a:p>
             <a:fld id="{46A42295-5F1D-4AEE-AB5B-478418305D41}" type="datetimeFigureOut">
               <a:rPr lang="en-SG" smtClean="0"/>
-              <a:t>11/10/2019</a:t>
+              <a:t>12/10/2019</a:t>
             </a:fld>
             <a:endParaRPr lang="en-SG"/>
           </a:p>
@@ -3471,13 +3471,13 @@
         </p:nvPicPr>
         <p:blipFill rotWithShape="1">
           <a:blip r:embed="rId2"/>
-          <a:srcRect l="57702" r="12821"/>
+          <a:srcRect l="57702" r="12821" b="1404"/>
           <a:stretch/>
         </p:blipFill>
         <p:spPr>
           <a:xfrm>
-            <a:off x="7654882" y="1401595"/>
-            <a:ext cx="3286561" cy="4558145"/>
+            <a:off x="7654882" y="1401596"/>
+            <a:ext cx="3286561" cy="4494108"/>
           </a:xfrm>
           <a:prstGeom prst="rect">
             <a:avLst/>
@@ -3651,7 +3651,7 @@
         <p:spPr>
           <a:xfrm>
             <a:off x="6654085" y="1677798"/>
-            <a:ext cx="3186201" cy="8389"/>
+            <a:ext cx="2594418" cy="0"/>
           </a:xfrm>
           <a:prstGeom prst="line">
             <a:avLst/>
@@ -4426,20 +4426,27 @@
           </p:cNvPicPr>
           <p:nvPr/>
         </p:nvPicPr>
-        <p:blipFill>
+        <p:blipFill rotWithShape="1">
           <a:blip r:embed="rId2"/>
-          <a:stretch>
-            <a:fillRect/>
-          </a:stretch>
+          <a:srcRect b="1033"/>
+          <a:stretch/>
         </p:blipFill>
         <p:spPr>
           <a:xfrm>
-            <a:off x="0" y="816785"/>
-            <a:ext cx="12192000" cy="4984318"/>
+            <a:off x="76200" y="816785"/>
+            <a:ext cx="12039600" cy="4932836"/>
           </a:xfrm>
           <a:prstGeom prst="rect">
             <a:avLst/>
           </a:prstGeom>
+          <a:solidFill>
+            <a:schemeClr val="bg1"/>
+          </a:solidFill>
+          <a:ln w="3175">
+            <a:solidFill>
+              <a:schemeClr val="tx1"/>
+            </a:solidFill>
+          </a:ln>
         </p:spPr>
       </p:pic>
       <p:sp>
@@ -4456,7 +4463,7 @@
         </p:nvSpPr>
         <p:spPr>
           <a:xfrm>
-            <a:off x="7841409" y="1108379"/>
+            <a:off x="7841409" y="1058045"/>
             <a:ext cx="1043709" cy="4396509"/>
           </a:xfrm>
           <a:prstGeom prst="rect">
@@ -4509,7 +4516,7 @@
         </p:nvSpPr>
         <p:spPr>
           <a:xfrm>
-            <a:off x="5481386" y="1108378"/>
+            <a:off x="5481386" y="1058044"/>
             <a:ext cx="1043709" cy="4396509"/>
           </a:xfrm>
           <a:prstGeom prst="rect">
@@ -5181,15 +5188,17 @@
           </a:bodyPr>
           <a:lstStyle/>
           <a:p>
+            <a:pPr algn="ctr"/>
             <a:r>
               <a:rPr lang="en-SG" dirty="0"/>
               <a:t>Other beat</a:t>
             </a:r>
           </a:p>
           <a:p>
+            <a:pPr algn="ctr"/>
             <a:r>
               <a:rPr lang="en-SG" dirty="0"/>
-              <a:t>n=930 </a:t>
+              <a:t>n = 2,098 </a:t>
             </a:r>
           </a:p>
         </p:txBody>
@@ -5209,7 +5218,7 @@
         <p:spPr>
           <a:xfrm>
             <a:off x="6506421" y="4634750"/>
-            <a:ext cx="889987" cy="646331"/>
+            <a:ext cx="1053494" cy="646331"/>
           </a:xfrm>
           <a:prstGeom prst="rect">
             <a:avLst/>
@@ -5221,15 +5230,17 @@
           </a:bodyPr>
           <a:lstStyle/>
           <a:p>
+            <a:pPr algn="ctr"/>
             <a:r>
               <a:rPr lang="en-SG" dirty="0"/>
               <a:t>V-beat</a:t>
             </a:r>
           </a:p>
           <a:p>
+            <a:pPr algn="ctr"/>
             <a:r>
               <a:rPr lang="en-SG" dirty="0"/>
-              <a:t>n=1113</a:t>
+              <a:t>n = 1,113</a:t>
             </a:r>
           </a:p>
         </p:txBody>
@@ -5331,7 +5342,7 @@
           <a:p>
             <a:r>
               <a:rPr lang="en-SG" dirty="0"/>
-              <a:t>150</a:t>
+              <a:t>160</a:t>
             </a:r>
           </a:p>
         </p:txBody>
@@ -5365,7 +5376,7 @@
           <a:p>
             <a:r>
               <a:rPr lang="en-SG" dirty="0"/>
-              <a:t>150</a:t>
+              <a:t>160</a:t>
             </a:r>
           </a:p>
         </p:txBody>
@@ -5407,7 +5418,7 @@
             <a:pPr algn="ctr"/>
             <a:r>
               <a:rPr lang="en-SG" dirty="0"/>
-              <a:t>n=2043</a:t>
+              <a:t>n = 3,211</a:t>
             </a:r>
           </a:p>
         </p:txBody>
@@ -5501,7 +5512,7 @@
         <p:spPr>
           <a:xfrm>
             <a:off x="577937" y="297933"/>
-            <a:ext cx="5489836" cy="523220"/>
+            <a:ext cx="3103222" cy="523220"/>
           </a:xfrm>
           <a:prstGeom prst="rect">
             <a:avLst/>
@@ -5514,9 +5525,10 @@
           <a:lstStyle/>
           <a:p>
             <a:r>
-              <a:rPr lang="en-SG" sz="2800" dirty="0"/>
-              <a:t>Model selection, Train/Fit the model</a:t>
-            </a:r>
+              <a:rPr lang="en-US" sz="2800" dirty="0"/>
+              <a:t>Feature Engineering</a:t>
+            </a:r>
+            <a:endParaRPr lang="en-SG" sz="2800" dirty="0"/>
           </a:p>
         </p:txBody>
       </p:sp>
@@ -5525,7 +5537,7 @@
           <p:cNvPr id="2" name="Rectangle 1">
             <a:extLst>
               <a:ext uri="{FF2B5EF4-FFF2-40B4-BE49-F238E27FC236}">
-                <a16:creationId xmlns:a16="http://schemas.microsoft.com/office/drawing/2014/main" id="{2A1BFD86-D0BA-4A6E-B014-EE5C5829E17F}"/>
+                <a16:creationId xmlns:a16="http://schemas.microsoft.com/office/drawing/2014/main" id="{99DC96F4-AF3E-486E-9EEE-D2F999D0D11B}"/>
               </a:ext>
             </a:extLst>
           </p:cNvPr>
@@ -5534,8 +5546,8 @@
         </p:nvSpPr>
         <p:spPr>
           <a:xfrm>
-            <a:off x="975360" y="1459915"/>
-            <a:ext cx="5320937" cy="4154984"/>
+            <a:off x="577937" y="1344580"/>
+            <a:ext cx="7712623" cy="3785652"/>
           </a:xfrm>
           <a:prstGeom prst="rect">
             <a:avLst/>
@@ -5549,69 +5561,97 @@
           <a:p>
             <a:r>
               <a:rPr lang="en-SG" sz="2400" dirty="0"/>
-              <a:t>Model for binary classification: </a:t>
-            </a:r>
-          </a:p>
-          <a:p>
-            <a:r>
-              <a:rPr lang="en-SG" sz="2400" b="1" dirty="0"/>
-              <a:t>Logistic Regression</a:t>
-            </a:r>
+              <a:t>To improve the model with summary statistics</a:t>
+            </a:r>
+          </a:p>
+          <a:p>
+            <a:endParaRPr lang="en-SG" sz="2400" dirty="0"/>
+          </a:p>
+          <a:p>
             <a:r>
               <a:rPr lang="en-SG" sz="2400" dirty="0"/>
-              <a:t> </a:t>
-            </a:r>
-          </a:p>
-          <a:p>
+              <a:t>Additional 16 features:</a:t>
+            </a:r>
+          </a:p>
+          <a:p>
+            <a:pPr marL="342900" indent="-342900">
+              <a:buFontTx/>
+              <a:buChar char="-"/>
+            </a:pPr>
             <a:r>
               <a:rPr lang="en-SG" sz="2400" dirty="0"/>
-              <a:t>(C=0.001, optimal threshold = 0.198)</a:t>
-            </a:r>
-          </a:p>
-          <a:p>
+              <a:t>Split into 4 quadrants</a:t>
+            </a:r>
+          </a:p>
+          <a:p>
+            <a:pPr marL="342900" indent="-342900">
+              <a:buFontTx/>
+              <a:buChar char="-"/>
+            </a:pPr>
+            <a:r>
+              <a:rPr lang="en-SG" sz="2400" dirty="0"/>
+              <a:t>Find min, max, mean, median for each quadrant</a:t>
+            </a:r>
+          </a:p>
+          <a:p>
+            <a:pPr marL="342900" indent="-342900">
+              <a:buFontTx/>
+              <a:buChar char="-"/>
+            </a:pPr>
             <a:endParaRPr lang="en-SG" sz="2400" dirty="0"/>
           </a:p>
           <a:p>
-            <a:endParaRPr lang="en-SG" sz="2400" dirty="0"/>
-          </a:p>
-          <a:p>
             <a:r>
               <a:rPr lang="en-SG" sz="2400" dirty="0"/>
-              <a:t>Split 80/20 for train/validate</a:t>
-            </a:r>
-          </a:p>
-          <a:p>
-            <a:endParaRPr lang="en-SG" sz="2400" dirty="0"/>
-          </a:p>
-          <a:p>
-            <a:endParaRPr lang="en-SG" sz="2400" dirty="0"/>
-          </a:p>
-          <a:p>
+              <a:t>Additional 12 features:</a:t>
+            </a:r>
+          </a:p>
+          <a:p>
+            <a:pPr marL="342900" indent="-342900">
+              <a:buFontTx/>
+              <a:buChar char="-"/>
+            </a:pPr>
             <a:r>
               <a:rPr lang="en-SG" sz="2400" dirty="0"/>
-              <a:t>Accuracy score achieved: </a:t>
-            </a:r>
-          </a:p>
-          <a:p>
+              <a:t>Split into 4 quadrants</a:t>
+            </a:r>
+          </a:p>
+          <a:p>
+            <a:pPr marL="342900" indent="-342900">
+              <a:buFontTx/>
+              <a:buChar char="-"/>
+            </a:pPr>
             <a:r>
               <a:rPr lang="en-SG" sz="2400" dirty="0"/>
-              <a:t>Training: 99.9% </a:t>
-            </a:r>
-          </a:p>
-          <a:p>
+              <a:t>Combine 2 consecutive quadrants (</a:t>
+            </a:r>
+            <a:r>
+              <a:rPr lang="en-SG" sz="2400" dirty="0" err="1"/>
+              <a:t>ie</a:t>
+            </a:r>
             <a:r>
               <a:rPr lang="en-SG" sz="2400" dirty="0"/>
-              <a:t>Validation: 99.7%</a:t>
+              <a:t>, 3 segments)</a:t>
+            </a:r>
+          </a:p>
+          <a:p>
+            <a:pPr marL="342900" indent="-342900">
+              <a:buFontTx/>
+              <a:buChar char="-"/>
+            </a:pPr>
+            <a:r>
+              <a:rPr lang="en-SG" sz="2400" dirty="0"/>
+              <a:t>Find min, max, mean, median for each segment</a:t>
             </a:r>
           </a:p>
         </p:txBody>
       </p:sp>
       <p:pic>
         <p:nvPicPr>
-          <p:cNvPr id="3" name="Picture 2">
-            <a:extLst>
-              <a:ext uri="{FF2B5EF4-FFF2-40B4-BE49-F238E27FC236}">
-                <a16:creationId xmlns:a16="http://schemas.microsoft.com/office/drawing/2014/main" id="{999DF8EB-E1F2-46E7-B2A8-330330C5A207}"/>
+          <p:cNvPr id="5" name="Picture 4">
+            <a:extLst>
+              <a:ext uri="{FF2B5EF4-FFF2-40B4-BE49-F238E27FC236}">
+                <a16:creationId xmlns:a16="http://schemas.microsoft.com/office/drawing/2014/main" id="{0D31A24F-E553-4D3F-ABFB-C44FEB487ABF}"/>
               </a:ext>
             </a:extLst>
           </p:cNvPr>
@@ -5628,20 +5668,160 @@
         </p:blipFill>
         <p:spPr>
           <a:xfrm>
-            <a:off x="6691176" y="2021205"/>
-            <a:ext cx="3114675" cy="3181350"/>
+            <a:off x="8290560" y="333248"/>
+            <a:ext cx="2648991" cy="4403045"/>
           </a:xfrm>
           <a:prstGeom prst="rect">
             <a:avLst/>
           </a:prstGeom>
+          <a:solidFill>
+            <a:schemeClr val="accent1"/>
+          </a:solidFill>
+          <a:ln w="28575">
+            <a:noFill/>
+            <a:prstDash val="lgDash"/>
+          </a:ln>
+          <a:effectLst/>
         </p:spPr>
       </p:pic>
-      <p:sp>
-        <p:nvSpPr>
-          <p:cNvPr id="5" name="Rectangle 4">
-            <a:extLst>
-              <a:ext uri="{FF2B5EF4-FFF2-40B4-BE49-F238E27FC236}">
-                <a16:creationId xmlns:a16="http://schemas.microsoft.com/office/drawing/2014/main" id="{E96FFE87-2402-40BF-9573-C4FA18FB0DF8}"/>
+      <p:cxnSp>
+        <p:nvCxnSpPr>
+          <p:cNvPr id="6" name="Straight Connector 5">
+            <a:extLst>
+              <a:ext uri="{FF2B5EF4-FFF2-40B4-BE49-F238E27FC236}">
+                <a16:creationId xmlns:a16="http://schemas.microsoft.com/office/drawing/2014/main" id="{FD002406-C408-4D53-9355-13F527B2C827}"/>
+              </a:ext>
+            </a:extLst>
+          </p:cNvPr>
+          <p:cNvCxnSpPr>
+            <a:cxnSpLocks/>
+          </p:cNvCxnSpPr>
+          <p:nvPr/>
+        </p:nvCxnSpPr>
+        <p:spPr>
+          <a:xfrm>
+            <a:off x="9798730" y="358828"/>
+            <a:ext cx="35263" cy="5319192"/>
+          </a:xfrm>
+          <a:prstGeom prst="line">
+            <a:avLst/>
+          </a:prstGeom>
+          <a:ln w="19050">
+            <a:solidFill>
+              <a:srgbClr val="FF0000"/>
+            </a:solidFill>
+            <a:prstDash val="lgDash"/>
+          </a:ln>
+        </p:spPr>
+        <p:style>
+          <a:lnRef idx="1">
+            <a:schemeClr val="accent1"/>
+          </a:lnRef>
+          <a:fillRef idx="0">
+            <a:schemeClr val="accent1"/>
+          </a:fillRef>
+          <a:effectRef idx="0">
+            <a:schemeClr val="accent1"/>
+          </a:effectRef>
+          <a:fontRef idx="minor">
+            <a:schemeClr val="tx1"/>
+          </a:fontRef>
+        </p:style>
+      </p:cxnSp>
+      <p:cxnSp>
+        <p:nvCxnSpPr>
+          <p:cNvPr id="8" name="Straight Connector 7">
+            <a:extLst>
+              <a:ext uri="{FF2B5EF4-FFF2-40B4-BE49-F238E27FC236}">
+                <a16:creationId xmlns:a16="http://schemas.microsoft.com/office/drawing/2014/main" id="{C644BB3C-88A0-47B0-8BBD-50D77AC7CC5D}"/>
+              </a:ext>
+            </a:extLst>
+          </p:cNvPr>
+          <p:cNvCxnSpPr>
+            <a:cxnSpLocks/>
+          </p:cNvCxnSpPr>
+          <p:nvPr/>
+        </p:nvCxnSpPr>
+        <p:spPr>
+          <a:xfrm>
+            <a:off x="9311050" y="358828"/>
+            <a:ext cx="0" cy="5319192"/>
+          </a:xfrm>
+          <a:prstGeom prst="line">
+            <a:avLst/>
+          </a:prstGeom>
+          <a:ln w="19050">
+            <a:solidFill>
+              <a:srgbClr val="FF0000"/>
+            </a:solidFill>
+            <a:prstDash val="lgDash"/>
+          </a:ln>
+        </p:spPr>
+        <p:style>
+          <a:lnRef idx="1">
+            <a:schemeClr val="accent1"/>
+          </a:lnRef>
+          <a:fillRef idx="0">
+            <a:schemeClr val="accent1"/>
+          </a:fillRef>
+          <a:effectRef idx="0">
+            <a:schemeClr val="accent1"/>
+          </a:effectRef>
+          <a:fontRef idx="minor">
+            <a:schemeClr val="tx1"/>
+          </a:fontRef>
+        </p:style>
+      </p:cxnSp>
+      <p:cxnSp>
+        <p:nvCxnSpPr>
+          <p:cNvPr id="9" name="Straight Connector 8">
+            <a:extLst>
+              <a:ext uri="{FF2B5EF4-FFF2-40B4-BE49-F238E27FC236}">
+                <a16:creationId xmlns:a16="http://schemas.microsoft.com/office/drawing/2014/main" id="{9CAE36A0-5B0F-4D81-A20D-B2E3CDE0B41A}"/>
+              </a:ext>
+            </a:extLst>
+          </p:cNvPr>
+          <p:cNvCxnSpPr>
+            <a:cxnSpLocks/>
+          </p:cNvCxnSpPr>
+          <p:nvPr/>
+        </p:nvCxnSpPr>
+        <p:spPr>
+          <a:xfrm flipH="1">
+            <a:off x="10322829" y="358828"/>
+            <a:ext cx="1" cy="5354667"/>
+          </a:xfrm>
+          <a:prstGeom prst="line">
+            <a:avLst/>
+          </a:prstGeom>
+          <a:ln w="19050">
+            <a:solidFill>
+              <a:srgbClr val="FF0000"/>
+            </a:solidFill>
+            <a:prstDash val="lgDash"/>
+          </a:ln>
+        </p:spPr>
+        <p:style>
+          <a:lnRef idx="1">
+            <a:schemeClr val="accent1"/>
+          </a:lnRef>
+          <a:fillRef idx="0">
+            <a:schemeClr val="accent1"/>
+          </a:fillRef>
+          <a:effectRef idx="0">
+            <a:schemeClr val="accent1"/>
+          </a:effectRef>
+          <a:fontRef idx="minor">
+            <a:schemeClr val="tx1"/>
+          </a:fontRef>
+        </p:style>
+      </p:cxnSp>
+      <p:sp>
+        <p:nvSpPr>
+          <p:cNvPr id="10" name="Rectangle 9">
+            <a:extLst>
+              <a:ext uri="{FF2B5EF4-FFF2-40B4-BE49-F238E27FC236}">
+                <a16:creationId xmlns:a16="http://schemas.microsoft.com/office/drawing/2014/main" id="{0C7B1DE1-0A47-4347-88C5-B2CA9CD0E770}"/>
               </a:ext>
             </a:extLst>
           </p:cNvPr>
@@ -5650,8 +5830,8 @@
         </p:nvSpPr>
         <p:spPr>
           <a:xfrm>
-            <a:off x="6448757" y="5291733"/>
-            <a:ext cx="3599512" cy="646331"/>
+            <a:off x="8853520" y="4780872"/>
+            <a:ext cx="423514" cy="923330"/>
           </a:xfrm>
           <a:prstGeom prst="rect">
             <a:avLst/>
@@ -5666,14 +5846,405 @@
             <a:pPr algn="ctr"/>
             <a:r>
               <a:rPr lang="en-SG" dirty="0"/>
-              <a:t>Confusion matrix for validation data </a:t>
+              <a:t>q1</a:t>
             </a:r>
           </a:p>
           <a:p>
             <a:pPr algn="ctr"/>
             <a:r>
               <a:rPr lang="en-SG" dirty="0"/>
-              <a:t>(n=409)</a:t>
+              <a:t>0</a:t>
+            </a:r>
+          </a:p>
+          <a:p>
+            <a:pPr algn="ctr"/>
+            <a:r>
+              <a:rPr lang="en-SG" dirty="0"/>
+              <a:t>39</a:t>
+            </a:r>
+          </a:p>
+        </p:txBody>
+      </p:sp>
+      <p:sp>
+        <p:nvSpPr>
+          <p:cNvPr id="11" name="Rectangle 10">
+            <a:extLst>
+              <a:ext uri="{FF2B5EF4-FFF2-40B4-BE49-F238E27FC236}">
+                <a16:creationId xmlns:a16="http://schemas.microsoft.com/office/drawing/2014/main" id="{68474FAB-091E-428B-BBE3-951B764D4029}"/>
+              </a:ext>
+            </a:extLst>
+          </p:cNvPr>
+          <p:cNvSpPr/>
+          <p:nvPr/>
+        </p:nvSpPr>
+        <p:spPr>
+          <a:xfrm>
+            <a:off x="9358658" y="4790165"/>
+            <a:ext cx="423513" cy="923330"/>
+          </a:xfrm>
+          <a:prstGeom prst="rect">
+            <a:avLst/>
+          </a:prstGeom>
+        </p:spPr>
+        <p:txBody>
+          <a:bodyPr wrap="none">
+            <a:spAutoFit/>
+          </a:bodyPr>
+          <a:lstStyle/>
+          <a:p>
+            <a:pPr algn="ctr"/>
+            <a:r>
+              <a:rPr lang="en-SG" dirty="0"/>
+              <a:t>q2</a:t>
+            </a:r>
+          </a:p>
+          <a:p>
+            <a:pPr algn="ctr"/>
+            <a:r>
+              <a:rPr lang="en-SG" dirty="0"/>
+              <a:t>40</a:t>
+            </a:r>
+          </a:p>
+          <a:p>
+            <a:pPr algn="ctr"/>
+            <a:r>
+              <a:rPr lang="en-SG" dirty="0"/>
+              <a:t>79</a:t>
+            </a:r>
+          </a:p>
+        </p:txBody>
+      </p:sp>
+      <p:sp>
+        <p:nvSpPr>
+          <p:cNvPr id="12" name="Rectangle 11">
+            <a:extLst>
+              <a:ext uri="{FF2B5EF4-FFF2-40B4-BE49-F238E27FC236}">
+                <a16:creationId xmlns:a16="http://schemas.microsoft.com/office/drawing/2014/main" id="{B5D21EFA-AEC7-459F-B3AD-9F00ECC51235}"/>
+              </a:ext>
+            </a:extLst>
+          </p:cNvPr>
+          <p:cNvSpPr/>
+          <p:nvPr/>
+        </p:nvSpPr>
+        <p:spPr>
+          <a:xfrm>
+            <a:off x="9790553" y="4790165"/>
+            <a:ext cx="535724" cy="923330"/>
+          </a:xfrm>
+          <a:prstGeom prst="rect">
+            <a:avLst/>
+          </a:prstGeom>
+        </p:spPr>
+        <p:txBody>
+          <a:bodyPr wrap="none">
+            <a:spAutoFit/>
+          </a:bodyPr>
+          <a:lstStyle/>
+          <a:p>
+            <a:pPr algn="ctr"/>
+            <a:r>
+              <a:rPr lang="en-SG" dirty="0"/>
+              <a:t>q3</a:t>
+            </a:r>
+          </a:p>
+          <a:p>
+            <a:pPr algn="ctr"/>
+            <a:r>
+              <a:rPr lang="en-SG" dirty="0"/>
+              <a:t>80</a:t>
+            </a:r>
+          </a:p>
+          <a:p>
+            <a:pPr algn="ctr"/>
+            <a:r>
+              <a:rPr lang="en-SG" dirty="0"/>
+              <a:t>119</a:t>
+            </a:r>
+          </a:p>
+        </p:txBody>
+      </p:sp>
+      <p:sp>
+        <p:nvSpPr>
+          <p:cNvPr id="13" name="Rectangle 12">
+            <a:extLst>
+              <a:ext uri="{FF2B5EF4-FFF2-40B4-BE49-F238E27FC236}">
+                <a16:creationId xmlns:a16="http://schemas.microsoft.com/office/drawing/2014/main" id="{F03F07C1-344C-4630-A1AC-4AB1A7358FA7}"/>
+              </a:ext>
+            </a:extLst>
+          </p:cNvPr>
+          <p:cNvSpPr/>
+          <p:nvPr/>
+        </p:nvSpPr>
+        <p:spPr>
+          <a:xfrm>
+            <a:off x="10301110" y="4790165"/>
+            <a:ext cx="535723" cy="923330"/>
+          </a:xfrm>
+          <a:prstGeom prst="rect">
+            <a:avLst/>
+          </a:prstGeom>
+        </p:spPr>
+        <p:txBody>
+          <a:bodyPr wrap="none">
+            <a:spAutoFit/>
+          </a:bodyPr>
+          <a:lstStyle/>
+          <a:p>
+            <a:pPr algn="ctr"/>
+            <a:r>
+              <a:rPr lang="en-SG" dirty="0"/>
+              <a:t>q4</a:t>
+            </a:r>
+          </a:p>
+          <a:p>
+            <a:pPr algn="ctr"/>
+            <a:r>
+              <a:rPr lang="en-SG" dirty="0"/>
+              <a:t>120</a:t>
+            </a:r>
+          </a:p>
+          <a:p>
+            <a:pPr algn="ctr"/>
+            <a:r>
+              <a:rPr lang="en-SG" dirty="0"/>
+              <a:t>159</a:t>
+            </a:r>
+          </a:p>
+        </p:txBody>
+      </p:sp>
+      <p:sp>
+        <p:nvSpPr>
+          <p:cNvPr id="3" name="Left Brace 2">
+            <a:extLst>
+              <a:ext uri="{FF2B5EF4-FFF2-40B4-BE49-F238E27FC236}">
+                <a16:creationId xmlns:a16="http://schemas.microsoft.com/office/drawing/2014/main" id="{4F640261-E877-481C-8878-E10D5E31202F}"/>
+              </a:ext>
+            </a:extLst>
+          </p:cNvPr>
+          <p:cNvSpPr/>
+          <p:nvPr/>
+        </p:nvSpPr>
+        <p:spPr>
+          <a:xfrm rot="16200000">
+            <a:off x="9222491" y="5301770"/>
+            <a:ext cx="154889" cy="907390"/>
+          </a:xfrm>
+          <a:prstGeom prst="leftBrace">
+            <a:avLst/>
+          </a:prstGeom>
+        </p:spPr>
+        <p:style>
+          <a:lnRef idx="1">
+            <a:schemeClr val="accent1"/>
+          </a:lnRef>
+          <a:fillRef idx="0">
+            <a:schemeClr val="accent1"/>
+          </a:fillRef>
+          <a:effectRef idx="0">
+            <a:schemeClr val="accent1"/>
+          </a:effectRef>
+          <a:fontRef idx="minor">
+            <a:schemeClr val="tx1"/>
+          </a:fontRef>
+        </p:style>
+        <p:txBody>
+          <a:bodyPr rtlCol="0" anchor="ctr"/>
+          <a:lstStyle/>
+          <a:p>
+            <a:pPr algn="ctr"/>
+            <a:endParaRPr lang="en-SG"/>
+          </a:p>
+        </p:txBody>
+      </p:sp>
+      <p:sp>
+        <p:nvSpPr>
+          <p:cNvPr id="18" name="Left Brace 17">
+            <a:extLst>
+              <a:ext uri="{FF2B5EF4-FFF2-40B4-BE49-F238E27FC236}">
+                <a16:creationId xmlns:a16="http://schemas.microsoft.com/office/drawing/2014/main" id="{C6F9D08E-F151-4520-ADB2-D0DB9C8A4FF7}"/>
+              </a:ext>
+            </a:extLst>
+          </p:cNvPr>
+          <p:cNvSpPr/>
+          <p:nvPr/>
+        </p:nvSpPr>
+        <p:spPr>
+          <a:xfrm rot="16200000">
+            <a:off x="9767572" y="5456659"/>
+            <a:ext cx="154889" cy="907390"/>
+          </a:xfrm>
+          <a:prstGeom prst="leftBrace">
+            <a:avLst/>
+          </a:prstGeom>
+        </p:spPr>
+        <p:style>
+          <a:lnRef idx="1">
+            <a:schemeClr val="accent1"/>
+          </a:lnRef>
+          <a:fillRef idx="0">
+            <a:schemeClr val="accent1"/>
+          </a:fillRef>
+          <a:effectRef idx="0">
+            <a:schemeClr val="accent1"/>
+          </a:effectRef>
+          <a:fontRef idx="minor">
+            <a:schemeClr val="tx1"/>
+          </a:fontRef>
+        </p:style>
+        <p:txBody>
+          <a:bodyPr rtlCol="0" anchor="ctr"/>
+          <a:lstStyle/>
+          <a:p>
+            <a:pPr algn="ctr"/>
+            <a:endParaRPr lang="en-SG"/>
+          </a:p>
+        </p:txBody>
+      </p:sp>
+      <p:sp>
+        <p:nvSpPr>
+          <p:cNvPr id="19" name="Left Brace 18">
+            <a:extLst>
+              <a:ext uri="{FF2B5EF4-FFF2-40B4-BE49-F238E27FC236}">
+                <a16:creationId xmlns:a16="http://schemas.microsoft.com/office/drawing/2014/main" id="{649BE30C-A551-41D5-A230-A179ADB9CB96}"/>
+              </a:ext>
+            </a:extLst>
+          </p:cNvPr>
+          <p:cNvSpPr/>
+          <p:nvPr/>
+        </p:nvSpPr>
+        <p:spPr>
+          <a:xfrm rot="16200000">
+            <a:off x="10312654" y="5611548"/>
+            <a:ext cx="154889" cy="907390"/>
+          </a:xfrm>
+          <a:prstGeom prst="leftBrace">
+            <a:avLst/>
+          </a:prstGeom>
+        </p:spPr>
+        <p:style>
+          <a:lnRef idx="1">
+            <a:schemeClr val="accent1"/>
+          </a:lnRef>
+          <a:fillRef idx="0">
+            <a:schemeClr val="accent1"/>
+          </a:fillRef>
+          <a:effectRef idx="0">
+            <a:schemeClr val="accent1"/>
+          </a:effectRef>
+          <a:fontRef idx="minor">
+            <a:schemeClr val="tx1"/>
+          </a:fontRef>
+        </p:style>
+        <p:txBody>
+          <a:bodyPr rtlCol="0" anchor="ctr"/>
+          <a:lstStyle/>
+          <a:p>
+            <a:pPr algn="ctr"/>
+            <a:endParaRPr lang="en-SG"/>
+          </a:p>
+        </p:txBody>
+      </p:sp>
+      <p:sp>
+        <p:nvSpPr>
+          <p:cNvPr id="21" name="Rectangle 20">
+            <a:extLst>
+              <a:ext uri="{FF2B5EF4-FFF2-40B4-BE49-F238E27FC236}">
+                <a16:creationId xmlns:a16="http://schemas.microsoft.com/office/drawing/2014/main" id="{B4278C8D-6539-403B-B596-CEAD42DCBBA3}"/>
+              </a:ext>
+            </a:extLst>
+          </p:cNvPr>
+          <p:cNvSpPr/>
+          <p:nvPr/>
+        </p:nvSpPr>
+        <p:spPr>
+          <a:xfrm>
+            <a:off x="9091231" y="5922547"/>
+            <a:ext cx="391454" cy="369332"/>
+          </a:xfrm>
+          <a:prstGeom prst="rect">
+            <a:avLst/>
+          </a:prstGeom>
+        </p:spPr>
+        <p:txBody>
+          <a:bodyPr wrap="none">
+            <a:spAutoFit/>
+          </a:bodyPr>
+          <a:lstStyle/>
+          <a:p>
+            <a:pPr algn="ctr"/>
+            <a:r>
+              <a:rPr lang="en-SG" dirty="0"/>
+              <a:t>s1</a:t>
+            </a:r>
+          </a:p>
+        </p:txBody>
+      </p:sp>
+      <p:sp>
+        <p:nvSpPr>
+          <p:cNvPr id="22" name="Rectangle 21">
+            <a:extLst>
+              <a:ext uri="{FF2B5EF4-FFF2-40B4-BE49-F238E27FC236}">
+                <a16:creationId xmlns:a16="http://schemas.microsoft.com/office/drawing/2014/main" id="{617C73E0-0D6A-4A61-92E5-253315A2D12E}"/>
+              </a:ext>
+            </a:extLst>
+          </p:cNvPr>
+          <p:cNvSpPr/>
+          <p:nvPr/>
+        </p:nvSpPr>
+        <p:spPr>
+          <a:xfrm>
+            <a:off x="9638266" y="6029155"/>
+            <a:ext cx="391454" cy="369332"/>
+          </a:xfrm>
+          <a:prstGeom prst="rect">
+            <a:avLst/>
+          </a:prstGeom>
+        </p:spPr>
+        <p:txBody>
+          <a:bodyPr wrap="none">
+            <a:spAutoFit/>
+          </a:bodyPr>
+          <a:lstStyle/>
+          <a:p>
+            <a:pPr algn="ctr"/>
+            <a:r>
+              <a:rPr lang="en-SG" dirty="0"/>
+              <a:t>s2</a:t>
+            </a:r>
+          </a:p>
+        </p:txBody>
+      </p:sp>
+      <p:sp>
+        <p:nvSpPr>
+          <p:cNvPr id="23" name="Rectangle 22">
+            <a:extLst>
+              <a:ext uri="{FF2B5EF4-FFF2-40B4-BE49-F238E27FC236}">
+                <a16:creationId xmlns:a16="http://schemas.microsoft.com/office/drawing/2014/main" id="{3883F50C-DCEA-432F-B2A3-D6CE6386D35B}"/>
+              </a:ext>
+            </a:extLst>
+          </p:cNvPr>
+          <p:cNvSpPr/>
+          <p:nvPr/>
+        </p:nvSpPr>
+        <p:spPr>
+          <a:xfrm>
+            <a:off x="10241030" y="6079919"/>
+            <a:ext cx="391454" cy="369332"/>
+          </a:xfrm>
+          <a:prstGeom prst="rect">
+            <a:avLst/>
+          </a:prstGeom>
+        </p:spPr>
+        <p:txBody>
+          <a:bodyPr wrap="none">
+            <a:spAutoFit/>
+          </a:bodyPr>
+          <a:lstStyle/>
+          <a:p>
+            <a:pPr algn="ctr"/>
+            <a:r>
+              <a:rPr lang="en-SG" dirty="0"/>
+              <a:t>s3</a:t>
             </a:r>
           </a:p>
         </p:txBody>
@@ -5681,7 +6252,7 @@
     </p:spTree>
     <p:extLst>
       <p:ext uri="{BB962C8B-B14F-4D97-AF65-F5344CB8AC3E}">
-        <p14:creationId xmlns:p14="http://schemas.microsoft.com/office/powerpoint/2010/main" val="1946986691"/>
+        <p14:creationId xmlns:p14="http://schemas.microsoft.com/office/powerpoint/2010/main" val="2835089481"/>
       </p:ext>
     </p:extLst>
   </p:cSld>
@@ -5723,7 +6294,7 @@
         <p:spPr>
           <a:xfrm>
             <a:off x="577937" y="297933"/>
-            <a:ext cx="2338397" cy="523220"/>
+            <a:ext cx="5489836" cy="523220"/>
           </a:xfrm>
           <a:prstGeom prst="rect">
             <a:avLst/>
@@ -5737,7 +6308,7 @@
           <a:p>
             <a:r>
               <a:rPr lang="en-SG" sz="2800" dirty="0"/>
-              <a:t>Test the model</a:t>
+              <a:t>Model selection, Train/Fit the model</a:t>
             </a:r>
           </a:p>
         </p:txBody>
@@ -5747,7 +6318,7 @@
           <p:cNvPr id="2" name="Rectangle 1">
             <a:extLst>
               <a:ext uri="{FF2B5EF4-FFF2-40B4-BE49-F238E27FC236}">
-                <a16:creationId xmlns:a16="http://schemas.microsoft.com/office/drawing/2014/main" id="{99DC96F4-AF3E-486E-9EEE-D2F999D0D11B}"/>
+                <a16:creationId xmlns:a16="http://schemas.microsoft.com/office/drawing/2014/main" id="{2A1BFD86-D0BA-4A6E-B014-EE5C5829E17F}"/>
               </a:ext>
             </a:extLst>
           </p:cNvPr>
@@ -5756,8 +6327,8 @@
         </p:nvSpPr>
         <p:spPr>
           <a:xfrm>
-            <a:off x="1701342" y="1652340"/>
-            <a:ext cx="7712623" cy="3785652"/>
+            <a:off x="975360" y="1459915"/>
+            <a:ext cx="5320937" cy="4154984"/>
           </a:xfrm>
           <a:prstGeom prst="rect">
             <a:avLst/>
@@ -5771,27 +6342,23 @@
           <a:p>
             <a:r>
               <a:rPr lang="en-SG" sz="2400" dirty="0"/>
-              <a:t>Model prediction of test data in csv ﬁle (180 rows): </a:t>
-            </a:r>
-          </a:p>
-          <a:p>
-            <a:pPr marL="342900" indent="-342900">
-              <a:buFont typeface="Arial" panose="020B0604020202020204" pitchFamily="34" charset="0"/>
-              <a:buChar char="•"/>
-            </a:pPr>
+              <a:t>Model for binary classification: </a:t>
+            </a:r>
+          </a:p>
+          <a:p>
+            <a:r>
+              <a:rPr lang="en-SG" sz="2400" b="1" dirty="0"/>
+              <a:t>Logistic Regression</a:t>
+            </a:r>
             <a:r>
               <a:rPr lang="en-SG" sz="2400" dirty="0"/>
-              <a:t>The ﬁrst column is the ﬁlename</a:t>
-            </a:r>
-          </a:p>
-          <a:p>
-            <a:pPr marL="342900" indent="-342900">
-              <a:buFont typeface="Arial" panose="020B0604020202020204" pitchFamily="34" charset="0"/>
-              <a:buChar char="•"/>
-            </a:pPr>
+              <a:t> </a:t>
+            </a:r>
+          </a:p>
+          <a:p>
             <a:r>
               <a:rPr lang="en-SG" sz="2400" dirty="0"/>
-              <a:t>The second column is location of 'V' beat in second</a:t>
+              <a:t>(C=0.001, optimal threshold = 0.026)</a:t>
             </a:r>
           </a:p>
           <a:p>
@@ -5803,7 +6370,7 @@
           <a:p>
             <a:r>
               <a:rPr lang="en-SG" sz="2400" dirty="0"/>
-              <a:t>	   test_results.csv</a:t>
+              <a:t>Split 80/20 to train/validate</a:t>
             </a:r>
           </a:p>
           <a:p>
@@ -5815,71 +6382,105 @@
           <a:p>
             <a:r>
               <a:rPr lang="en-SG" sz="2400" dirty="0"/>
-              <a:t>Notebook and more details:</a:t>
-            </a:r>
-          </a:p>
-          <a:p>
-            <a:r>
-              <a:rPr lang="en-SG" sz="2400" dirty="0">
-                <a:hlinkClick r:id="rId2"/>
-              </a:rPr>
-              <a:t>https://github.com/JNYH/ecg_vbeat</a:t>
-            </a:r>
-            <a:endParaRPr lang="en-SG" sz="2400" dirty="0"/>
+              <a:t>Accuracy score achieved: </a:t>
+            </a:r>
+          </a:p>
+          <a:p>
+            <a:r>
+              <a:rPr lang="en-SG" sz="2400" dirty="0"/>
+              <a:t>Training: 100% </a:t>
+            </a:r>
+          </a:p>
+          <a:p>
+            <a:r>
+              <a:rPr lang="en-SG" sz="2400" dirty="0"/>
+              <a:t>Validation: 100%</a:t>
+            </a:r>
+          </a:p>
+        </p:txBody>
+      </p:sp>
+      <p:sp>
+        <p:nvSpPr>
+          <p:cNvPr id="5" name="Rectangle 4">
+            <a:extLst>
+              <a:ext uri="{FF2B5EF4-FFF2-40B4-BE49-F238E27FC236}">
+                <a16:creationId xmlns:a16="http://schemas.microsoft.com/office/drawing/2014/main" id="{E96FFE87-2402-40BF-9573-C4FA18FB0DF8}"/>
+              </a:ext>
+            </a:extLst>
+          </p:cNvPr>
+          <p:cNvSpPr/>
+          <p:nvPr/>
+        </p:nvSpPr>
+        <p:spPr>
+          <a:xfrm>
+            <a:off x="6448757" y="5291733"/>
+            <a:ext cx="3599512" cy="646331"/>
+          </a:xfrm>
+          <a:prstGeom prst="rect">
+            <a:avLst/>
+          </a:prstGeom>
+        </p:spPr>
+        <p:txBody>
+          <a:bodyPr wrap="none">
+            <a:spAutoFit/>
+          </a:bodyPr>
+          <a:lstStyle/>
+          <a:p>
+            <a:pPr algn="ctr"/>
+            <a:r>
+              <a:rPr lang="en-SG" dirty="0"/>
+              <a:t>Confusion matrix for validation data </a:t>
+            </a:r>
+          </a:p>
+          <a:p>
+            <a:pPr algn="ctr"/>
+            <a:r>
+              <a:rPr lang="en-SG" dirty="0"/>
+              <a:t>(n = 643)</a:t>
+            </a:r>
           </a:p>
         </p:txBody>
       </p:sp>
       <p:pic>
         <p:nvPicPr>
-          <p:cNvPr id="1026" name="Picture 2" descr="Related image">
-            <a:extLst>
-              <a:ext uri="{FF2B5EF4-FFF2-40B4-BE49-F238E27FC236}">
-                <a16:creationId xmlns:a16="http://schemas.microsoft.com/office/drawing/2014/main" id="{786C9E83-7BBC-4D8A-ABF8-E3891C9626B4}"/>
+          <p:cNvPr id="8" name="Picture 7" descr="A screenshot of a cell phone&#10;&#10;Description automatically generated">
+            <a:extLst>
+              <a:ext uri="{FF2B5EF4-FFF2-40B4-BE49-F238E27FC236}">
+                <a16:creationId xmlns:a16="http://schemas.microsoft.com/office/drawing/2014/main" id="{4E68BF5E-6DFA-4683-A608-E8D5A1881DA3}"/>
               </a:ext>
             </a:extLst>
           </p:cNvPr>
           <p:cNvPicPr>
-            <a:picLocks noChangeAspect="1" noChangeArrowheads="1"/>
+            <a:picLocks noChangeAspect="1"/>
           </p:cNvPicPr>
           <p:nvPr/>
         </p:nvPicPr>
         <p:blipFill>
-          <a:blip r:embed="rId3">
+          <a:blip r:embed="rId2">
             <a:extLst>
               <a:ext uri="{28A0092B-C50C-407E-A947-70E740481C1C}">
                 <a14:useLocalDpi xmlns:a14="http://schemas.microsoft.com/office/drawing/2010/main" val="0"/>
               </a:ext>
             </a:extLst>
           </a:blip>
-          <a:srcRect/>
           <a:stretch>
             <a:fillRect/>
           </a:stretch>
         </p:blipFill>
-        <p:spPr bwMode="auto">
-          <a:xfrm>
-            <a:off x="1701342" y="3004127"/>
-            <a:ext cx="1219200" cy="1219200"/>
+        <p:spPr>
+          <a:xfrm>
+            <a:off x="6472100" y="1633537"/>
+            <a:ext cx="3552825" cy="3590925"/>
           </a:xfrm>
           <a:prstGeom prst="rect">
             <a:avLst/>
           </a:prstGeom>
-          <a:noFill/>
-          <a:extLst>
-            <a:ext uri="{909E8E84-426E-40DD-AFC4-6F175D3DCCD1}">
-              <a14:hiddenFill xmlns:a14="http://schemas.microsoft.com/office/drawing/2010/main">
-                <a:solidFill>
-                  <a:srgbClr val="FFFFFF"/>
-                </a:solidFill>
-              </a14:hiddenFill>
-            </a:ext>
-          </a:extLst>
         </p:spPr>
       </p:pic>
     </p:spTree>
     <p:extLst>
       <p:ext uri="{BB962C8B-B14F-4D97-AF65-F5344CB8AC3E}">
-        <p14:creationId xmlns:p14="http://schemas.microsoft.com/office/powerpoint/2010/main" val="523250583"/>
+        <p14:creationId xmlns:p14="http://schemas.microsoft.com/office/powerpoint/2010/main" val="1946986691"/>
       </p:ext>
     </p:extLst>
   </p:cSld>
@@ -5921,7 +6522,7 @@
         <p:spPr>
           <a:xfrm>
             <a:off x="577937" y="297933"/>
-            <a:ext cx="5043753" cy="523220"/>
+            <a:ext cx="4114716" cy="523220"/>
           </a:xfrm>
           <a:prstGeom prst="rect">
             <a:avLst/>
@@ -5935,7 +6536,7 @@
           <a:p>
             <a:r>
               <a:rPr lang="en-SG" sz="2800" dirty="0"/>
-              <a:t>Next steps, to improve the model</a:t>
+              <a:t>Test the model, test results</a:t>
             </a:r>
           </a:p>
         </p:txBody>
@@ -5954,8 +6555,8 @@
         </p:nvSpPr>
         <p:spPr>
           <a:xfrm>
-            <a:off x="577937" y="1344580"/>
-            <a:ext cx="7712623" cy="2677656"/>
+            <a:off x="1701342" y="1652340"/>
+            <a:ext cx="7712623" cy="3785652"/>
           </a:xfrm>
           <a:prstGeom prst="rect">
             <a:avLst/>
@@ -5969,431 +6570,115 @@
           <a:p>
             <a:r>
               <a:rPr lang="en-SG" sz="2400" dirty="0"/>
-              <a:t>Additional 12 features</a:t>
+              <a:t>Model prediction of test data in csv ﬁle (180 rows): </a:t>
             </a:r>
           </a:p>
           <a:p>
             <a:pPr marL="342900" indent="-342900">
-              <a:buFontTx/>
-              <a:buChar char="-"/>
+              <a:buFont typeface="Arial" panose="020B0604020202020204" pitchFamily="34" charset="0"/>
+              <a:buChar char="•"/>
             </a:pPr>
             <a:r>
               <a:rPr lang="en-SG" sz="2400" dirty="0"/>
-              <a:t>Split into 4 quadrants</a:t>
+              <a:t>First column is the ﬁlename</a:t>
             </a:r>
           </a:p>
           <a:p>
             <a:pPr marL="342900" indent="-342900">
-              <a:buFontTx/>
-              <a:buChar char="-"/>
+              <a:buFont typeface="Arial" panose="020B0604020202020204" pitchFamily="34" charset="0"/>
+              <a:buChar char="•"/>
             </a:pPr>
             <a:r>
               <a:rPr lang="en-SG" sz="2400" dirty="0"/>
-              <a:t>Find min, max, mean for each quadrant</a:t>
-            </a:r>
-          </a:p>
-          <a:p>
-            <a:pPr marL="342900" indent="-342900">
-              <a:buFontTx/>
-              <a:buChar char="-"/>
-            </a:pPr>
+              <a:t>Second column is location of 'V' beat (in seconds)</a:t>
+            </a:r>
+          </a:p>
+          <a:p>
             <a:endParaRPr lang="en-SG" sz="2400" dirty="0"/>
           </a:p>
           <a:p>
+            <a:endParaRPr lang="en-SG" sz="2400" dirty="0"/>
+          </a:p>
+          <a:p>
             <a:r>
               <a:rPr lang="en-SG" sz="2400" dirty="0"/>
-              <a:t>Additional 3 features</a:t>
-            </a:r>
-          </a:p>
-          <a:p>
-            <a:pPr marL="342900" indent="-342900">
-              <a:buFontTx/>
-              <a:buChar char="-"/>
-            </a:pPr>
+              <a:t>	   test_results.csv</a:t>
+            </a:r>
+          </a:p>
+          <a:p>
+            <a:endParaRPr lang="en-SG" sz="2400" dirty="0"/>
+          </a:p>
+          <a:p>
+            <a:endParaRPr lang="en-SG" sz="2400" dirty="0"/>
+          </a:p>
+          <a:p>
             <a:r>
               <a:rPr lang="en-SG" sz="2400" dirty="0"/>
-              <a:t>Split into 4 quadrants</a:t>
-            </a:r>
-          </a:p>
-          <a:p>
-            <a:pPr marL="342900" indent="-342900">
-              <a:buFontTx/>
-              <a:buChar char="-"/>
-            </a:pPr>
-            <a:r>
-              <a:rPr lang="en-SG" sz="2400" dirty="0"/>
-              <a:t>Find moving average of 2 consecutive quadrants</a:t>
-            </a:r>
+              <a:t>Notebook and more details:</a:t>
+            </a:r>
+          </a:p>
+          <a:p>
+            <a:r>
+              <a:rPr lang="en-SG" sz="2400" dirty="0">
+                <a:hlinkClick r:id="rId2"/>
+              </a:rPr>
+              <a:t>https://github.com/JNYH/ecg_vbeat</a:t>
+            </a:r>
+            <a:endParaRPr lang="en-SG" sz="2400" dirty="0"/>
           </a:p>
         </p:txBody>
       </p:sp>
       <p:pic>
         <p:nvPicPr>
-          <p:cNvPr id="5" name="Picture 4">
-            <a:extLst>
-              <a:ext uri="{FF2B5EF4-FFF2-40B4-BE49-F238E27FC236}">
-                <a16:creationId xmlns:a16="http://schemas.microsoft.com/office/drawing/2014/main" id="{0D31A24F-E553-4D3F-ABFB-C44FEB487ABF}"/>
+          <p:cNvPr id="1026" name="Picture 2" descr="Related image">
+            <a:extLst>
+              <a:ext uri="{FF2B5EF4-FFF2-40B4-BE49-F238E27FC236}">
+                <a16:creationId xmlns:a16="http://schemas.microsoft.com/office/drawing/2014/main" id="{786C9E83-7BBC-4D8A-ABF8-E3891C9626B4}"/>
               </a:ext>
             </a:extLst>
           </p:cNvPr>
           <p:cNvPicPr>
-            <a:picLocks noChangeAspect="1"/>
+            <a:picLocks noChangeAspect="1" noChangeArrowheads="1"/>
           </p:cNvPicPr>
           <p:nvPr/>
         </p:nvPicPr>
         <p:blipFill>
-          <a:blip r:embed="rId2"/>
+          <a:blip r:embed="rId3">
+            <a:extLst>
+              <a:ext uri="{28A0092B-C50C-407E-A947-70E740481C1C}">
+                <a14:useLocalDpi xmlns:a14="http://schemas.microsoft.com/office/drawing/2010/main" val="0"/>
+              </a:ext>
+            </a:extLst>
+          </a:blip>
+          <a:srcRect/>
           <a:stretch>
             <a:fillRect/>
           </a:stretch>
         </p:blipFill>
-        <p:spPr>
-          <a:xfrm>
-            <a:off x="8290560" y="152177"/>
-            <a:ext cx="2648991" cy="5264453"/>
+        <p:spPr bwMode="auto">
+          <a:xfrm>
+            <a:off x="1701342" y="3004127"/>
+            <a:ext cx="1219200" cy="1219200"/>
           </a:xfrm>
           <a:prstGeom prst="rect">
             <a:avLst/>
           </a:prstGeom>
-          <a:ln w="28575">
-            <a:noFill/>
-            <a:prstDash val="lgDash"/>
-          </a:ln>
-          <a:effectLst/>
+          <a:noFill/>
+          <a:extLst>
+            <a:ext uri="{909E8E84-426E-40DD-AFC4-6F175D3DCCD1}">
+              <a14:hiddenFill xmlns:a14="http://schemas.microsoft.com/office/drawing/2010/main">
+                <a:solidFill>
+                  <a:srgbClr val="FFFFFF"/>
+                </a:solidFill>
+              </a14:hiddenFill>
+            </a:ext>
+          </a:extLst>
         </p:spPr>
       </p:pic>
-      <p:cxnSp>
-        <p:nvCxnSpPr>
-          <p:cNvPr id="6" name="Straight Connector 5">
-            <a:extLst>
-              <a:ext uri="{FF2B5EF4-FFF2-40B4-BE49-F238E27FC236}">
-                <a16:creationId xmlns:a16="http://schemas.microsoft.com/office/drawing/2014/main" id="{FD002406-C408-4D53-9355-13F527B2C827}"/>
-              </a:ext>
-            </a:extLst>
-          </p:cNvPr>
-          <p:cNvCxnSpPr>
-            <a:cxnSpLocks/>
-          </p:cNvCxnSpPr>
-          <p:nvPr/>
-        </p:nvCxnSpPr>
-        <p:spPr>
-          <a:xfrm flipH="1">
-            <a:off x="9790020" y="358828"/>
-            <a:ext cx="8709" cy="5947954"/>
-          </a:xfrm>
-          <a:prstGeom prst="line">
-            <a:avLst/>
-          </a:prstGeom>
-          <a:ln w="19050">
-            <a:solidFill>
-              <a:srgbClr val="FF0000"/>
-            </a:solidFill>
-            <a:prstDash val="lgDash"/>
-          </a:ln>
-        </p:spPr>
-        <p:style>
-          <a:lnRef idx="1">
-            <a:schemeClr val="accent1"/>
-          </a:lnRef>
-          <a:fillRef idx="0">
-            <a:schemeClr val="accent1"/>
-          </a:fillRef>
-          <a:effectRef idx="0">
-            <a:schemeClr val="accent1"/>
-          </a:effectRef>
-          <a:fontRef idx="minor">
-            <a:schemeClr val="tx1"/>
-          </a:fontRef>
-        </p:style>
-      </p:cxnSp>
-      <p:cxnSp>
-        <p:nvCxnSpPr>
-          <p:cNvPr id="8" name="Straight Connector 7">
-            <a:extLst>
-              <a:ext uri="{FF2B5EF4-FFF2-40B4-BE49-F238E27FC236}">
-                <a16:creationId xmlns:a16="http://schemas.microsoft.com/office/drawing/2014/main" id="{C644BB3C-88A0-47B0-8BBD-50D77AC7CC5D}"/>
-              </a:ext>
-            </a:extLst>
-          </p:cNvPr>
-          <p:cNvCxnSpPr>
-            <a:cxnSpLocks/>
-          </p:cNvCxnSpPr>
-          <p:nvPr/>
-        </p:nvCxnSpPr>
-        <p:spPr>
-          <a:xfrm flipH="1">
-            <a:off x="9302340" y="358828"/>
-            <a:ext cx="8709" cy="5947954"/>
-          </a:xfrm>
-          <a:prstGeom prst="line">
-            <a:avLst/>
-          </a:prstGeom>
-          <a:ln w="19050">
-            <a:solidFill>
-              <a:srgbClr val="FF0000"/>
-            </a:solidFill>
-            <a:prstDash val="lgDash"/>
-          </a:ln>
-        </p:spPr>
-        <p:style>
-          <a:lnRef idx="1">
-            <a:schemeClr val="accent1"/>
-          </a:lnRef>
-          <a:fillRef idx="0">
-            <a:schemeClr val="accent1"/>
-          </a:fillRef>
-          <a:effectRef idx="0">
-            <a:schemeClr val="accent1"/>
-          </a:effectRef>
-          <a:fontRef idx="minor">
-            <a:schemeClr val="tx1"/>
-          </a:fontRef>
-        </p:style>
-      </p:cxnSp>
-      <p:cxnSp>
-        <p:nvCxnSpPr>
-          <p:cNvPr id="9" name="Straight Connector 8">
-            <a:extLst>
-              <a:ext uri="{FF2B5EF4-FFF2-40B4-BE49-F238E27FC236}">
-                <a16:creationId xmlns:a16="http://schemas.microsoft.com/office/drawing/2014/main" id="{9CAE36A0-5B0F-4D81-A20D-B2E3CDE0B41A}"/>
-              </a:ext>
-            </a:extLst>
-          </p:cNvPr>
-          <p:cNvCxnSpPr>
-            <a:cxnSpLocks/>
-          </p:cNvCxnSpPr>
-          <p:nvPr/>
-        </p:nvCxnSpPr>
-        <p:spPr>
-          <a:xfrm flipH="1">
-            <a:off x="10314120" y="358828"/>
-            <a:ext cx="8709" cy="5947954"/>
-          </a:xfrm>
-          <a:prstGeom prst="line">
-            <a:avLst/>
-          </a:prstGeom>
-          <a:ln w="19050">
-            <a:solidFill>
-              <a:srgbClr val="FF0000"/>
-            </a:solidFill>
-            <a:prstDash val="lgDash"/>
-          </a:ln>
-        </p:spPr>
-        <p:style>
-          <a:lnRef idx="1">
-            <a:schemeClr val="accent1"/>
-          </a:lnRef>
-          <a:fillRef idx="0">
-            <a:schemeClr val="accent1"/>
-          </a:fillRef>
-          <a:effectRef idx="0">
-            <a:schemeClr val="accent1"/>
-          </a:effectRef>
-          <a:fontRef idx="minor">
-            <a:schemeClr val="tx1"/>
-          </a:fontRef>
-        </p:style>
-      </p:cxnSp>
-      <p:sp>
-        <p:nvSpPr>
-          <p:cNvPr id="10" name="Rectangle 9">
-            <a:extLst>
-              <a:ext uri="{FF2B5EF4-FFF2-40B4-BE49-F238E27FC236}">
-                <a16:creationId xmlns:a16="http://schemas.microsoft.com/office/drawing/2014/main" id="{0C7B1DE1-0A47-4347-88C5-B2CA9CD0E770}"/>
-              </a:ext>
-            </a:extLst>
-          </p:cNvPr>
-          <p:cNvSpPr/>
-          <p:nvPr/>
-        </p:nvSpPr>
-        <p:spPr>
-          <a:xfrm>
-            <a:off x="8853520" y="5435214"/>
-            <a:ext cx="423514" cy="923330"/>
-          </a:xfrm>
-          <a:prstGeom prst="rect">
-            <a:avLst/>
-          </a:prstGeom>
-        </p:spPr>
-        <p:txBody>
-          <a:bodyPr wrap="none">
-            <a:spAutoFit/>
-          </a:bodyPr>
-          <a:lstStyle/>
-          <a:p>
-            <a:pPr algn="ctr"/>
-            <a:r>
-              <a:rPr lang="en-SG" dirty="0"/>
-              <a:t>q1</a:t>
-            </a:r>
-          </a:p>
-          <a:p>
-            <a:pPr algn="ctr"/>
-            <a:r>
-              <a:rPr lang="en-SG" dirty="0"/>
-              <a:t>0</a:t>
-            </a:r>
-          </a:p>
-          <a:p>
-            <a:pPr algn="ctr"/>
-            <a:r>
-              <a:rPr lang="en-SG" dirty="0"/>
-              <a:t>36</a:t>
-            </a:r>
-          </a:p>
-        </p:txBody>
-      </p:sp>
-      <p:sp>
-        <p:nvSpPr>
-          <p:cNvPr id="11" name="Rectangle 10">
-            <a:extLst>
-              <a:ext uri="{FF2B5EF4-FFF2-40B4-BE49-F238E27FC236}">
-                <a16:creationId xmlns:a16="http://schemas.microsoft.com/office/drawing/2014/main" id="{68474FAB-091E-428B-BBE3-951B764D4029}"/>
-              </a:ext>
-            </a:extLst>
-          </p:cNvPr>
-          <p:cNvSpPr/>
-          <p:nvPr/>
-        </p:nvSpPr>
-        <p:spPr>
-          <a:xfrm>
-            <a:off x="9299935" y="5444507"/>
-            <a:ext cx="423513" cy="923330"/>
-          </a:xfrm>
-          <a:prstGeom prst="rect">
-            <a:avLst/>
-          </a:prstGeom>
-        </p:spPr>
-        <p:txBody>
-          <a:bodyPr wrap="none">
-            <a:spAutoFit/>
-          </a:bodyPr>
-          <a:lstStyle/>
-          <a:p>
-            <a:pPr algn="ctr"/>
-            <a:r>
-              <a:rPr lang="en-SG" dirty="0"/>
-              <a:t>q2</a:t>
-            </a:r>
-          </a:p>
-          <a:p>
-            <a:pPr algn="ctr"/>
-            <a:r>
-              <a:rPr lang="en-SG" dirty="0"/>
-              <a:t>37</a:t>
-            </a:r>
-          </a:p>
-          <a:p>
-            <a:pPr algn="ctr"/>
-            <a:r>
-              <a:rPr lang="en-SG" dirty="0"/>
-              <a:t>74</a:t>
-            </a:r>
-          </a:p>
-        </p:txBody>
-      </p:sp>
-      <p:sp>
-        <p:nvSpPr>
-          <p:cNvPr id="12" name="Rectangle 11">
-            <a:extLst>
-              <a:ext uri="{FF2B5EF4-FFF2-40B4-BE49-F238E27FC236}">
-                <a16:creationId xmlns:a16="http://schemas.microsoft.com/office/drawing/2014/main" id="{B5D21EFA-AEC7-459F-B3AD-9F00ECC51235}"/>
-              </a:ext>
-            </a:extLst>
-          </p:cNvPr>
-          <p:cNvSpPr/>
-          <p:nvPr/>
-        </p:nvSpPr>
-        <p:spPr>
-          <a:xfrm>
-            <a:off x="9740219" y="5444507"/>
-            <a:ext cx="535723" cy="923330"/>
-          </a:xfrm>
-          <a:prstGeom prst="rect">
-            <a:avLst/>
-          </a:prstGeom>
-        </p:spPr>
-        <p:txBody>
-          <a:bodyPr wrap="none">
-            <a:spAutoFit/>
-          </a:bodyPr>
-          <a:lstStyle/>
-          <a:p>
-            <a:pPr algn="ctr"/>
-            <a:r>
-              <a:rPr lang="en-SG" dirty="0"/>
-              <a:t>q3</a:t>
-            </a:r>
-          </a:p>
-          <a:p>
-            <a:pPr algn="ctr"/>
-            <a:r>
-              <a:rPr lang="en-SG" dirty="0"/>
-              <a:t>75</a:t>
-            </a:r>
-          </a:p>
-          <a:p>
-            <a:pPr algn="ctr"/>
-            <a:r>
-              <a:rPr lang="en-SG" dirty="0"/>
-              <a:t>112</a:t>
-            </a:r>
-          </a:p>
-        </p:txBody>
-      </p:sp>
-      <p:sp>
-        <p:nvSpPr>
-          <p:cNvPr id="13" name="Rectangle 12">
-            <a:extLst>
-              <a:ext uri="{FF2B5EF4-FFF2-40B4-BE49-F238E27FC236}">
-                <a16:creationId xmlns:a16="http://schemas.microsoft.com/office/drawing/2014/main" id="{F03F07C1-344C-4630-A1AC-4AB1A7358FA7}"/>
-              </a:ext>
-            </a:extLst>
-          </p:cNvPr>
-          <p:cNvSpPr/>
-          <p:nvPr/>
-        </p:nvSpPr>
-        <p:spPr>
-          <a:xfrm>
-            <a:off x="10275943" y="5444507"/>
-            <a:ext cx="535723" cy="923330"/>
-          </a:xfrm>
-          <a:prstGeom prst="rect">
-            <a:avLst/>
-          </a:prstGeom>
-        </p:spPr>
-        <p:txBody>
-          <a:bodyPr wrap="none">
-            <a:spAutoFit/>
-          </a:bodyPr>
-          <a:lstStyle/>
-          <a:p>
-            <a:pPr algn="ctr"/>
-            <a:r>
-              <a:rPr lang="en-SG" dirty="0"/>
-              <a:t>q4</a:t>
-            </a:r>
-          </a:p>
-          <a:p>
-            <a:pPr algn="ctr"/>
-            <a:r>
-              <a:rPr lang="en-SG" dirty="0"/>
-              <a:t>113</a:t>
-            </a:r>
-          </a:p>
-          <a:p>
-            <a:pPr algn="ctr"/>
-            <a:r>
-              <a:rPr lang="en-SG" dirty="0"/>
-              <a:t>149</a:t>
-            </a:r>
-          </a:p>
-        </p:txBody>
-      </p:sp>
     </p:spTree>
     <p:extLst>
       <p:ext uri="{BB962C8B-B14F-4D97-AF65-F5344CB8AC3E}">
-        <p14:creationId xmlns:p14="http://schemas.microsoft.com/office/powerpoint/2010/main" val="2835089481"/>
+        <p14:creationId xmlns:p14="http://schemas.microsoft.com/office/powerpoint/2010/main" val="523250583"/>
       </p:ext>
     </p:extLst>
   </p:cSld>

--- a/ecg_vbeat.pptx
+++ b/ecg_vbeat.pptx
@@ -267,7 +267,7 @@
           <a:p>
             <a:fld id="{46A42295-5F1D-4AEE-AB5B-478418305D41}" type="datetimeFigureOut">
               <a:rPr lang="en-SG" smtClean="0"/>
-              <a:t>12/10/2019</a:t>
+              <a:t>14/10/2019</a:t>
             </a:fld>
             <a:endParaRPr lang="en-SG"/>
           </a:p>
@@ -467,7 +467,7 @@
           <a:p>
             <a:fld id="{46A42295-5F1D-4AEE-AB5B-478418305D41}" type="datetimeFigureOut">
               <a:rPr lang="en-SG" smtClean="0"/>
-              <a:t>12/10/2019</a:t>
+              <a:t>14/10/2019</a:t>
             </a:fld>
             <a:endParaRPr lang="en-SG"/>
           </a:p>
@@ -677,7 +677,7 @@
           <a:p>
             <a:fld id="{46A42295-5F1D-4AEE-AB5B-478418305D41}" type="datetimeFigureOut">
               <a:rPr lang="en-SG" smtClean="0"/>
-              <a:t>12/10/2019</a:t>
+              <a:t>14/10/2019</a:t>
             </a:fld>
             <a:endParaRPr lang="en-SG"/>
           </a:p>
@@ -877,7 +877,7 @@
           <a:p>
             <a:fld id="{46A42295-5F1D-4AEE-AB5B-478418305D41}" type="datetimeFigureOut">
               <a:rPr lang="en-SG" smtClean="0"/>
-              <a:t>12/10/2019</a:t>
+              <a:t>14/10/2019</a:t>
             </a:fld>
             <a:endParaRPr lang="en-SG"/>
           </a:p>
@@ -1153,7 +1153,7 @@
           <a:p>
             <a:fld id="{46A42295-5F1D-4AEE-AB5B-478418305D41}" type="datetimeFigureOut">
               <a:rPr lang="en-SG" smtClean="0"/>
-              <a:t>12/10/2019</a:t>
+              <a:t>14/10/2019</a:t>
             </a:fld>
             <a:endParaRPr lang="en-SG"/>
           </a:p>
@@ -1421,7 +1421,7 @@
           <a:p>
             <a:fld id="{46A42295-5F1D-4AEE-AB5B-478418305D41}" type="datetimeFigureOut">
               <a:rPr lang="en-SG" smtClean="0"/>
-              <a:t>12/10/2019</a:t>
+              <a:t>14/10/2019</a:t>
             </a:fld>
             <a:endParaRPr lang="en-SG"/>
           </a:p>
@@ -1836,7 +1836,7 @@
           <a:p>
             <a:fld id="{46A42295-5F1D-4AEE-AB5B-478418305D41}" type="datetimeFigureOut">
               <a:rPr lang="en-SG" smtClean="0"/>
-              <a:t>12/10/2019</a:t>
+              <a:t>14/10/2019</a:t>
             </a:fld>
             <a:endParaRPr lang="en-SG"/>
           </a:p>
@@ -1978,7 +1978,7 @@
           <a:p>
             <a:fld id="{46A42295-5F1D-4AEE-AB5B-478418305D41}" type="datetimeFigureOut">
               <a:rPr lang="en-SG" smtClean="0"/>
-              <a:t>12/10/2019</a:t>
+              <a:t>14/10/2019</a:t>
             </a:fld>
             <a:endParaRPr lang="en-SG"/>
           </a:p>
@@ -2091,7 +2091,7 @@
           <a:p>
             <a:fld id="{46A42295-5F1D-4AEE-AB5B-478418305D41}" type="datetimeFigureOut">
               <a:rPr lang="en-SG" smtClean="0"/>
-              <a:t>12/10/2019</a:t>
+              <a:t>14/10/2019</a:t>
             </a:fld>
             <a:endParaRPr lang="en-SG"/>
           </a:p>
@@ -2404,7 +2404,7 @@
           <a:p>
             <a:fld id="{46A42295-5F1D-4AEE-AB5B-478418305D41}" type="datetimeFigureOut">
               <a:rPr lang="en-SG" smtClean="0"/>
-              <a:t>12/10/2019</a:t>
+              <a:t>14/10/2019</a:t>
             </a:fld>
             <a:endParaRPr lang="en-SG"/>
           </a:p>
@@ -2693,7 +2693,7 @@
           <a:p>
             <a:fld id="{46A42295-5F1D-4AEE-AB5B-478418305D41}" type="datetimeFigureOut">
               <a:rPr lang="en-SG" smtClean="0"/>
-              <a:t>12/10/2019</a:t>
+              <a:t>14/10/2019</a:t>
             </a:fld>
             <a:endParaRPr lang="en-SG"/>
           </a:p>
@@ -2936,7 +2936,7 @@
           <a:p>
             <a:fld id="{46A42295-5F1D-4AEE-AB5B-478418305D41}" type="datetimeFigureOut">
               <a:rPr lang="en-SG" smtClean="0"/>
-              <a:t>12/10/2019</a:t>
+              <a:t>14/10/2019</a:t>
             </a:fld>
             <a:endParaRPr lang="en-SG"/>
           </a:p>
@@ -3471,13 +3471,13 @@
         </p:nvPicPr>
         <p:blipFill rotWithShape="1">
           <a:blip r:embed="rId2"/>
-          <a:srcRect l="57702" r="12821" b="1404"/>
+          <a:srcRect l="46564" r="12821" b="1404"/>
           <a:stretch/>
         </p:blipFill>
         <p:spPr>
           <a:xfrm>
-            <a:off x="7654882" y="1401596"/>
-            <a:ext cx="3286561" cy="4494108"/>
+            <a:off x="6412966" y="1401596"/>
+            <a:ext cx="4528478" cy="4494108"/>
           </a:xfrm>
           <a:prstGeom prst="rect">
             <a:avLst/>
@@ -3614,7 +3614,7 @@
         </p:nvSpPr>
         <p:spPr>
           <a:xfrm>
-            <a:off x="6180152" y="5959740"/>
+            <a:off x="5675454" y="5902207"/>
             <a:ext cx="652743" cy="369332"/>
           </a:xfrm>
           <a:prstGeom prst="rect">
@@ -3686,7 +3686,7 @@
         </p:nvCxnSpPr>
         <p:spPr>
           <a:xfrm>
-            <a:off x="6778305" y="1401596"/>
+            <a:off x="7675927" y="1404672"/>
             <a:ext cx="0" cy="284591"/>
           </a:xfrm>
           <a:prstGeom prst="straightConnector1">
@@ -3725,7 +3725,7 @@
         </p:nvSpPr>
         <p:spPr>
           <a:xfrm>
-            <a:off x="6414191" y="1334483"/>
+            <a:off x="7311813" y="1337559"/>
             <a:ext cx="418704" cy="369332"/>
           </a:xfrm>
           <a:prstGeom prst="rect">
@@ -4322,7 +4322,7 @@
         </p:nvSpPr>
         <p:spPr>
           <a:xfrm>
-            <a:off x="6162116" y="5232481"/>
+            <a:off x="5676213" y="5276023"/>
             <a:ext cx="652743" cy="369332"/>
           </a:xfrm>
           <a:prstGeom prst="rect">
@@ -4360,7 +4360,7 @@
         </p:nvSpPr>
         <p:spPr>
           <a:xfrm>
-            <a:off x="6029912" y="4920683"/>
+            <a:off x="5544009" y="4964225"/>
             <a:ext cx="915635" cy="369332"/>
           </a:xfrm>
           <a:prstGeom prst="rect">
